--- a/DSA_Projects/PPT.pptx
+++ b/DSA_Projects/PPT.pptx
@@ -1,35 +1,35 @@
 
 <file path=ppt/presentation.xml><?xml version="1.0" encoding="utf-8"?>
-<p:presentation xmlns:a="http://schemas.openxmlformats.org/drawingml/2006/main" xmlns:r="http://schemas.openxmlformats.org/officeDocument/2006/relationships" xmlns:p="http://schemas.openxmlformats.org/presentationml/2006/main" saveSubsetFonts="1" embedTrueTypeFonts="true">
+<p:presentation xmlns:a="http://schemas.openxmlformats.org/drawingml/2006/main" xmlns:r="http://schemas.openxmlformats.org/officeDocument/2006/relationships" xmlns:p="http://schemas.openxmlformats.org/presentationml/2006/main" embedTrueTypeFonts="1" saveSubsetFonts="1">
   <p:sldMasterIdLst>
     <p:sldMasterId id="2147483648" r:id="rId1"/>
   </p:sldMasterIdLst>
   <p:sldIdLst>
-    <p:sldId id="256" r:id="rId6"/>
-    <p:sldId id="257" r:id="rId7"/>
-    <p:sldId id="258" r:id="rId8"/>
-    <p:sldId id="259" r:id="rId9"/>
-    <p:sldId id="260" r:id="rId10"/>
-    <p:sldId id="261" r:id="rId11"/>
-    <p:sldId id="262" r:id="rId12"/>
-    <p:sldId id="263" r:id="rId13"/>
-    <p:sldId id="264" r:id="rId14"/>
-    <p:sldId id="265" r:id="rId15"/>
+    <p:sldId id="256" r:id="rId2"/>
+    <p:sldId id="257" r:id="rId3"/>
+    <p:sldId id="258" r:id="rId4"/>
+    <p:sldId id="259" r:id="rId5"/>
+    <p:sldId id="260" r:id="rId6"/>
+    <p:sldId id="261" r:id="rId7"/>
+    <p:sldId id="262" r:id="rId8"/>
+    <p:sldId id="263" r:id="rId9"/>
+    <p:sldId id="264" r:id="rId10"/>
+    <p:sldId id="265" r:id="rId11"/>
   </p:sldIdLst>
   <p:sldSz cx="18288000" cy="10287000"/>
   <p:notesSz cx="6858000" cy="9144000"/>
   <p:embeddedFontLst>
     <p:embeddedFont>
-      <p:font typeface="TT Hoves Bold" charset="1" panose="02000003020000060003"/>
-      <p:regular r:id="rId16"/>
+      <p:font typeface="Canva Sans Bold" panose="020B0604020202020204" charset="0"/>
+      <p:regular r:id="rId12"/>
     </p:embeddedFont>
     <p:embeddedFont>
-      <p:font typeface="Canva Sans Bold" charset="1" panose="020B0803030501040103"/>
-      <p:regular r:id="rId17"/>
+      <p:font typeface="TT Hoves" panose="020B0604020202020204" charset="0"/>
+      <p:regular r:id="rId13"/>
     </p:embeddedFont>
     <p:embeddedFont>
-      <p:font typeface="TT Hoves" charset="1" panose="02000003020000060003"/>
-      <p:regular r:id="rId18"/>
+      <p:font typeface="TT Hoves Bold" panose="020B0604020202020204" charset="0"/>
+      <p:regular r:id="rId14"/>
     </p:embeddedFont>
   </p:embeddedFontLst>
   <p:defaultTextStyle>
@@ -127,6 +127,22 @@
       </a:defRPr>
     </a:lvl9pPr>
   </p:defaultTextStyle>
+  <p:extLst>
+    <p:ext uri="{EFAFB233-063F-42B5-8137-9DF3F51BA10A}">
+      <p15:sldGuideLst xmlns:p15="http://schemas.microsoft.com/office/powerpoint/2012/main">
+        <p15:guide id="1" orient="horz" pos="2160">
+          <p15:clr>
+            <a:srgbClr val="A4A3A4"/>
+          </p15:clr>
+        </p15:guide>
+        <p15:guide id="2" pos="2880">
+          <p15:clr>
+            <a:srgbClr val="A4A3A4"/>
+          </p15:clr>
+        </p15:guide>
+      </p15:sldGuideLst>
+    </p:ext>
+  </p:extLst>
 </p:presentation>
 </file>
 
@@ -168,10 +184,9 @@
           <a:lstStyle/>
           <a:p>
             <a:r>
-              <a:rPr lang="en-US" smtClean="0"/>
+              <a:rPr lang="en-US"/>
               <a:t>Click to edit Master title style</a:t>
             </a:r>
-            <a:endParaRPr lang="en-US"/>
           </a:p>
         </p:txBody>
       </p:sp>
@@ -287,10 +302,9 @@
           </a:lstStyle>
           <a:p>
             <a:r>
-              <a:rPr lang="en-US" smtClean="0"/>
+              <a:rPr lang="en-US"/>
               <a:t>Click to edit Master subtitle style</a:t>
             </a:r>
-            <a:endParaRPr lang="en-US"/>
           </a:p>
         </p:txBody>
       </p:sp>
@@ -312,7 +326,7 @@
             <a:fld id="{1D8BD707-D9CF-40AE-B4C6-C98DA3205C09}" type="datetimeFigureOut">
               <a:rPr lang="en-US" smtClean="0"/>
               <a:pPr/>
-              <a:t>8/1/2011</a:t>
+              <a:t>9/19/2024</a:t>
             </a:fld>
             <a:endParaRPr lang="en-US"/>
           </a:p>
@@ -402,10 +416,9 @@
           <a:lstStyle/>
           <a:p>
             <a:r>
-              <a:rPr lang="en-US" smtClean="0"/>
+              <a:rPr lang="en-US"/>
               <a:t>Click to edit Master title style</a:t>
             </a:r>
-            <a:endParaRPr lang="en-US"/>
           </a:p>
         </p:txBody>
       </p:sp>
@@ -426,38 +439,37 @@
           <a:p>
             <a:pPr lvl="0"/>
             <a:r>
-              <a:rPr lang="en-US" smtClean="0"/>
+              <a:rPr lang="en-US"/>
               <a:t>Click to edit Master text styles</a:t>
             </a:r>
           </a:p>
           <a:p>
             <a:pPr lvl="1"/>
             <a:r>
-              <a:rPr lang="en-US" smtClean="0"/>
+              <a:rPr lang="en-US"/>
               <a:t>Second level</a:t>
             </a:r>
           </a:p>
           <a:p>
             <a:pPr lvl="2"/>
             <a:r>
-              <a:rPr lang="en-US" smtClean="0"/>
+              <a:rPr lang="en-US"/>
               <a:t>Third level</a:t>
             </a:r>
           </a:p>
           <a:p>
             <a:pPr lvl="3"/>
             <a:r>
-              <a:rPr lang="en-US" smtClean="0"/>
+              <a:rPr lang="en-US"/>
               <a:t>Fourth level</a:t>
             </a:r>
           </a:p>
           <a:p>
             <a:pPr lvl="4"/>
             <a:r>
-              <a:rPr lang="en-US" smtClean="0"/>
+              <a:rPr lang="en-US"/>
               <a:t>Fifth level</a:t>
             </a:r>
-            <a:endParaRPr lang="en-US"/>
           </a:p>
         </p:txBody>
       </p:sp>
@@ -479,7 +491,7 @@
             <a:fld id="{1D8BD707-D9CF-40AE-B4C6-C98DA3205C09}" type="datetimeFigureOut">
               <a:rPr lang="en-US" smtClean="0"/>
               <a:pPr/>
-              <a:t>8/1/2011</a:t>
+              <a:t>9/19/2024</a:t>
             </a:fld>
             <a:endParaRPr lang="en-US"/>
           </a:p>
@@ -574,10 +586,9 @@
           <a:lstStyle/>
           <a:p>
             <a:r>
-              <a:rPr lang="en-US" smtClean="0"/>
+              <a:rPr lang="en-US"/>
               <a:t>Click to edit Master title style</a:t>
             </a:r>
-            <a:endParaRPr lang="en-US"/>
           </a:p>
         </p:txBody>
       </p:sp>
@@ -603,38 +614,37 @@
           <a:p>
             <a:pPr lvl="0"/>
             <a:r>
-              <a:rPr lang="en-US" smtClean="0"/>
+              <a:rPr lang="en-US"/>
               <a:t>Click to edit Master text styles</a:t>
             </a:r>
           </a:p>
           <a:p>
             <a:pPr lvl="1"/>
             <a:r>
-              <a:rPr lang="en-US" smtClean="0"/>
+              <a:rPr lang="en-US"/>
               <a:t>Second level</a:t>
             </a:r>
           </a:p>
           <a:p>
             <a:pPr lvl="2"/>
             <a:r>
-              <a:rPr lang="en-US" smtClean="0"/>
+              <a:rPr lang="en-US"/>
               <a:t>Third level</a:t>
             </a:r>
           </a:p>
           <a:p>
             <a:pPr lvl="3"/>
             <a:r>
-              <a:rPr lang="en-US" smtClean="0"/>
+              <a:rPr lang="en-US"/>
               <a:t>Fourth level</a:t>
             </a:r>
           </a:p>
           <a:p>
             <a:pPr lvl="4"/>
             <a:r>
-              <a:rPr lang="en-US" smtClean="0"/>
+              <a:rPr lang="en-US"/>
               <a:t>Fifth level</a:t>
             </a:r>
-            <a:endParaRPr lang="en-US"/>
           </a:p>
         </p:txBody>
       </p:sp>
@@ -656,7 +666,7 @@
             <a:fld id="{1D8BD707-D9CF-40AE-B4C6-C98DA3205C09}" type="datetimeFigureOut">
               <a:rPr lang="en-US" smtClean="0"/>
               <a:pPr/>
-              <a:t>8/1/2011</a:t>
+              <a:t>9/19/2024</a:t>
             </a:fld>
             <a:endParaRPr lang="en-US"/>
           </a:p>
@@ -746,10 +756,9 @@
           <a:lstStyle/>
           <a:p>
             <a:r>
-              <a:rPr lang="en-US" smtClean="0"/>
+              <a:rPr lang="en-US"/>
               <a:t>Click to edit Master title style</a:t>
             </a:r>
-            <a:endParaRPr lang="en-US"/>
           </a:p>
         </p:txBody>
       </p:sp>
@@ -770,38 +779,37 @@
           <a:p>
             <a:pPr lvl="0"/>
             <a:r>
-              <a:rPr lang="en-US" smtClean="0"/>
+              <a:rPr lang="en-US"/>
               <a:t>Click to edit Master text styles</a:t>
             </a:r>
           </a:p>
           <a:p>
             <a:pPr lvl="1"/>
             <a:r>
-              <a:rPr lang="en-US" smtClean="0"/>
+              <a:rPr lang="en-US"/>
               <a:t>Second level</a:t>
             </a:r>
           </a:p>
           <a:p>
             <a:pPr lvl="2"/>
             <a:r>
-              <a:rPr lang="en-US" smtClean="0"/>
+              <a:rPr lang="en-US"/>
               <a:t>Third level</a:t>
             </a:r>
           </a:p>
           <a:p>
             <a:pPr lvl="3"/>
             <a:r>
-              <a:rPr lang="en-US" smtClean="0"/>
+              <a:rPr lang="en-US"/>
               <a:t>Fourth level</a:t>
             </a:r>
           </a:p>
           <a:p>
             <a:pPr lvl="4"/>
             <a:r>
-              <a:rPr lang="en-US" smtClean="0"/>
+              <a:rPr lang="en-US"/>
               <a:t>Fifth level</a:t>
             </a:r>
-            <a:endParaRPr lang="en-US"/>
           </a:p>
         </p:txBody>
       </p:sp>
@@ -823,7 +831,7 @@
             <a:fld id="{1D8BD707-D9CF-40AE-B4C6-C98DA3205C09}" type="datetimeFigureOut">
               <a:rPr lang="en-US" smtClean="0"/>
               <a:pPr/>
-              <a:t>8/1/2011</a:t>
+              <a:t>9/19/2024</a:t>
             </a:fld>
             <a:endParaRPr lang="en-US"/>
           </a:p>
@@ -922,10 +930,9 @@
           </a:lstStyle>
           <a:p>
             <a:r>
-              <a:rPr lang="en-US" smtClean="0"/>
+              <a:rPr lang="en-US"/>
               <a:t>Click to edit Master title style</a:t>
             </a:r>
-            <a:endParaRPr lang="en-US"/>
           </a:p>
         </p:txBody>
       </p:sp>
@@ -1042,7 +1049,7 @@
           <a:p>
             <a:pPr lvl="0"/>
             <a:r>
-              <a:rPr lang="en-US" smtClean="0"/>
+              <a:rPr lang="en-US"/>
               <a:t>Click to edit Master text styles</a:t>
             </a:r>
           </a:p>
@@ -1066,7 +1073,7 @@
             <a:fld id="{1D8BD707-D9CF-40AE-B4C6-C98DA3205C09}" type="datetimeFigureOut">
               <a:rPr lang="en-US" smtClean="0"/>
               <a:pPr/>
-              <a:t>8/1/2011</a:t>
+              <a:t>9/19/2024</a:t>
             </a:fld>
             <a:endParaRPr lang="en-US"/>
           </a:p>
@@ -1156,10 +1163,9 @@
           <a:lstStyle/>
           <a:p>
             <a:r>
-              <a:rPr lang="en-US" smtClean="0"/>
+              <a:rPr lang="en-US"/>
               <a:t>Click to edit Master title style</a:t>
             </a:r>
-            <a:endParaRPr lang="en-US"/>
           </a:p>
         </p:txBody>
       </p:sp>
@@ -1213,38 +1219,37 @@
           <a:p>
             <a:pPr lvl="0"/>
             <a:r>
-              <a:rPr lang="en-US" smtClean="0"/>
+              <a:rPr lang="en-US"/>
               <a:t>Click to edit Master text styles</a:t>
             </a:r>
           </a:p>
           <a:p>
             <a:pPr lvl="1"/>
             <a:r>
-              <a:rPr lang="en-US" smtClean="0"/>
+              <a:rPr lang="en-US"/>
               <a:t>Second level</a:t>
             </a:r>
           </a:p>
           <a:p>
             <a:pPr lvl="2"/>
             <a:r>
-              <a:rPr lang="en-US" smtClean="0"/>
+              <a:rPr lang="en-US"/>
               <a:t>Third level</a:t>
             </a:r>
           </a:p>
           <a:p>
             <a:pPr lvl="3"/>
             <a:r>
-              <a:rPr lang="en-US" smtClean="0"/>
+              <a:rPr lang="en-US"/>
               <a:t>Fourth level</a:t>
             </a:r>
           </a:p>
           <a:p>
             <a:pPr lvl="4"/>
             <a:r>
-              <a:rPr lang="en-US" smtClean="0"/>
+              <a:rPr lang="en-US"/>
               <a:t>Fifth level</a:t>
             </a:r>
-            <a:endParaRPr lang="en-US"/>
           </a:p>
         </p:txBody>
       </p:sp>
@@ -1298,38 +1303,37 @@
           <a:p>
             <a:pPr lvl="0"/>
             <a:r>
-              <a:rPr lang="en-US" smtClean="0"/>
+              <a:rPr lang="en-US"/>
               <a:t>Click to edit Master text styles</a:t>
             </a:r>
           </a:p>
           <a:p>
             <a:pPr lvl="1"/>
             <a:r>
-              <a:rPr lang="en-US" smtClean="0"/>
+              <a:rPr lang="en-US"/>
               <a:t>Second level</a:t>
             </a:r>
           </a:p>
           <a:p>
             <a:pPr lvl="2"/>
             <a:r>
-              <a:rPr lang="en-US" smtClean="0"/>
+              <a:rPr lang="en-US"/>
               <a:t>Third level</a:t>
             </a:r>
           </a:p>
           <a:p>
             <a:pPr lvl="3"/>
             <a:r>
-              <a:rPr lang="en-US" smtClean="0"/>
+              <a:rPr lang="en-US"/>
               <a:t>Fourth level</a:t>
             </a:r>
           </a:p>
           <a:p>
             <a:pPr lvl="4"/>
             <a:r>
-              <a:rPr lang="en-US" smtClean="0"/>
+              <a:rPr lang="en-US"/>
               <a:t>Fifth level</a:t>
             </a:r>
-            <a:endParaRPr lang="en-US"/>
           </a:p>
         </p:txBody>
       </p:sp>
@@ -1351,7 +1355,7 @@
             <a:fld id="{1D8BD707-D9CF-40AE-B4C6-C98DA3205C09}" type="datetimeFigureOut">
               <a:rPr lang="en-US" smtClean="0"/>
               <a:pPr/>
-              <a:t>8/1/2011</a:t>
+              <a:t>9/19/2024</a:t>
             </a:fld>
             <a:endParaRPr lang="en-US"/>
           </a:p>
@@ -1445,10 +1449,9 @@
           </a:lstStyle>
           <a:p>
             <a:r>
-              <a:rPr lang="en-US" smtClean="0"/>
+              <a:rPr lang="en-US"/>
               <a:t>Click to edit Master title style</a:t>
             </a:r>
-            <a:endParaRPr lang="en-US"/>
           </a:p>
         </p:txBody>
       </p:sp>
@@ -1511,7 +1514,7 @@
           <a:p>
             <a:pPr lvl="0"/>
             <a:r>
-              <a:rPr lang="en-US" smtClean="0"/>
+              <a:rPr lang="en-US"/>
               <a:t>Click to edit Master text styles</a:t>
             </a:r>
           </a:p>
@@ -1567,38 +1570,37 @@
           <a:p>
             <a:pPr lvl="0"/>
             <a:r>
-              <a:rPr lang="en-US" smtClean="0"/>
+              <a:rPr lang="en-US"/>
               <a:t>Click to edit Master text styles</a:t>
             </a:r>
           </a:p>
           <a:p>
             <a:pPr lvl="1"/>
             <a:r>
-              <a:rPr lang="en-US" smtClean="0"/>
+              <a:rPr lang="en-US"/>
               <a:t>Second level</a:t>
             </a:r>
           </a:p>
           <a:p>
             <a:pPr lvl="2"/>
             <a:r>
-              <a:rPr lang="en-US" smtClean="0"/>
+              <a:rPr lang="en-US"/>
               <a:t>Third level</a:t>
             </a:r>
           </a:p>
           <a:p>
             <a:pPr lvl="3"/>
             <a:r>
-              <a:rPr lang="en-US" smtClean="0"/>
+              <a:rPr lang="en-US"/>
               <a:t>Fourth level</a:t>
             </a:r>
           </a:p>
           <a:p>
             <a:pPr lvl="4"/>
             <a:r>
-              <a:rPr lang="en-US" smtClean="0"/>
+              <a:rPr lang="en-US"/>
               <a:t>Fifth level</a:t>
             </a:r>
-            <a:endParaRPr lang="en-US"/>
           </a:p>
         </p:txBody>
       </p:sp>
@@ -1661,7 +1663,7 @@
           <a:p>
             <a:pPr lvl="0"/>
             <a:r>
-              <a:rPr lang="en-US" smtClean="0"/>
+              <a:rPr lang="en-US"/>
               <a:t>Click to edit Master text styles</a:t>
             </a:r>
           </a:p>
@@ -1717,38 +1719,37 @@
           <a:p>
             <a:pPr lvl="0"/>
             <a:r>
-              <a:rPr lang="en-US" smtClean="0"/>
+              <a:rPr lang="en-US"/>
               <a:t>Click to edit Master text styles</a:t>
             </a:r>
           </a:p>
           <a:p>
             <a:pPr lvl="1"/>
             <a:r>
-              <a:rPr lang="en-US" smtClean="0"/>
+              <a:rPr lang="en-US"/>
               <a:t>Second level</a:t>
             </a:r>
           </a:p>
           <a:p>
             <a:pPr lvl="2"/>
             <a:r>
-              <a:rPr lang="en-US" smtClean="0"/>
+              <a:rPr lang="en-US"/>
               <a:t>Third level</a:t>
             </a:r>
           </a:p>
           <a:p>
             <a:pPr lvl="3"/>
             <a:r>
-              <a:rPr lang="en-US" smtClean="0"/>
+              <a:rPr lang="en-US"/>
               <a:t>Fourth level</a:t>
             </a:r>
           </a:p>
           <a:p>
             <a:pPr lvl="4"/>
             <a:r>
-              <a:rPr lang="en-US" smtClean="0"/>
+              <a:rPr lang="en-US"/>
               <a:t>Fifth level</a:t>
             </a:r>
-            <a:endParaRPr lang="en-US"/>
           </a:p>
         </p:txBody>
       </p:sp>
@@ -1770,7 +1771,7 @@
             <a:fld id="{1D8BD707-D9CF-40AE-B4C6-C98DA3205C09}" type="datetimeFigureOut">
               <a:rPr lang="en-US" smtClean="0"/>
               <a:pPr/>
-              <a:t>8/1/2011</a:t>
+              <a:t>9/19/2024</a:t>
             </a:fld>
             <a:endParaRPr lang="en-US"/>
           </a:p>
@@ -1860,10 +1861,9 @@
           <a:lstStyle/>
           <a:p>
             <a:r>
-              <a:rPr lang="en-US" smtClean="0"/>
+              <a:rPr lang="en-US"/>
               <a:t>Click to edit Master title style</a:t>
             </a:r>
-            <a:endParaRPr lang="en-US"/>
           </a:p>
         </p:txBody>
       </p:sp>
@@ -1885,7 +1885,7 @@
             <a:fld id="{1D8BD707-D9CF-40AE-B4C6-C98DA3205C09}" type="datetimeFigureOut">
               <a:rPr lang="en-US" smtClean="0"/>
               <a:pPr/>
-              <a:t>8/1/2011</a:t>
+              <a:t>9/19/2024</a:t>
             </a:fld>
             <a:endParaRPr lang="en-US"/>
           </a:p>
@@ -1977,7 +1977,7 @@
             <a:fld id="{1D8BD707-D9CF-40AE-B4C6-C98DA3205C09}" type="datetimeFigureOut">
               <a:rPr lang="en-US" smtClean="0"/>
               <a:pPr/>
-              <a:t>8/1/2011</a:t>
+              <a:t>9/19/2024</a:t>
             </a:fld>
             <a:endParaRPr lang="en-US"/>
           </a:p>
@@ -2076,10 +2076,9 @@
           </a:lstStyle>
           <a:p>
             <a:r>
-              <a:rPr lang="en-US" smtClean="0"/>
+              <a:rPr lang="en-US"/>
               <a:t>Click to edit Master title style</a:t>
             </a:r>
-            <a:endParaRPr lang="en-US"/>
           </a:p>
         </p:txBody>
       </p:sp>
@@ -2133,38 +2132,37 @@
           <a:p>
             <a:pPr lvl="0"/>
             <a:r>
-              <a:rPr lang="en-US" smtClean="0"/>
+              <a:rPr lang="en-US"/>
               <a:t>Click to edit Master text styles</a:t>
             </a:r>
           </a:p>
           <a:p>
             <a:pPr lvl="1"/>
             <a:r>
-              <a:rPr lang="en-US" smtClean="0"/>
+              <a:rPr lang="en-US"/>
               <a:t>Second level</a:t>
             </a:r>
           </a:p>
           <a:p>
             <a:pPr lvl="2"/>
             <a:r>
-              <a:rPr lang="en-US" smtClean="0"/>
+              <a:rPr lang="en-US"/>
               <a:t>Third level</a:t>
             </a:r>
           </a:p>
           <a:p>
             <a:pPr lvl="3"/>
             <a:r>
-              <a:rPr lang="en-US" smtClean="0"/>
+              <a:rPr lang="en-US"/>
               <a:t>Fourth level</a:t>
             </a:r>
           </a:p>
           <a:p>
             <a:pPr lvl="4"/>
             <a:r>
-              <a:rPr lang="en-US" smtClean="0"/>
+              <a:rPr lang="en-US"/>
               <a:t>Fifth level</a:t>
             </a:r>
-            <a:endParaRPr lang="en-US"/>
           </a:p>
         </p:txBody>
       </p:sp>
@@ -2227,7 +2225,7 @@
           <a:p>
             <a:pPr lvl="0"/>
             <a:r>
-              <a:rPr lang="en-US" smtClean="0"/>
+              <a:rPr lang="en-US"/>
               <a:t>Click to edit Master text styles</a:t>
             </a:r>
           </a:p>
@@ -2251,7 +2249,7 @@
             <a:fld id="{1D8BD707-D9CF-40AE-B4C6-C98DA3205C09}" type="datetimeFigureOut">
               <a:rPr lang="en-US" smtClean="0"/>
               <a:pPr/>
-              <a:t>8/1/2011</a:t>
+              <a:t>9/19/2024</a:t>
             </a:fld>
             <a:endParaRPr lang="en-US"/>
           </a:p>
@@ -2350,10 +2348,9 @@
           </a:lstStyle>
           <a:p>
             <a:r>
-              <a:rPr lang="en-US" smtClean="0"/>
+              <a:rPr lang="en-US"/>
               <a:t>Click to edit Master title style</a:t>
             </a:r>
-            <a:endParaRPr lang="en-US"/>
           </a:p>
         </p:txBody>
       </p:sp>
@@ -2477,7 +2474,7 @@
           <a:p>
             <a:pPr lvl="0"/>
             <a:r>
-              <a:rPr lang="en-US" smtClean="0"/>
+              <a:rPr lang="en-US"/>
               <a:t>Click to edit Master text styles</a:t>
             </a:r>
           </a:p>
@@ -2501,7 +2498,7 @@
             <a:fld id="{1D8BD707-D9CF-40AE-B4C6-C98DA3205C09}" type="datetimeFigureOut">
               <a:rPr lang="en-US" smtClean="0"/>
               <a:pPr/>
-              <a:t>8/1/2011</a:t>
+              <a:t>9/19/2024</a:t>
             </a:fld>
             <a:endParaRPr lang="en-US"/>
           </a:p>
@@ -2606,10 +2603,9 @@
           <a:lstStyle/>
           <a:p>
             <a:r>
-              <a:rPr lang="en-US" smtClean="0"/>
+              <a:rPr lang="en-US"/>
               <a:t>Click to edit Master title style</a:t>
             </a:r>
-            <a:endParaRPr lang="en-US"/>
           </a:p>
         </p:txBody>
       </p:sp>
@@ -2640,38 +2636,37 @@
           <a:p>
             <a:pPr lvl="0"/>
             <a:r>
-              <a:rPr lang="en-US" smtClean="0"/>
+              <a:rPr lang="en-US"/>
               <a:t>Click to edit Master text styles</a:t>
             </a:r>
           </a:p>
           <a:p>
             <a:pPr lvl="1"/>
             <a:r>
-              <a:rPr lang="en-US" smtClean="0"/>
+              <a:rPr lang="en-US"/>
               <a:t>Second level</a:t>
             </a:r>
           </a:p>
           <a:p>
             <a:pPr lvl="2"/>
             <a:r>
-              <a:rPr lang="en-US" smtClean="0"/>
+              <a:rPr lang="en-US"/>
               <a:t>Third level</a:t>
             </a:r>
           </a:p>
           <a:p>
             <a:pPr lvl="3"/>
             <a:r>
-              <a:rPr lang="en-US" smtClean="0"/>
+              <a:rPr lang="en-US"/>
               <a:t>Fourth level</a:t>
             </a:r>
           </a:p>
           <a:p>
             <a:pPr lvl="4"/>
             <a:r>
-              <a:rPr lang="en-US" smtClean="0"/>
+              <a:rPr lang="en-US"/>
               <a:t>Fifth level</a:t>
             </a:r>
-            <a:endParaRPr lang="en-US"/>
           </a:p>
         </p:txBody>
       </p:sp>
@@ -2711,7 +2706,7 @@
             <a:fld id="{1D8BD707-D9CF-40AE-B4C6-C98DA3205C09}" type="datetimeFigureOut">
               <a:rPr lang="en-US" smtClean="0"/>
               <a:pPr/>
-              <a:t>8/1/2011</a:t>
+              <a:t>9/19/2024</a:t>
             </a:fld>
             <a:endParaRPr lang="en-US"/>
           </a:p>
@@ -3066,13 +3061,14 @@
 </file>
 
 <file path=ppt/slides/slide1.xml><?xml version="1.0" encoding="utf-8"?>
-<p:sld xmlns:p="http://schemas.openxmlformats.org/presentationml/2006/main" xmlns:a="http://schemas.openxmlformats.org/drawingml/2006/main" xmlns:r="http://schemas.openxmlformats.org/officeDocument/2006/relationships">
+<p:sld xmlns:a="http://schemas.openxmlformats.org/drawingml/2006/main" xmlns:r="http://schemas.openxmlformats.org/officeDocument/2006/relationships" xmlns:p="http://schemas.openxmlformats.org/presentationml/2006/main">
   <p:cSld>
     <p:bg>
       <p:bgPr>
         <a:solidFill>
           <a:srgbClr val="EFEFEF"/>
         </a:solidFill>
+        <a:effectLst/>
       </p:bgPr>
     </p:bg>
     <p:spTree>
@@ -3091,12 +3087,12 @@
       </p:grpSpPr>
       <p:sp>
         <p:nvSpPr>
-          <p:cNvPr name="Freeform 2" id="2"/>
+          <p:cNvPr id="2" name="Freeform 2"/>
           <p:cNvSpPr/>
           <p:nvPr/>
         </p:nvSpPr>
         <p:spPr>
-          <a:xfrm flipH="false" flipV="false" rot="0">
+          <a:xfrm>
             <a:off x="11648371" y="0"/>
             <a:ext cx="11221859" cy="11221859"/>
           </a:xfrm>
@@ -3105,9 +3101,9 @@
             <a:gdLst/>
             <a:ahLst/>
             <a:cxnLst/>
-            <a:rect r="r" b="b" t="t" l="l"/>
+            <a:rect l="l" t="t" r="r" b="b"/>
             <a:pathLst>
-              <a:path h="11221859" w="11221859">
+              <a:path w="11221859" h="11221859">
                 <a:moveTo>
                   <a:pt x="0" y="0"/>
                 </a:moveTo>
@@ -3137,19 +3133,19 @@
               </a:extLst>
             </a:blip>
             <a:stretch>
-              <a:fillRect l="0" t="0" r="0" b="0"/>
+              <a:fillRect/>
             </a:stretch>
           </a:blipFill>
         </p:spPr>
       </p:sp>
       <p:grpSp>
         <p:nvGrpSpPr>
-          <p:cNvPr name="Group 3" id="3"/>
+          <p:cNvPr id="3" name="Group 3"/>
           <p:cNvGrpSpPr/>
           <p:nvPr/>
         </p:nvGrpSpPr>
         <p:grpSpPr>
-          <a:xfrm rot="0">
+          <a:xfrm>
             <a:off x="-1144913" y="-194153"/>
             <a:ext cx="19680517" cy="1704491"/>
             <a:chOff x="0" y="0"/>
@@ -3158,12 +3154,12 @@
         </p:grpSpPr>
         <p:sp>
           <p:nvSpPr>
-            <p:cNvPr name="Freeform 4" id="4"/>
+            <p:cNvPr id="4" name="Freeform 4"/>
             <p:cNvSpPr/>
             <p:nvPr/>
           </p:nvSpPr>
           <p:spPr>
-            <a:xfrm flipH="false" flipV="false" rot="0">
+            <a:xfrm>
               <a:off x="0" y="0"/>
               <a:ext cx="5183346" cy="448919"/>
             </a:xfrm>
@@ -3172,9 +3168,9 @@
               <a:gdLst/>
               <a:ahLst/>
               <a:cxnLst/>
-              <a:rect r="r" b="b" t="t" l="l"/>
+              <a:rect l="l" t="t" r="r" b="b"/>
               <a:pathLst>
-                <a:path h="448919" w="5183346">
+                <a:path w="5183346" h="448919">
                   <a:moveTo>
                     <a:pt x="0" y="0"/>
                   </a:moveTo>
@@ -3198,8 +3194,8 @@
         </p:sp>
         <p:sp>
           <p:nvSpPr>
-            <p:cNvPr name="TextBox 5" id="5"/>
-            <p:cNvSpPr txBox="true"/>
+            <p:cNvPr id="5" name="TextBox 5"/>
+            <p:cNvSpPr txBox="1"/>
             <p:nvPr/>
           </p:nvSpPr>
           <p:spPr>
@@ -3212,7 +3208,7 @@
             </a:prstGeom>
           </p:spPr>
           <p:txBody>
-            <a:bodyPr anchor="ctr" rtlCol="false" tIns="50800" lIns="50800" bIns="50800" rIns="50800"/>
+            <a:bodyPr lIns="50800" tIns="50800" rIns="50800" bIns="50800" rtlCol="0" anchor="ctr"/>
             <a:lstStyle/>
             <a:p>
               <a:pPr algn="ctr">
@@ -3220,18 +3216,19 @@
                   <a:spcPts val="3639"/>
                 </a:lnSpc>
               </a:pPr>
+              <a:endParaRPr/>
             </a:p>
           </p:txBody>
         </p:sp>
       </p:grpSp>
       <p:sp>
         <p:nvSpPr>
-          <p:cNvPr name="TextBox 6" id="6"/>
-          <p:cNvSpPr txBox="true"/>
+          <p:cNvPr id="6" name="TextBox 6"/>
+          <p:cNvSpPr txBox="1"/>
           <p:nvPr/>
         </p:nvSpPr>
         <p:spPr>
-          <a:xfrm rot="0">
+          <a:xfrm>
             <a:off x="3974694" y="2368303"/>
             <a:ext cx="10910396" cy="1657920"/>
           </a:xfrm>
@@ -3240,7 +3237,7 @@
           </a:prstGeom>
         </p:spPr>
         <p:txBody>
-          <a:bodyPr anchor="t" rtlCol="false" tIns="0" lIns="0" bIns="0" rIns="0">
+          <a:bodyPr lIns="0" tIns="0" rIns="0" bIns="0" rtlCol="0" anchor="t">
             <a:spAutoFit/>
           </a:bodyPr>
           <a:lstStyle/>
@@ -3251,7 +3248,7 @@
               </a:lnSpc>
             </a:pPr>
             <a:r>
-              <a:rPr lang="en-US" b="true" sz="12998" spc="-636">
+              <a:rPr lang="en-US" sz="12998" b="1" spc="-636">
                 <a:solidFill>
                   <a:srgbClr val="343434"/>
                 </a:solidFill>
@@ -3267,26 +3264,26 @@
       </p:sp>
       <p:sp>
         <p:nvSpPr>
-          <p:cNvPr name="TextBox 7" id="7"/>
-          <p:cNvSpPr txBox="true"/>
+          <p:cNvPr id="7" name="TextBox 7"/>
+          <p:cNvSpPr txBox="1"/>
           <p:nvPr/>
         </p:nvSpPr>
         <p:spPr>
-          <a:xfrm rot="0">
+          <a:xfrm>
             <a:off x="737975" y="4484139"/>
-            <a:ext cx="13663736" cy="4203806"/>
+            <a:ext cx="13663736" cy="3504293"/>
           </a:xfrm>
           <a:prstGeom prst="rect">
             <a:avLst/>
           </a:prstGeom>
         </p:spPr>
         <p:txBody>
-          <a:bodyPr anchor="t" rtlCol="false" tIns="0" lIns="0" bIns="0" rIns="0">
+          <a:bodyPr lIns="0" tIns="0" rIns="0" bIns="0" rtlCol="0" anchor="t">
             <a:spAutoFit/>
           </a:bodyPr>
           <a:lstStyle/>
           <a:p>
-            <a:pPr algn="l" marL="0" indent="0" lvl="0">
+            <a:pPr marL="0" lvl="0" indent="0" algn="l">
               <a:lnSpc>
                 <a:spcPts val="5700"/>
               </a:lnSpc>
@@ -3295,7 +3292,7 @@
               </a:spcBef>
             </a:pPr>
             <a:r>
-              <a:rPr lang="en-US" b="true" sz="4071">
+              <a:rPr lang="en-US" sz="4071" b="1" dirty="0">
                 <a:solidFill>
                   <a:srgbClr val="000000"/>
                 </a:solidFill>
@@ -3307,7 +3304,7 @@
               <a:t>Title: </a:t>
             </a:r>
             <a:r>
-              <a:rPr lang="en-US" b="true" sz="4071">
+              <a:rPr lang="en-US" sz="4071" b="1" dirty="0">
                 <a:solidFill>
                   <a:srgbClr val="343434"/>
                 </a:solidFill>
@@ -3319,7 +3316,7 @@
               <a:t>Shopping</a:t>
             </a:r>
             <a:r>
-              <a:rPr lang="en-US" b="true" sz="4071" strike="noStrike" u="none">
+              <a:rPr lang="en-US" sz="4071" b="1" u="none" strike="noStrike" dirty="0">
                 <a:solidFill>
                   <a:srgbClr val="343434"/>
                 </a:solidFill>
@@ -3340,9 +3337,18 @@
                 <a:spcPct val="0"/>
               </a:spcBef>
             </a:pPr>
-          </a:p>
-          <a:p>
-            <a:pPr algn="l" marL="0" indent="0" lvl="0">
+            <a:endParaRPr lang="en-US" sz="4071" b="1" u="none" strike="noStrike" dirty="0">
+              <a:solidFill>
+                <a:srgbClr val="343434"/>
+              </a:solidFill>
+              <a:latin typeface="Canva Sans Bold"/>
+              <a:ea typeface="Canva Sans Bold"/>
+              <a:cs typeface="Canva Sans Bold"/>
+              <a:sym typeface="Canva Sans Bold"/>
+            </a:endParaRPr>
+          </a:p>
+          <a:p>
+            <a:pPr marL="0" lvl="0" indent="0" algn="l">
               <a:lnSpc>
                 <a:spcPts val="5262"/>
               </a:lnSpc>
@@ -3351,7 +3357,7 @@
               </a:spcBef>
             </a:pPr>
             <a:r>
-              <a:rPr lang="en-US" b="true" sz="3758" strike="noStrike" u="none">
+              <a:rPr lang="en-US" sz="3758" b="1" u="none" strike="noStrike" dirty="0">
                 <a:solidFill>
                   <a:srgbClr val="000000"/>
                 </a:solidFill>
@@ -3363,7 +3369,7 @@
               <a:t>Subtitle:</a:t>
             </a:r>
             <a:r>
-              <a:rPr lang="en-US" b="true" sz="3758" strike="noStrike" u="none">
+              <a:rPr lang="en-US" sz="3758" b="1" u="none" strike="noStrike" dirty="0">
                 <a:solidFill>
                   <a:srgbClr val="343434"/>
                 </a:solidFill>
@@ -3384,9 +3390,18 @@
                 <a:spcPct val="0"/>
               </a:spcBef>
             </a:pPr>
-          </a:p>
-          <a:p>
-            <a:pPr algn="l" marL="0" indent="0" lvl="0">
+            <a:endParaRPr lang="en-US" sz="3758" b="1" u="none" strike="noStrike" dirty="0">
+              <a:solidFill>
+                <a:srgbClr val="343434"/>
+              </a:solidFill>
+              <a:latin typeface="Canva Sans Bold"/>
+              <a:ea typeface="Canva Sans Bold"/>
+              <a:cs typeface="Canva Sans Bold"/>
+              <a:sym typeface="Canva Sans Bold"/>
+            </a:endParaRPr>
+          </a:p>
+          <a:p>
+            <a:pPr marL="0" lvl="0" indent="0" algn="l">
               <a:lnSpc>
                 <a:spcPts val="5700"/>
               </a:lnSpc>
@@ -3395,7 +3410,7 @@
               </a:spcBef>
             </a:pPr>
             <a:r>
-              <a:rPr lang="en-US" b="true" sz="4071" strike="noStrike" u="none">
+              <a:rPr lang="en-US" sz="4071" b="1" u="none" strike="noStrike">
                 <a:solidFill>
                   <a:srgbClr val="000000"/>
                 </a:solidFill>
@@ -3404,22 +3419,10 @@
                 <a:cs typeface="Canva Sans Bold"/>
                 <a:sym typeface="Canva Sans Bold"/>
               </a:rPr>
-              <a:t>Team</a:t>
-            </a:r>
-            <a:r>
-              <a:rPr lang="en-US" b="true" sz="4071" strike="noStrike" u="none">
-                <a:solidFill>
-                  <a:srgbClr val="000000"/>
-                </a:solidFill>
-                <a:latin typeface="Canva Sans Bold"/>
-                <a:ea typeface="Canva Sans Bold"/>
-                <a:cs typeface="Canva Sans Bold"/>
-                <a:sym typeface="Canva Sans Bold"/>
-              </a:rPr>
-              <a:t> Members: </a:t>
-            </a:r>
-            <a:r>
-              <a:rPr lang="en-US" b="true" sz="4071" strike="noStrike" u="none">
+              <a:t>Team Members: </a:t>
+            </a:r>
+            <a:r>
+              <a:rPr lang="en-US" sz="4071" b="1" u="none" strike="noStrike">
                 <a:solidFill>
                   <a:srgbClr val="343434"/>
                 </a:solidFill>
@@ -3428,18 +3431,8 @@
                 <a:cs typeface="Canva Sans Bold"/>
                 <a:sym typeface="Canva Sans Bold"/>
               </a:rPr>
-              <a:t>Keerthana, Karthikeya, Sameer</a:t>
-            </a:r>
-          </a:p>
-          <a:p>
-            <a:pPr algn="l" marL="0" indent="0" lvl="0">
-              <a:lnSpc>
-                <a:spcPts val="5700"/>
-              </a:lnSpc>
-              <a:spcBef>
-                <a:spcPct val="0"/>
-              </a:spcBef>
-            </a:pPr>
+              <a:t>Keerthana, Karthikeya</a:t>
+            </a:r>
           </a:p>
         </p:txBody>
       </p:sp>
@@ -3452,13 +3445,14 @@
 </file>
 
 <file path=ppt/slides/slide10.xml><?xml version="1.0" encoding="utf-8"?>
-<p:sld xmlns:p="http://schemas.openxmlformats.org/presentationml/2006/main" xmlns:a="http://schemas.openxmlformats.org/drawingml/2006/main" xmlns:r="http://schemas.openxmlformats.org/officeDocument/2006/relationships">
+<p:sld xmlns:a="http://schemas.openxmlformats.org/drawingml/2006/main" xmlns:r="http://schemas.openxmlformats.org/officeDocument/2006/relationships" xmlns:p="http://schemas.openxmlformats.org/presentationml/2006/main">
   <p:cSld>
     <p:bg>
       <p:bgPr>
         <a:solidFill>
           <a:srgbClr val="EFEFEF"/>
         </a:solidFill>
+        <a:effectLst/>
       </p:bgPr>
     </p:bg>
     <p:spTree>
@@ -3477,12 +3471,12 @@
       </p:grpSpPr>
       <p:sp>
         <p:nvSpPr>
-          <p:cNvPr name="Freeform 2" id="2"/>
+          <p:cNvPr id="2" name="Freeform 2"/>
           <p:cNvSpPr/>
           <p:nvPr/>
         </p:nvSpPr>
         <p:spPr>
-          <a:xfrm flipH="false" flipV="false" rot="0">
+          <a:xfrm>
             <a:off x="4101119" y="6016952"/>
             <a:ext cx="11221859" cy="11221859"/>
           </a:xfrm>
@@ -3491,9 +3485,9 @@
             <a:gdLst/>
             <a:ahLst/>
             <a:cxnLst/>
-            <a:rect r="r" b="b" t="t" l="l"/>
+            <a:rect l="l" t="t" r="r" b="b"/>
             <a:pathLst>
-              <a:path h="11221859" w="11221859">
+              <a:path w="11221859" h="11221859">
                 <a:moveTo>
                   <a:pt x="0" y="0"/>
                 </a:moveTo>
@@ -3523,19 +3517,19 @@
               </a:extLst>
             </a:blip>
             <a:stretch>
-              <a:fillRect l="0" t="0" r="0" b="0"/>
+              <a:fillRect/>
             </a:stretch>
           </a:blipFill>
         </p:spPr>
       </p:sp>
       <p:grpSp>
         <p:nvGrpSpPr>
-          <p:cNvPr name="Group 3" id="3"/>
+          <p:cNvPr id="3" name="Group 3"/>
           <p:cNvGrpSpPr/>
           <p:nvPr/>
         </p:nvGrpSpPr>
         <p:grpSpPr>
-          <a:xfrm rot="0">
+          <a:xfrm>
             <a:off x="-1392517" y="0"/>
             <a:ext cx="19680517" cy="1704491"/>
             <a:chOff x="0" y="0"/>
@@ -3544,12 +3538,12 @@
         </p:grpSpPr>
         <p:sp>
           <p:nvSpPr>
-            <p:cNvPr name="Freeform 4" id="4"/>
+            <p:cNvPr id="4" name="Freeform 4"/>
             <p:cNvSpPr/>
             <p:nvPr/>
           </p:nvSpPr>
           <p:spPr>
-            <a:xfrm flipH="false" flipV="false" rot="0">
+            <a:xfrm>
               <a:off x="0" y="0"/>
               <a:ext cx="5183346" cy="448919"/>
             </a:xfrm>
@@ -3558,9 +3552,9 @@
               <a:gdLst/>
               <a:ahLst/>
               <a:cxnLst/>
-              <a:rect r="r" b="b" t="t" l="l"/>
+              <a:rect l="l" t="t" r="r" b="b"/>
               <a:pathLst>
-                <a:path h="448919" w="5183346">
+                <a:path w="5183346" h="448919">
                   <a:moveTo>
                     <a:pt x="0" y="0"/>
                   </a:moveTo>
@@ -3584,8 +3578,8 @@
         </p:sp>
         <p:sp>
           <p:nvSpPr>
-            <p:cNvPr name="TextBox 5" id="5"/>
-            <p:cNvSpPr txBox="true"/>
+            <p:cNvPr id="5" name="TextBox 5"/>
+            <p:cNvSpPr txBox="1"/>
             <p:nvPr/>
           </p:nvSpPr>
           <p:spPr>
@@ -3598,7 +3592,7 @@
             </a:prstGeom>
           </p:spPr>
           <p:txBody>
-            <a:bodyPr anchor="ctr" rtlCol="false" tIns="50800" lIns="50800" bIns="50800" rIns="50800"/>
+            <a:bodyPr lIns="50800" tIns="50800" rIns="50800" bIns="50800" rtlCol="0" anchor="ctr"/>
             <a:lstStyle/>
             <a:p>
               <a:pPr algn="ctr">
@@ -3606,18 +3600,19 @@
                   <a:spcPts val="3639"/>
                 </a:lnSpc>
               </a:pPr>
+              <a:endParaRPr/>
             </a:p>
           </p:txBody>
         </p:sp>
       </p:grpSp>
       <p:sp>
         <p:nvSpPr>
-          <p:cNvPr name="TextBox 6" id="6"/>
-          <p:cNvSpPr txBox="true"/>
+          <p:cNvPr id="6" name="TextBox 6"/>
+          <p:cNvSpPr txBox="1"/>
           <p:nvPr/>
         </p:nvSpPr>
         <p:spPr>
-          <a:xfrm rot="0">
+          <a:xfrm>
             <a:off x="3844745" y="4305951"/>
             <a:ext cx="10598510" cy="2084673"/>
           </a:xfrm>
@@ -3626,7 +3621,7 @@
           </a:prstGeom>
         </p:spPr>
         <p:txBody>
-          <a:bodyPr anchor="t" rtlCol="false" tIns="0" lIns="0" bIns="0" rIns="0">
+          <a:bodyPr lIns="0" tIns="0" rIns="0" bIns="0" rtlCol="0" anchor="t">
             <a:spAutoFit/>
           </a:bodyPr>
           <a:lstStyle/>
@@ -3637,7 +3632,7 @@
               </a:lnSpc>
             </a:pPr>
             <a:r>
-              <a:rPr lang="en-US" b="true" sz="16402" spc="-803">
+              <a:rPr lang="en-US" sz="16402" b="1" spc="-803">
                 <a:solidFill>
                   <a:srgbClr val="343434"/>
                 </a:solidFill>
@@ -3653,12 +3648,12 @@
       </p:sp>
       <p:sp>
         <p:nvSpPr>
-          <p:cNvPr name="Freeform 7" id="7"/>
+          <p:cNvPr id="7" name="Freeform 7"/>
           <p:cNvSpPr/>
           <p:nvPr/>
         </p:nvSpPr>
         <p:spPr>
-          <a:xfrm flipH="false" flipV="false" rot="0">
+          <a:xfrm>
             <a:off x="-6257808" y="406022"/>
             <a:ext cx="11221859" cy="11221859"/>
           </a:xfrm>
@@ -3667,9 +3662,9 @@
             <a:gdLst/>
             <a:ahLst/>
             <a:cxnLst/>
-            <a:rect r="r" b="b" t="t" l="l"/>
+            <a:rect l="l" t="t" r="r" b="b"/>
             <a:pathLst>
-              <a:path h="11221859" w="11221859">
+              <a:path w="11221859" h="11221859">
                 <a:moveTo>
                   <a:pt x="0" y="0"/>
                 </a:moveTo>
@@ -3699,19 +3694,19 @@
               </a:extLst>
             </a:blip>
             <a:stretch>
-              <a:fillRect l="0" t="0" r="0" b="0"/>
+              <a:fillRect/>
             </a:stretch>
           </a:blipFill>
         </p:spPr>
       </p:sp>
       <p:sp>
         <p:nvSpPr>
-          <p:cNvPr name="Freeform 8" id="8"/>
+          <p:cNvPr id="8" name="Freeform 8"/>
           <p:cNvSpPr/>
           <p:nvPr/>
         </p:nvSpPr>
         <p:spPr>
-          <a:xfrm flipH="false" flipV="false" rot="0">
+          <a:xfrm>
             <a:off x="13218660" y="852245"/>
             <a:ext cx="11221859" cy="11221859"/>
           </a:xfrm>
@@ -3720,9 +3715,9 @@
             <a:gdLst/>
             <a:ahLst/>
             <a:cxnLst/>
-            <a:rect r="r" b="b" t="t" l="l"/>
+            <a:rect l="l" t="t" r="r" b="b"/>
             <a:pathLst>
-              <a:path h="11221859" w="11221859">
+              <a:path w="11221859" h="11221859">
                 <a:moveTo>
                   <a:pt x="0" y="0"/>
                 </a:moveTo>
@@ -3752,7 +3747,7 @@
               </a:extLst>
             </a:blip>
             <a:stretch>
-              <a:fillRect l="0" t="0" r="0" b="0"/>
+              <a:fillRect/>
             </a:stretch>
           </a:blipFill>
         </p:spPr>
@@ -3766,13 +3761,14 @@
 </file>
 
 <file path=ppt/slides/slide2.xml><?xml version="1.0" encoding="utf-8"?>
-<p:sld xmlns:p="http://schemas.openxmlformats.org/presentationml/2006/main" xmlns:a="http://schemas.openxmlformats.org/drawingml/2006/main" xmlns:r="http://schemas.openxmlformats.org/officeDocument/2006/relationships">
+<p:sld xmlns:a="http://schemas.openxmlformats.org/drawingml/2006/main" xmlns:r="http://schemas.openxmlformats.org/officeDocument/2006/relationships" xmlns:p="http://schemas.openxmlformats.org/presentationml/2006/main">
   <p:cSld>
     <p:bg>
       <p:bgPr>
         <a:solidFill>
           <a:srgbClr val="EFEFEF"/>
         </a:solidFill>
+        <a:effectLst/>
       </p:bgPr>
     </p:bg>
     <p:spTree>
@@ -3791,12 +3787,12 @@
       </p:grpSpPr>
       <p:sp>
         <p:nvSpPr>
-          <p:cNvPr name="TextBox 2" id="2"/>
-          <p:cNvSpPr txBox="true"/>
+          <p:cNvPr id="2" name="TextBox 2"/>
+          <p:cNvSpPr txBox="1"/>
           <p:nvPr/>
         </p:nvSpPr>
         <p:spPr>
-          <a:xfrm rot="0">
+          <a:xfrm>
             <a:off x="6523111" y="3770177"/>
             <a:ext cx="11203497" cy="5778371"/>
           </a:xfrm>
@@ -3805,7 +3801,7 @@
           </a:prstGeom>
         </p:spPr>
         <p:txBody>
-          <a:bodyPr anchor="t" rtlCol="false" tIns="0" lIns="0" bIns="0" rIns="0">
+          <a:bodyPr lIns="0" tIns="0" rIns="0" bIns="0" rtlCol="0" anchor="t">
             <a:spAutoFit/>
           </a:bodyPr>
           <a:lstStyle/>
@@ -3818,9 +3814,10 @@
                 <a:spcPct val="0"/>
               </a:spcBef>
             </a:pPr>
-          </a:p>
-          <a:p>
-            <a:pPr algn="just" marL="742441" indent="-371221" lvl="1">
+            <a:endParaRPr/>
+          </a:p>
+          <a:p>
+            <a:pPr marL="742441" lvl="1" indent="-371221" algn="just">
               <a:lnSpc>
                 <a:spcPts val="4642"/>
               </a:lnSpc>
@@ -3831,7 +3828,7 @@
               <a:buChar char="•"/>
             </a:pPr>
             <a:r>
-              <a:rPr lang="en-US" b="true" sz="3438" spc="206" u="none">
+              <a:rPr lang="en-US" sz="3438" b="1" u="none" spc="206">
                 <a:solidFill>
                   <a:srgbClr val="343434"/>
                 </a:solidFill>
@@ -3852,9 +3849,18 @@
                 <a:spcPct val="0"/>
               </a:spcBef>
             </a:pPr>
-          </a:p>
-          <a:p>
-            <a:pPr algn="just" marL="742441" indent="-371221" lvl="1">
+            <a:endParaRPr lang="en-US" sz="3438" b="1" u="none" spc="206">
+              <a:solidFill>
+                <a:srgbClr val="343434"/>
+              </a:solidFill>
+              <a:latin typeface="TT Hoves Bold"/>
+              <a:ea typeface="TT Hoves Bold"/>
+              <a:cs typeface="TT Hoves Bold"/>
+              <a:sym typeface="TT Hoves Bold"/>
+            </a:endParaRPr>
+          </a:p>
+          <a:p>
+            <a:pPr marL="742441" lvl="1" indent="-371221" algn="just">
               <a:lnSpc>
                 <a:spcPts val="4642"/>
               </a:lnSpc>
@@ -3865,7 +3871,7 @@
               <a:buChar char="•"/>
             </a:pPr>
             <a:r>
-              <a:rPr lang="en-US" b="true" sz="3438" spc="206" u="none">
+              <a:rPr lang="en-US" sz="3438" b="1" u="none" spc="206">
                 <a:solidFill>
                   <a:srgbClr val="343434"/>
                 </a:solidFill>
@@ -3886,9 +3892,18 @@
                 <a:spcPct val="0"/>
               </a:spcBef>
             </a:pPr>
-          </a:p>
-          <a:p>
-            <a:pPr algn="just" marL="742441" indent="-371221" lvl="1">
+            <a:endParaRPr lang="en-US" sz="3438" b="1" u="none" spc="206">
+              <a:solidFill>
+                <a:srgbClr val="343434"/>
+              </a:solidFill>
+              <a:latin typeface="TT Hoves Bold"/>
+              <a:ea typeface="TT Hoves Bold"/>
+              <a:cs typeface="TT Hoves Bold"/>
+              <a:sym typeface="TT Hoves Bold"/>
+            </a:endParaRPr>
+          </a:p>
+          <a:p>
+            <a:pPr marL="742441" lvl="1" indent="-371221" algn="just">
               <a:lnSpc>
                 <a:spcPts val="4642"/>
               </a:lnSpc>
@@ -3899,7 +3914,7 @@
               <a:buChar char="•"/>
             </a:pPr>
             <a:r>
-              <a:rPr lang="en-US" b="true" sz="3438" spc="206" u="none">
+              <a:rPr lang="en-US" sz="3438" b="1" u="none" spc="206">
                 <a:solidFill>
                   <a:srgbClr val="343434"/>
                 </a:solidFill>
@@ -3912,7 +3927,7 @@
             </a:r>
           </a:p>
           <a:p>
-            <a:pPr algn="just" marL="0" indent="0" lvl="0">
+            <a:pPr marL="0" lvl="0" indent="0" algn="just">
               <a:lnSpc>
                 <a:spcPts val="4642"/>
               </a:lnSpc>
@@ -3920,17 +3935,26 @@
                 <a:spcPct val="0"/>
               </a:spcBef>
             </a:pPr>
+            <a:endParaRPr lang="en-US" sz="3438" b="1" u="none" spc="206">
+              <a:solidFill>
+                <a:srgbClr val="343434"/>
+              </a:solidFill>
+              <a:latin typeface="TT Hoves Bold"/>
+              <a:ea typeface="TT Hoves Bold"/>
+              <a:cs typeface="TT Hoves Bold"/>
+              <a:sym typeface="TT Hoves Bold"/>
+            </a:endParaRPr>
           </a:p>
         </p:txBody>
       </p:sp>
       <p:grpSp>
         <p:nvGrpSpPr>
-          <p:cNvPr name="Group 3" id="3"/>
+          <p:cNvPr id="3" name="Group 3"/>
           <p:cNvGrpSpPr/>
           <p:nvPr/>
         </p:nvGrpSpPr>
         <p:grpSpPr>
-          <a:xfrm rot="0">
+          <a:xfrm>
             <a:off x="-837442" y="-1008189"/>
             <a:ext cx="7178388" cy="11878896"/>
             <a:chOff x="0" y="0"/>
@@ -3939,12 +3963,12 @@
         </p:grpSpPr>
         <p:sp>
           <p:nvSpPr>
-            <p:cNvPr name="Freeform 4" id="4"/>
+            <p:cNvPr id="4" name="Freeform 4"/>
             <p:cNvSpPr/>
             <p:nvPr/>
           </p:nvSpPr>
           <p:spPr>
-            <a:xfrm flipH="false" flipV="false" rot="0">
+            <a:xfrm>
               <a:off x="0" y="0"/>
               <a:ext cx="1890604" cy="3128598"/>
             </a:xfrm>
@@ -3953,9 +3977,9 @@
               <a:gdLst/>
               <a:ahLst/>
               <a:cxnLst/>
-              <a:rect r="r" b="b" t="t" l="l"/>
+              <a:rect l="l" t="t" r="r" b="b"/>
               <a:pathLst>
-                <a:path h="3128598" w="1890604">
+                <a:path w="1890604" h="3128598">
                   <a:moveTo>
                     <a:pt x="0" y="0"/>
                   </a:moveTo>
@@ -3979,8 +4003,8 @@
         </p:sp>
         <p:sp>
           <p:nvSpPr>
-            <p:cNvPr name="TextBox 5" id="5"/>
-            <p:cNvSpPr txBox="true"/>
+            <p:cNvPr id="5" name="TextBox 5"/>
+            <p:cNvSpPr txBox="1"/>
             <p:nvPr/>
           </p:nvSpPr>
           <p:spPr>
@@ -3993,7 +4017,7 @@
             </a:prstGeom>
           </p:spPr>
           <p:txBody>
-            <a:bodyPr anchor="ctr" rtlCol="false" tIns="50800" lIns="50800" bIns="50800" rIns="50800"/>
+            <a:bodyPr lIns="50800" tIns="50800" rIns="50800" bIns="50800" rtlCol="0" anchor="ctr"/>
             <a:lstStyle/>
             <a:p>
               <a:pPr algn="ctr">
@@ -4001,18 +4025,19 @@
                   <a:spcPts val="3639"/>
                 </a:lnSpc>
               </a:pPr>
+              <a:endParaRPr/>
             </a:p>
           </p:txBody>
         </p:sp>
       </p:grpSp>
       <p:sp>
         <p:nvSpPr>
-          <p:cNvPr name="Freeform 6" id="6"/>
+          <p:cNvPr id="6" name="Freeform 6"/>
           <p:cNvSpPr/>
           <p:nvPr/>
         </p:nvSpPr>
         <p:spPr>
-          <a:xfrm flipH="false" flipV="false" rot="0">
+          <a:xfrm>
             <a:off x="13103565" y="-4163676"/>
             <a:ext cx="7991003" cy="7991003"/>
           </a:xfrm>
@@ -4021,9 +4046,9 @@
             <a:gdLst/>
             <a:ahLst/>
             <a:cxnLst/>
-            <a:rect r="r" b="b" t="t" l="l"/>
+            <a:rect l="l" t="t" r="r" b="b"/>
             <a:pathLst>
-              <a:path h="7991003" w="7991003">
+              <a:path w="7991003" h="7991003">
                 <a:moveTo>
                   <a:pt x="0" y="0"/>
                 </a:moveTo>
@@ -4053,19 +4078,19 @@
               </a:extLst>
             </a:blip>
             <a:stretch>
-              <a:fillRect l="0" t="0" r="0" b="0"/>
+              <a:fillRect/>
             </a:stretch>
           </a:blipFill>
         </p:spPr>
       </p:sp>
       <p:sp>
         <p:nvSpPr>
-          <p:cNvPr name="TextBox 7" id="7"/>
-          <p:cNvSpPr txBox="true"/>
+          <p:cNvPr id="7" name="TextBox 7"/>
+          <p:cNvSpPr txBox="1"/>
           <p:nvPr/>
         </p:nvSpPr>
         <p:spPr>
-          <a:xfrm rot="0">
+          <a:xfrm>
             <a:off x="7966033" y="2110781"/>
             <a:ext cx="9760574" cy="1574959"/>
           </a:xfrm>
@@ -4074,7 +4099,7 @@
           </a:prstGeom>
         </p:spPr>
         <p:txBody>
-          <a:bodyPr anchor="t" rtlCol="false" tIns="0" lIns="0" bIns="0" rIns="0">
+          <a:bodyPr lIns="0" tIns="0" rIns="0" bIns="0" rtlCol="0" anchor="t">
             <a:spAutoFit/>
           </a:bodyPr>
           <a:lstStyle/>
@@ -4085,7 +4110,7 @@
               </a:lnSpc>
             </a:pPr>
             <a:r>
-              <a:rPr lang="en-US" b="true" sz="12388" spc="-607">
+              <a:rPr lang="en-US" sz="12388" b="1" spc="-607">
                 <a:solidFill>
                   <a:srgbClr val="343434"/>
                 </a:solidFill>
@@ -4101,12 +4126,12 @@
       </p:sp>
       <p:sp>
         <p:nvSpPr>
-          <p:cNvPr name="TextBox 8" id="8"/>
-          <p:cNvSpPr txBox="true"/>
+          <p:cNvPr id="8" name="TextBox 8"/>
+          <p:cNvSpPr txBox="1"/>
           <p:nvPr/>
         </p:nvSpPr>
         <p:spPr>
-          <a:xfrm rot="0">
+          <a:xfrm>
             <a:off x="-1885968" y="6789161"/>
             <a:ext cx="5508869" cy="4832876"/>
           </a:xfrm>
@@ -4115,7 +4140,7 @@
           </a:prstGeom>
         </p:spPr>
         <p:txBody>
-          <a:bodyPr anchor="t" rtlCol="false" tIns="0" lIns="0" bIns="0" rIns="0">
+          <a:bodyPr lIns="0" tIns="0" rIns="0" bIns="0" rtlCol="0" anchor="t">
             <a:spAutoFit/>
           </a:bodyPr>
           <a:lstStyle/>
@@ -4126,7 +4151,7 @@
               </a:lnSpc>
             </a:pPr>
             <a:r>
-              <a:rPr lang="en-US" b="true" sz="37888" spc="-1856">
+              <a:rPr lang="en-US" sz="37888" b="1" spc="-1856">
                 <a:solidFill>
                   <a:srgbClr val="EFEFEF"/>
                 </a:solidFill>
@@ -4142,12 +4167,12 @@
       </p:sp>
       <p:sp>
         <p:nvSpPr>
-          <p:cNvPr name="Freeform 9" id="9"/>
+          <p:cNvPr id="9" name="Freeform 9"/>
           <p:cNvSpPr/>
           <p:nvPr/>
         </p:nvSpPr>
         <p:spPr>
-          <a:xfrm flipH="false" flipV="false" rot="0">
+          <a:xfrm>
             <a:off x="-6931318" y="3290860"/>
             <a:ext cx="16075318" cy="16075318"/>
           </a:xfrm>
@@ -4156,9 +4181,9 @@
             <a:gdLst/>
             <a:ahLst/>
             <a:cxnLst/>
-            <a:rect r="r" b="b" t="t" l="l"/>
+            <a:rect l="l" t="t" r="r" b="b"/>
             <a:pathLst>
-              <a:path h="16075318" w="16075318">
+              <a:path w="16075318" h="16075318">
                 <a:moveTo>
                   <a:pt x="0" y="0"/>
                 </a:moveTo>
@@ -4188,7 +4213,7 @@
               </a:extLst>
             </a:blip>
             <a:stretch>
-              <a:fillRect l="0" t="0" r="0" b="0"/>
+              <a:fillRect/>
             </a:stretch>
           </a:blipFill>
         </p:spPr>
@@ -4202,13 +4227,14 @@
 </file>
 
 <file path=ppt/slides/slide3.xml><?xml version="1.0" encoding="utf-8"?>
-<p:sld xmlns:p="http://schemas.openxmlformats.org/presentationml/2006/main" xmlns:a="http://schemas.openxmlformats.org/drawingml/2006/main" xmlns:r="http://schemas.openxmlformats.org/officeDocument/2006/relationships">
+<p:sld xmlns:a="http://schemas.openxmlformats.org/drawingml/2006/main" xmlns:r="http://schemas.openxmlformats.org/officeDocument/2006/relationships" xmlns:p="http://schemas.openxmlformats.org/presentationml/2006/main">
   <p:cSld>
     <p:bg>
       <p:bgPr>
         <a:solidFill>
           <a:srgbClr val="EFEFEF"/>
         </a:solidFill>
+        <a:effectLst/>
       </p:bgPr>
     </p:bg>
     <p:spTree>
@@ -4227,12 +4253,12 @@
       </p:grpSpPr>
       <p:sp>
         <p:nvSpPr>
-          <p:cNvPr name="Freeform 2" id="2"/>
+          <p:cNvPr id="2" name="Freeform 2"/>
           <p:cNvSpPr/>
           <p:nvPr/>
         </p:nvSpPr>
         <p:spPr>
-          <a:xfrm flipH="false" flipV="false" rot="0">
+          <a:xfrm>
             <a:off x="-3805628" y="-3991568"/>
             <a:ext cx="9598990" cy="9598990"/>
           </a:xfrm>
@@ -4241,9 +4267,9 @@
             <a:gdLst/>
             <a:ahLst/>
             <a:cxnLst/>
-            <a:rect r="r" b="b" t="t" l="l"/>
+            <a:rect l="l" t="t" r="r" b="b"/>
             <a:pathLst>
-              <a:path h="9598990" w="9598990">
+              <a:path w="9598990" h="9598990">
                 <a:moveTo>
                   <a:pt x="0" y="0"/>
                 </a:moveTo>
@@ -4273,19 +4299,19 @@
               </a:extLst>
             </a:blip>
             <a:stretch>
-              <a:fillRect l="0" t="0" r="0" b="0"/>
+              <a:fillRect/>
             </a:stretch>
           </a:blipFill>
         </p:spPr>
       </p:sp>
       <p:grpSp>
         <p:nvGrpSpPr>
-          <p:cNvPr name="Group 3" id="3"/>
+          <p:cNvPr id="3" name="Group 3"/>
           <p:cNvGrpSpPr/>
           <p:nvPr/>
         </p:nvGrpSpPr>
         <p:grpSpPr>
-          <a:xfrm rot="0">
+          <a:xfrm>
             <a:off x="9975489" y="1749985"/>
             <a:ext cx="6998061" cy="1485900"/>
             <a:chOff x="0" y="0"/>
@@ -4294,12 +4320,12 @@
         </p:grpSpPr>
         <p:sp>
           <p:nvSpPr>
-            <p:cNvPr name="Freeform 4" id="4"/>
+            <p:cNvPr id="4" name="Freeform 4"/>
             <p:cNvSpPr/>
             <p:nvPr/>
           </p:nvSpPr>
           <p:spPr>
-            <a:xfrm flipH="false" flipV="false" rot="0">
+            <a:xfrm>
               <a:off x="0" y="0"/>
               <a:ext cx="2342659" cy="497417"/>
             </a:xfrm>
@@ -4308,9 +4334,9 @@
               <a:gdLst/>
               <a:ahLst/>
               <a:cxnLst/>
-              <a:rect r="r" b="b" t="t" l="l"/>
+              <a:rect l="l" t="t" r="r" b="b"/>
               <a:pathLst>
-                <a:path h="497417" w="2342659">
+                <a:path w="2342659" h="497417">
                   <a:moveTo>
                     <a:pt x="0" y="0"/>
                   </a:moveTo>
@@ -4334,8 +4360,8 @@
         </p:sp>
         <p:sp>
           <p:nvSpPr>
-            <p:cNvPr name="TextBox 5" id="5"/>
-            <p:cNvSpPr txBox="true"/>
+            <p:cNvPr id="5" name="TextBox 5"/>
+            <p:cNvSpPr txBox="1"/>
             <p:nvPr/>
           </p:nvSpPr>
           <p:spPr>
@@ -4348,7 +4374,7 @@
             </a:prstGeom>
           </p:spPr>
           <p:txBody>
-            <a:bodyPr anchor="ctr" rtlCol="false" tIns="50800" lIns="50800" bIns="50800" rIns="50800"/>
+            <a:bodyPr lIns="50800" tIns="50800" rIns="50800" bIns="50800" rtlCol="0" anchor="ctr"/>
             <a:lstStyle/>
             <a:p>
               <a:pPr algn="ctr">
@@ -4356,18 +4382,19 @@
                   <a:spcPts val="1925"/>
                 </a:lnSpc>
               </a:pPr>
+              <a:endParaRPr/>
             </a:p>
           </p:txBody>
         </p:sp>
       </p:grpSp>
       <p:sp>
         <p:nvSpPr>
-          <p:cNvPr name="TextBox 6" id="6"/>
-          <p:cNvSpPr txBox="true"/>
+          <p:cNvPr id="6" name="TextBox 6"/>
+          <p:cNvSpPr txBox="1"/>
           <p:nvPr/>
         </p:nvSpPr>
         <p:spPr>
-          <a:xfrm rot="0">
+          <a:xfrm>
             <a:off x="10491672" y="2024301"/>
             <a:ext cx="1578952" cy="1034423"/>
           </a:xfrm>
@@ -4376,7 +4403,7 @@
           </a:prstGeom>
         </p:spPr>
         <p:txBody>
-          <a:bodyPr anchor="t" rtlCol="false" tIns="0" lIns="0" bIns="0" rIns="0">
+          <a:bodyPr lIns="0" tIns="0" rIns="0" bIns="0" rtlCol="0" anchor="t">
             <a:spAutoFit/>
           </a:bodyPr>
           <a:lstStyle/>
@@ -4403,12 +4430,12 @@
       </p:sp>
       <p:sp>
         <p:nvSpPr>
-          <p:cNvPr name="TextBox 7" id="7"/>
-          <p:cNvSpPr txBox="true"/>
+          <p:cNvPr id="7" name="TextBox 7"/>
+          <p:cNvSpPr txBox="1"/>
           <p:nvPr/>
         </p:nvSpPr>
         <p:spPr>
-          <a:xfrm rot="0">
+          <a:xfrm>
             <a:off x="12601687" y="6540872"/>
             <a:ext cx="7498697" cy="4832876"/>
           </a:xfrm>
@@ -4417,7 +4444,7 @@
           </a:prstGeom>
         </p:spPr>
         <p:txBody>
-          <a:bodyPr anchor="t" rtlCol="false" tIns="0" lIns="0" bIns="0" rIns="0">
+          <a:bodyPr lIns="0" tIns="0" rIns="0" bIns="0" rtlCol="0" anchor="t">
             <a:spAutoFit/>
           </a:bodyPr>
           <a:lstStyle/>
@@ -4428,7 +4455,7 @@
               </a:lnSpc>
             </a:pPr>
             <a:r>
-              <a:rPr lang="en-US" b="true" sz="37888" spc="-1856">
+              <a:rPr lang="en-US" sz="37888" b="1" spc="-1856">
                 <a:solidFill>
                   <a:srgbClr val="343434"/>
                 </a:solidFill>
@@ -4444,12 +4471,12 @@
       </p:sp>
       <p:grpSp>
         <p:nvGrpSpPr>
-          <p:cNvPr name="Group 8" id="8"/>
+          <p:cNvPr id="8" name="Group 8"/>
           <p:cNvGrpSpPr/>
           <p:nvPr/>
         </p:nvGrpSpPr>
         <p:grpSpPr>
-          <a:xfrm rot="0">
+          <a:xfrm>
             <a:off x="9975489" y="3678704"/>
             <a:ext cx="6998061" cy="1485900"/>
             <a:chOff x="0" y="0"/>
@@ -4458,12 +4485,12 @@
         </p:grpSpPr>
         <p:sp>
           <p:nvSpPr>
-            <p:cNvPr name="Freeform 9" id="9"/>
+            <p:cNvPr id="9" name="Freeform 9"/>
             <p:cNvSpPr/>
             <p:nvPr/>
           </p:nvSpPr>
           <p:spPr>
-            <a:xfrm flipH="false" flipV="false" rot="0">
+            <a:xfrm>
               <a:off x="0" y="0"/>
               <a:ext cx="2342659" cy="497417"/>
             </a:xfrm>
@@ -4472,9 +4499,9 @@
               <a:gdLst/>
               <a:ahLst/>
               <a:cxnLst/>
-              <a:rect r="r" b="b" t="t" l="l"/>
+              <a:rect l="l" t="t" r="r" b="b"/>
               <a:pathLst>
-                <a:path h="497417" w="2342659">
+                <a:path w="2342659" h="497417">
                   <a:moveTo>
                     <a:pt x="0" y="0"/>
                   </a:moveTo>
@@ -4498,8 +4525,8 @@
         </p:sp>
         <p:sp>
           <p:nvSpPr>
-            <p:cNvPr name="TextBox 10" id="10"/>
-            <p:cNvSpPr txBox="true"/>
+            <p:cNvPr id="10" name="TextBox 10"/>
+            <p:cNvSpPr txBox="1"/>
             <p:nvPr/>
           </p:nvSpPr>
           <p:spPr>
@@ -4512,7 +4539,7 @@
             </a:prstGeom>
           </p:spPr>
           <p:txBody>
-            <a:bodyPr anchor="ctr" rtlCol="false" tIns="50800" lIns="50800" bIns="50800" rIns="50800"/>
+            <a:bodyPr lIns="50800" tIns="50800" rIns="50800" bIns="50800" rtlCol="0" anchor="ctr"/>
             <a:lstStyle/>
             <a:p>
               <a:pPr algn="ctr">
@@ -4520,18 +4547,19 @@
                   <a:spcPts val="1925"/>
                 </a:lnSpc>
               </a:pPr>
+              <a:endParaRPr/>
             </a:p>
           </p:txBody>
         </p:sp>
       </p:grpSp>
       <p:grpSp>
         <p:nvGrpSpPr>
-          <p:cNvPr name="Group 11" id="11"/>
+          <p:cNvPr id="11" name="Group 11"/>
           <p:cNvGrpSpPr/>
           <p:nvPr/>
         </p:nvGrpSpPr>
         <p:grpSpPr>
-          <a:xfrm rot="0">
+          <a:xfrm>
             <a:off x="9975489" y="5783729"/>
             <a:ext cx="6998061" cy="1485900"/>
             <a:chOff x="0" y="0"/>
@@ -4540,12 +4568,12 @@
         </p:grpSpPr>
         <p:sp>
           <p:nvSpPr>
-            <p:cNvPr name="Freeform 12" id="12"/>
+            <p:cNvPr id="12" name="Freeform 12"/>
             <p:cNvSpPr/>
             <p:nvPr/>
           </p:nvSpPr>
           <p:spPr>
-            <a:xfrm flipH="false" flipV="false" rot="0">
+            <a:xfrm>
               <a:off x="0" y="0"/>
               <a:ext cx="2342659" cy="497417"/>
             </a:xfrm>
@@ -4554,9 +4582,9 @@
               <a:gdLst/>
               <a:ahLst/>
               <a:cxnLst/>
-              <a:rect r="r" b="b" t="t" l="l"/>
+              <a:rect l="l" t="t" r="r" b="b"/>
               <a:pathLst>
-                <a:path h="497417" w="2342659">
+                <a:path w="2342659" h="497417">
                   <a:moveTo>
                     <a:pt x="0" y="0"/>
                   </a:moveTo>
@@ -4580,8 +4608,8 @@
         </p:sp>
         <p:sp>
           <p:nvSpPr>
-            <p:cNvPr name="TextBox 13" id="13"/>
-            <p:cNvSpPr txBox="true"/>
+            <p:cNvPr id="13" name="TextBox 13"/>
+            <p:cNvSpPr txBox="1"/>
             <p:nvPr/>
           </p:nvSpPr>
           <p:spPr>
@@ -4594,7 +4622,7 @@
             </a:prstGeom>
           </p:spPr>
           <p:txBody>
-            <a:bodyPr anchor="ctr" rtlCol="false" tIns="50800" lIns="50800" bIns="50800" rIns="50800"/>
+            <a:bodyPr lIns="50800" tIns="50800" rIns="50800" bIns="50800" rtlCol="0" anchor="ctr"/>
             <a:lstStyle/>
             <a:p>
               <a:pPr algn="ctr">
@@ -4602,18 +4630,19 @@
                   <a:spcPts val="1925"/>
                 </a:lnSpc>
               </a:pPr>
+              <a:endParaRPr/>
             </a:p>
           </p:txBody>
         </p:sp>
       </p:grpSp>
       <p:sp>
         <p:nvSpPr>
-          <p:cNvPr name="TextBox 14" id="14"/>
-          <p:cNvSpPr txBox="true"/>
+          <p:cNvPr id="14" name="TextBox 14"/>
+          <p:cNvSpPr txBox="1"/>
           <p:nvPr/>
         </p:nvSpPr>
         <p:spPr>
-          <a:xfrm rot="0">
+          <a:xfrm>
             <a:off x="10491672" y="3953020"/>
             <a:ext cx="1578952" cy="1034423"/>
           </a:xfrm>
@@ -4622,7 +4651,7 @@
           </a:prstGeom>
         </p:spPr>
         <p:txBody>
-          <a:bodyPr anchor="t" rtlCol="false" tIns="0" lIns="0" bIns="0" rIns="0">
+          <a:bodyPr lIns="0" tIns="0" rIns="0" bIns="0" rtlCol="0" anchor="t">
             <a:spAutoFit/>
           </a:bodyPr>
           <a:lstStyle/>
@@ -4649,12 +4678,12 @@
       </p:sp>
       <p:sp>
         <p:nvSpPr>
-          <p:cNvPr name="TextBox 15" id="15"/>
-          <p:cNvSpPr txBox="true"/>
+          <p:cNvPr id="15" name="TextBox 15"/>
+          <p:cNvSpPr txBox="1"/>
           <p:nvPr/>
         </p:nvSpPr>
         <p:spPr>
-          <a:xfrm rot="0">
+          <a:xfrm>
             <a:off x="10491672" y="6058045"/>
             <a:ext cx="1578952" cy="1034423"/>
           </a:xfrm>
@@ -4663,7 +4692,7 @@
           </a:prstGeom>
         </p:spPr>
         <p:txBody>
-          <a:bodyPr anchor="t" rtlCol="false" tIns="0" lIns="0" bIns="0" rIns="0">
+          <a:bodyPr lIns="0" tIns="0" rIns="0" bIns="0" rtlCol="0" anchor="t">
             <a:spAutoFit/>
           </a:bodyPr>
           <a:lstStyle/>
@@ -4690,12 +4719,12 @@
       </p:sp>
       <p:sp>
         <p:nvSpPr>
-          <p:cNvPr name="TextBox 16" id="16"/>
-          <p:cNvSpPr txBox="true"/>
+          <p:cNvPr id="16" name="TextBox 16"/>
+          <p:cNvSpPr txBox="1"/>
           <p:nvPr/>
         </p:nvSpPr>
         <p:spPr>
-          <a:xfrm rot="0">
+          <a:xfrm>
             <a:off x="12218908" y="1711885"/>
             <a:ext cx="4132127" cy="1358265"/>
           </a:xfrm>
@@ -4704,12 +4733,12 @@
           </a:prstGeom>
         </p:spPr>
         <p:txBody>
-          <a:bodyPr anchor="t" rtlCol="false" tIns="0" lIns="0" bIns="0" rIns="0">
+          <a:bodyPr lIns="0" tIns="0" rIns="0" bIns="0" rtlCol="0" anchor="t">
             <a:spAutoFit/>
           </a:bodyPr>
           <a:lstStyle/>
           <a:p>
-            <a:pPr algn="just" marL="0" indent="0" lvl="0">
+            <a:pPr marL="0" lvl="0" indent="0" algn="just">
               <a:lnSpc>
                 <a:spcPts val="3645"/>
               </a:lnSpc>
@@ -4734,12 +4763,12 @@
       </p:sp>
       <p:sp>
         <p:nvSpPr>
-          <p:cNvPr name="TextBox 17" id="17"/>
-          <p:cNvSpPr txBox="true"/>
+          <p:cNvPr id="17" name="TextBox 17"/>
+          <p:cNvSpPr txBox="1"/>
           <p:nvPr/>
         </p:nvSpPr>
         <p:spPr>
-          <a:xfrm rot="0">
+          <a:xfrm>
             <a:off x="12070625" y="3739515"/>
             <a:ext cx="4132127" cy="1403985"/>
           </a:xfrm>
@@ -4748,12 +4777,12 @@
           </a:prstGeom>
         </p:spPr>
         <p:txBody>
-          <a:bodyPr anchor="t" rtlCol="false" tIns="0" lIns="0" bIns="0" rIns="0">
+          <a:bodyPr lIns="0" tIns="0" rIns="0" bIns="0" rtlCol="0" anchor="t">
             <a:spAutoFit/>
           </a:bodyPr>
           <a:lstStyle/>
           <a:p>
-            <a:pPr algn="just" marL="0" indent="0" lvl="0">
+            <a:pPr marL="0" lvl="0" indent="0" algn="just">
               <a:lnSpc>
                 <a:spcPts val="3780"/>
               </a:lnSpc>
@@ -4778,12 +4807,12 @@
       </p:sp>
       <p:sp>
         <p:nvSpPr>
-          <p:cNvPr name="TextBox 18" id="18"/>
-          <p:cNvSpPr txBox="true"/>
+          <p:cNvPr id="18" name="TextBox 18"/>
+          <p:cNvSpPr txBox="1"/>
           <p:nvPr/>
         </p:nvSpPr>
         <p:spPr>
-          <a:xfrm rot="0">
+          <a:xfrm>
             <a:off x="12218908" y="5745629"/>
             <a:ext cx="4132127" cy="1358265"/>
           </a:xfrm>
@@ -4792,12 +4821,12 @@
           </a:prstGeom>
         </p:spPr>
         <p:txBody>
-          <a:bodyPr anchor="t" rtlCol="false" tIns="0" lIns="0" bIns="0" rIns="0">
+          <a:bodyPr lIns="0" tIns="0" rIns="0" bIns="0" rtlCol="0" anchor="t">
             <a:spAutoFit/>
           </a:bodyPr>
           <a:lstStyle/>
           <a:p>
-            <a:pPr algn="just" marL="0" indent="0" lvl="0">
+            <a:pPr marL="0" lvl="0" indent="0" algn="just">
               <a:lnSpc>
                 <a:spcPts val="3645"/>
               </a:lnSpc>
@@ -4822,12 +4851,12 @@
       </p:sp>
       <p:sp>
         <p:nvSpPr>
-          <p:cNvPr name="TextBox 19" id="19"/>
-          <p:cNvSpPr txBox="true"/>
+          <p:cNvPr id="19" name="TextBox 19"/>
+          <p:cNvSpPr txBox="1"/>
           <p:nvPr/>
         </p:nvSpPr>
         <p:spPr>
-          <a:xfrm rot="0">
+          <a:xfrm>
             <a:off x="1504950" y="3752090"/>
             <a:ext cx="7639050" cy="2613580"/>
           </a:xfrm>
@@ -4836,7 +4865,7 @@
           </a:prstGeom>
         </p:spPr>
         <p:txBody>
-          <a:bodyPr anchor="t" rtlCol="false" tIns="0" lIns="0" bIns="0" rIns="0">
+          <a:bodyPr lIns="0" tIns="0" rIns="0" bIns="0" rtlCol="0" anchor="t">
             <a:spAutoFit/>
           </a:bodyPr>
           <a:lstStyle/>
@@ -4847,7 +4876,7 @@
               </a:lnSpc>
             </a:pPr>
             <a:r>
-              <a:rPr lang="en-US" b="true" sz="9695" spc="-475">
+              <a:rPr lang="en-US" sz="9695" b="1" spc="-475">
                 <a:solidFill>
                   <a:srgbClr val="343434"/>
                 </a:solidFill>
@@ -4863,12 +4892,12 @@
       </p:sp>
       <p:grpSp>
         <p:nvGrpSpPr>
-          <p:cNvPr name="Group 20" id="20"/>
+          <p:cNvPr id="20" name="Group 20"/>
           <p:cNvGrpSpPr/>
           <p:nvPr/>
         </p:nvGrpSpPr>
         <p:grpSpPr>
-          <a:xfrm rot="0">
+          <a:xfrm>
             <a:off x="9975489" y="7707779"/>
             <a:ext cx="6998061" cy="1485900"/>
             <a:chOff x="0" y="0"/>
@@ -4877,12 +4906,12 @@
         </p:grpSpPr>
         <p:sp>
           <p:nvSpPr>
-            <p:cNvPr name="Freeform 21" id="21"/>
+            <p:cNvPr id="21" name="Freeform 21"/>
             <p:cNvSpPr/>
             <p:nvPr/>
           </p:nvSpPr>
           <p:spPr>
-            <a:xfrm flipH="false" flipV="false" rot="0">
+            <a:xfrm>
               <a:off x="0" y="0"/>
               <a:ext cx="2342659" cy="497417"/>
             </a:xfrm>
@@ -4891,9 +4920,9 @@
               <a:gdLst/>
               <a:ahLst/>
               <a:cxnLst/>
-              <a:rect r="r" b="b" t="t" l="l"/>
+              <a:rect l="l" t="t" r="r" b="b"/>
               <a:pathLst>
-                <a:path h="497417" w="2342659">
+                <a:path w="2342659" h="497417">
                   <a:moveTo>
                     <a:pt x="0" y="0"/>
                   </a:moveTo>
@@ -4917,8 +4946,8 @@
         </p:sp>
         <p:sp>
           <p:nvSpPr>
-            <p:cNvPr name="TextBox 22" id="22"/>
-            <p:cNvSpPr txBox="true"/>
+            <p:cNvPr id="22" name="TextBox 22"/>
+            <p:cNvSpPr txBox="1"/>
             <p:nvPr/>
           </p:nvSpPr>
           <p:spPr>
@@ -4931,7 +4960,7 @@
             </a:prstGeom>
           </p:spPr>
           <p:txBody>
-            <a:bodyPr anchor="ctr" rtlCol="false" tIns="50800" lIns="50800" bIns="50800" rIns="50800"/>
+            <a:bodyPr lIns="50800" tIns="50800" rIns="50800" bIns="50800" rtlCol="0" anchor="ctr"/>
             <a:lstStyle/>
             <a:p>
               <a:pPr algn="ctr">
@@ -4939,18 +4968,19 @@
                   <a:spcPts val="2079"/>
                 </a:lnSpc>
               </a:pPr>
+              <a:endParaRPr/>
             </a:p>
           </p:txBody>
         </p:sp>
       </p:grpSp>
       <p:sp>
         <p:nvSpPr>
-          <p:cNvPr name="TextBox 23" id="23"/>
-          <p:cNvSpPr txBox="true"/>
+          <p:cNvPr id="23" name="TextBox 23"/>
+          <p:cNvSpPr txBox="1"/>
           <p:nvPr/>
         </p:nvSpPr>
         <p:spPr>
-          <a:xfrm rot="0">
+          <a:xfrm>
             <a:off x="10491672" y="7982095"/>
             <a:ext cx="1578952" cy="1034423"/>
           </a:xfrm>
@@ -4959,7 +4989,7 @@
           </a:prstGeom>
         </p:spPr>
         <p:txBody>
-          <a:bodyPr anchor="t" rtlCol="false" tIns="0" lIns="0" bIns="0" rIns="0">
+          <a:bodyPr lIns="0" tIns="0" rIns="0" bIns="0" rtlCol="0" anchor="t">
             <a:spAutoFit/>
           </a:bodyPr>
           <a:lstStyle/>
@@ -4986,12 +5016,12 @@
       </p:sp>
       <p:sp>
         <p:nvSpPr>
-          <p:cNvPr name="TextBox 24" id="24"/>
-          <p:cNvSpPr txBox="true"/>
+          <p:cNvPr id="24" name="TextBox 24"/>
+          <p:cNvSpPr txBox="1"/>
           <p:nvPr/>
         </p:nvSpPr>
         <p:spPr>
-          <a:xfrm rot="0">
+          <a:xfrm>
             <a:off x="12070625" y="7869704"/>
             <a:ext cx="4280411" cy="901065"/>
           </a:xfrm>
@@ -5000,12 +5030,12 @@
           </a:prstGeom>
         </p:spPr>
         <p:txBody>
-          <a:bodyPr anchor="t" rtlCol="false" tIns="0" lIns="0" bIns="0" rIns="0">
+          <a:bodyPr lIns="0" tIns="0" rIns="0" bIns="0" rtlCol="0" anchor="t">
             <a:spAutoFit/>
           </a:bodyPr>
           <a:lstStyle/>
           <a:p>
-            <a:pPr algn="just" marL="0" indent="0" lvl="0">
+            <a:pPr marL="0" lvl="0" indent="0" algn="just">
               <a:lnSpc>
                 <a:spcPts val="3645"/>
               </a:lnSpc>
@@ -5037,13 +5067,14 @@
 </file>
 
 <file path=ppt/slides/slide4.xml><?xml version="1.0" encoding="utf-8"?>
-<p:sld xmlns:p="http://schemas.openxmlformats.org/presentationml/2006/main" xmlns:a="http://schemas.openxmlformats.org/drawingml/2006/main" xmlns:r="http://schemas.openxmlformats.org/officeDocument/2006/relationships">
+<p:sld xmlns:a="http://schemas.openxmlformats.org/drawingml/2006/main" xmlns:r="http://schemas.openxmlformats.org/officeDocument/2006/relationships" xmlns:p="http://schemas.openxmlformats.org/presentationml/2006/main">
   <p:cSld>
     <p:bg>
       <p:bgPr>
         <a:solidFill>
           <a:srgbClr val="EFEFEF"/>
         </a:solidFill>
+        <a:effectLst/>
       </p:bgPr>
     </p:bg>
     <p:spTree>
@@ -5062,12 +5093,12 @@
       </p:grpSpPr>
       <p:sp>
         <p:nvSpPr>
-          <p:cNvPr name="TextBox 2" id="2"/>
-          <p:cNvSpPr txBox="true"/>
+          <p:cNvPr id="2" name="TextBox 2"/>
+          <p:cNvSpPr txBox="1"/>
           <p:nvPr/>
         </p:nvSpPr>
         <p:spPr>
-          <a:xfrm rot="0">
+          <a:xfrm>
             <a:off x="2292156" y="3513005"/>
             <a:ext cx="8948151" cy="4747260"/>
           </a:xfrm>
@@ -5076,12 +5107,12 @@
           </a:prstGeom>
         </p:spPr>
         <p:txBody>
-          <a:bodyPr anchor="t" rtlCol="false" tIns="0" lIns="0" bIns="0" rIns="0">
+          <a:bodyPr lIns="0" tIns="0" rIns="0" bIns="0" rtlCol="0" anchor="t">
             <a:spAutoFit/>
           </a:bodyPr>
           <a:lstStyle/>
           <a:p>
-            <a:pPr algn="just" marL="604515" indent="-302257" lvl="1">
+            <a:pPr marL="604515" lvl="1" indent="-302257" algn="just">
               <a:lnSpc>
                 <a:spcPts val="3779"/>
               </a:lnSpc>
@@ -5092,7 +5123,7 @@
               <a:buChar char="•"/>
             </a:pPr>
             <a:r>
-              <a:rPr lang="en-US" b="true" sz="2799" spc="167">
+              <a:rPr lang="en-US" sz="2799" b="1" spc="167">
                 <a:solidFill>
                   <a:srgbClr val="343434"/>
                 </a:solidFill>
@@ -5104,7 +5135,7 @@
               <a:t>Us</a:t>
             </a:r>
             <a:r>
-              <a:rPr lang="en-US" b="true" sz="2799" spc="167" u="none">
+              <a:rPr lang="en-US" sz="2799" b="1" u="none" spc="167">
                 <a:solidFill>
                   <a:srgbClr val="343434"/>
                 </a:solidFill>
@@ -5125,9 +5156,18 @@
                 <a:spcPct val="0"/>
               </a:spcBef>
             </a:pPr>
-          </a:p>
-          <a:p>
-            <a:pPr algn="just" marL="604515" indent="-302257" lvl="1">
+            <a:endParaRPr lang="en-US" sz="2799" b="1" u="none" spc="167">
+              <a:solidFill>
+                <a:srgbClr val="343434"/>
+              </a:solidFill>
+              <a:latin typeface="TT Hoves Bold"/>
+              <a:ea typeface="TT Hoves Bold"/>
+              <a:cs typeface="TT Hoves Bold"/>
+              <a:sym typeface="TT Hoves Bold"/>
+            </a:endParaRPr>
+          </a:p>
+          <a:p>
+            <a:pPr marL="604515" lvl="1" indent="-302257" algn="just">
               <a:lnSpc>
                 <a:spcPts val="3779"/>
               </a:lnSpc>
@@ -5138,7 +5178,7 @@
               <a:buChar char="•"/>
             </a:pPr>
             <a:r>
-              <a:rPr lang="en-US" b="true" sz="2799" spc="167" u="none">
+              <a:rPr lang="en-US" sz="2799" b="1" u="none" spc="167">
                 <a:solidFill>
                   <a:srgbClr val="343434"/>
                 </a:solidFill>
@@ -5159,9 +5199,18 @@
                 <a:spcPct val="0"/>
               </a:spcBef>
             </a:pPr>
-          </a:p>
-          <a:p>
-            <a:pPr algn="just" marL="604515" indent="-302257" lvl="1">
+            <a:endParaRPr lang="en-US" sz="2799" b="1" u="none" spc="167">
+              <a:solidFill>
+                <a:srgbClr val="343434"/>
+              </a:solidFill>
+              <a:latin typeface="TT Hoves Bold"/>
+              <a:ea typeface="TT Hoves Bold"/>
+              <a:cs typeface="TT Hoves Bold"/>
+              <a:sym typeface="TT Hoves Bold"/>
+            </a:endParaRPr>
+          </a:p>
+          <a:p>
+            <a:pPr marL="604515" lvl="1" indent="-302257" algn="just">
               <a:lnSpc>
                 <a:spcPts val="3779"/>
               </a:lnSpc>
@@ -5172,7 +5221,7 @@
               <a:buChar char="•"/>
             </a:pPr>
             <a:r>
-              <a:rPr lang="en-US" b="true" sz="2799" spc="167" u="none">
+              <a:rPr lang="en-US" sz="2799" b="1" u="none" spc="167">
                 <a:solidFill>
                   <a:srgbClr val="343434"/>
                 </a:solidFill>
@@ -5193,9 +5242,18 @@
                 <a:spcPct val="0"/>
               </a:spcBef>
             </a:pPr>
-          </a:p>
-          <a:p>
-            <a:pPr algn="just" marL="604515" indent="-302257" lvl="1">
+            <a:endParaRPr lang="en-US" sz="2799" b="1" u="none" spc="167">
+              <a:solidFill>
+                <a:srgbClr val="343434"/>
+              </a:solidFill>
+              <a:latin typeface="TT Hoves Bold"/>
+              <a:ea typeface="TT Hoves Bold"/>
+              <a:cs typeface="TT Hoves Bold"/>
+              <a:sym typeface="TT Hoves Bold"/>
+            </a:endParaRPr>
+          </a:p>
+          <a:p>
+            <a:pPr marL="604515" lvl="1" indent="-302257" algn="just">
               <a:lnSpc>
                 <a:spcPts val="3779"/>
               </a:lnSpc>
@@ -5206,7 +5264,7 @@
               <a:buChar char="•"/>
             </a:pPr>
             <a:r>
-              <a:rPr lang="en-US" b="true" sz="2799" spc="167" u="none">
+              <a:rPr lang="en-US" sz="2799" b="1" u="none" spc="167">
                 <a:solidFill>
                   <a:srgbClr val="343434"/>
                 </a:solidFill>
@@ -5219,7 +5277,7 @@
             </a:r>
           </a:p>
           <a:p>
-            <a:pPr algn="just" marL="0" indent="0" lvl="0">
+            <a:pPr marL="0" lvl="0" indent="0" algn="just">
               <a:lnSpc>
                 <a:spcPts val="3779"/>
               </a:lnSpc>
@@ -5227,17 +5285,26 @@
                 <a:spcPct val="0"/>
               </a:spcBef>
             </a:pPr>
-          </a:p>
-        </p:txBody>
-      </p:sp>
-      <p:sp>
-        <p:nvSpPr>
-          <p:cNvPr name="TextBox 3" id="3"/>
-          <p:cNvSpPr txBox="true"/>
+            <a:endParaRPr lang="en-US" sz="2799" b="1" u="none" spc="167">
+              <a:solidFill>
+                <a:srgbClr val="343434"/>
+              </a:solidFill>
+              <a:latin typeface="TT Hoves Bold"/>
+              <a:ea typeface="TT Hoves Bold"/>
+              <a:cs typeface="TT Hoves Bold"/>
+              <a:sym typeface="TT Hoves Bold"/>
+            </a:endParaRPr>
+          </a:p>
+        </p:txBody>
+      </p:sp>
+      <p:sp>
+        <p:nvSpPr>
+          <p:cNvPr id="3" name="TextBox 3"/>
+          <p:cNvSpPr txBox="1"/>
           <p:nvPr/>
         </p:nvSpPr>
         <p:spPr>
-          <a:xfrm rot="0">
+          <a:xfrm>
             <a:off x="2706356" y="1667172"/>
             <a:ext cx="8119751" cy="1327705"/>
           </a:xfrm>
@@ -5246,7 +5313,7 @@
           </a:prstGeom>
         </p:spPr>
         <p:txBody>
-          <a:bodyPr anchor="t" rtlCol="false" tIns="0" lIns="0" bIns="0" rIns="0">
+          <a:bodyPr lIns="0" tIns="0" rIns="0" bIns="0" rtlCol="0" anchor="t">
             <a:spAutoFit/>
           </a:bodyPr>
           <a:lstStyle/>
@@ -5257,7 +5324,7 @@
               </a:lnSpc>
             </a:pPr>
             <a:r>
-              <a:rPr lang="en-US" b="true" sz="9695" spc="-475">
+              <a:rPr lang="en-US" sz="9695" b="1" spc="-475">
                 <a:solidFill>
                   <a:srgbClr val="343434"/>
                 </a:solidFill>
@@ -5273,12 +5340,12 @@
       </p:sp>
       <p:sp>
         <p:nvSpPr>
-          <p:cNvPr name="Freeform 4" id="4"/>
+          <p:cNvPr id="4" name="Freeform 4"/>
           <p:cNvSpPr/>
           <p:nvPr/>
         </p:nvSpPr>
         <p:spPr>
-          <a:xfrm flipH="false" flipV="false" rot="0">
+          <a:xfrm>
             <a:off x="8313377" y="-2894159"/>
             <a:ext cx="16075318" cy="16075318"/>
           </a:xfrm>
@@ -5287,9 +5354,9 @@
             <a:gdLst/>
             <a:ahLst/>
             <a:cxnLst/>
-            <a:rect r="r" b="b" t="t" l="l"/>
+            <a:rect l="l" t="t" r="r" b="b"/>
             <a:pathLst>
-              <a:path h="16075318" w="16075318">
+              <a:path w="16075318" h="16075318">
                 <a:moveTo>
                   <a:pt x="0" y="0"/>
                 </a:moveTo>
@@ -5319,19 +5386,19 @@
               </a:extLst>
             </a:blip>
             <a:stretch>
-              <a:fillRect l="0" t="0" r="0" b="0"/>
+              <a:fillRect/>
             </a:stretch>
           </a:blipFill>
         </p:spPr>
       </p:sp>
       <p:grpSp>
         <p:nvGrpSpPr>
-          <p:cNvPr name="Group 5" id="5"/>
+          <p:cNvPr id="5" name="Group 5"/>
           <p:cNvGrpSpPr/>
           <p:nvPr/>
         </p:nvGrpSpPr>
         <p:grpSpPr>
-          <a:xfrm rot="0">
+          <a:xfrm>
             <a:off x="-696258" y="-976142"/>
             <a:ext cx="2222590" cy="11878896"/>
             <a:chOff x="0" y="0"/>
@@ -5340,12 +5407,12 @@
         </p:grpSpPr>
         <p:sp>
           <p:nvSpPr>
-            <p:cNvPr name="Freeform 6" id="6"/>
+            <p:cNvPr id="6" name="Freeform 6"/>
             <p:cNvSpPr/>
             <p:nvPr/>
           </p:nvSpPr>
           <p:spPr>
-            <a:xfrm flipH="false" flipV="false" rot="0">
+            <a:xfrm>
               <a:off x="0" y="0"/>
               <a:ext cx="585373" cy="3128598"/>
             </a:xfrm>
@@ -5354,9 +5421,9 @@
               <a:gdLst/>
               <a:ahLst/>
               <a:cxnLst/>
-              <a:rect r="r" b="b" t="t" l="l"/>
+              <a:rect l="l" t="t" r="r" b="b"/>
               <a:pathLst>
-                <a:path h="3128598" w="585373">
+                <a:path w="585373" h="3128598">
                   <a:moveTo>
                     <a:pt x="0" y="0"/>
                   </a:moveTo>
@@ -5380,8 +5447,8 @@
         </p:sp>
         <p:sp>
           <p:nvSpPr>
-            <p:cNvPr name="TextBox 7" id="7"/>
-            <p:cNvSpPr txBox="true"/>
+            <p:cNvPr id="7" name="TextBox 7"/>
+            <p:cNvSpPr txBox="1"/>
             <p:nvPr/>
           </p:nvSpPr>
           <p:spPr>
@@ -5394,7 +5461,7 @@
             </a:prstGeom>
           </p:spPr>
           <p:txBody>
-            <a:bodyPr anchor="ctr" rtlCol="false" tIns="50800" lIns="50800" bIns="50800" rIns="50800"/>
+            <a:bodyPr lIns="50800" tIns="50800" rIns="50800" bIns="50800" rtlCol="0" anchor="ctr"/>
             <a:lstStyle/>
             <a:p>
               <a:pPr algn="ctr">
@@ -5402,18 +5469,19 @@
                   <a:spcPts val="3639"/>
                 </a:lnSpc>
               </a:pPr>
+              <a:endParaRPr/>
             </a:p>
           </p:txBody>
         </p:sp>
       </p:grpSp>
       <p:sp>
         <p:nvSpPr>
-          <p:cNvPr name="TextBox 8" id="8"/>
-          <p:cNvSpPr txBox="true"/>
+          <p:cNvPr id="8" name="TextBox 8"/>
+          <p:cNvSpPr txBox="1"/>
           <p:nvPr/>
         </p:nvSpPr>
         <p:spPr>
-          <a:xfrm rot="0">
+          <a:xfrm>
             <a:off x="12601687" y="6540872"/>
             <a:ext cx="7498697" cy="4832876"/>
           </a:xfrm>
@@ -5422,7 +5490,7 @@
           </a:prstGeom>
         </p:spPr>
         <p:txBody>
-          <a:bodyPr anchor="t" rtlCol="false" tIns="0" lIns="0" bIns="0" rIns="0">
+          <a:bodyPr lIns="0" tIns="0" rIns="0" bIns="0" rtlCol="0" anchor="t">
             <a:spAutoFit/>
           </a:bodyPr>
           <a:lstStyle/>
@@ -5433,7 +5501,7 @@
               </a:lnSpc>
             </a:pPr>
             <a:r>
-              <a:rPr lang="en-US" b="true" sz="37888" spc="-1856">
+              <a:rPr lang="en-US" sz="37888" b="1" spc="-1856">
                 <a:solidFill>
                   <a:srgbClr val="343434"/>
                 </a:solidFill>
@@ -5456,13 +5524,14 @@
 </file>
 
 <file path=ppt/slides/slide5.xml><?xml version="1.0" encoding="utf-8"?>
-<p:sld xmlns:p="http://schemas.openxmlformats.org/presentationml/2006/main" xmlns:a="http://schemas.openxmlformats.org/drawingml/2006/main" xmlns:r="http://schemas.openxmlformats.org/officeDocument/2006/relationships">
+<p:sld xmlns:a="http://schemas.openxmlformats.org/drawingml/2006/main" xmlns:r="http://schemas.openxmlformats.org/officeDocument/2006/relationships" xmlns:p="http://schemas.openxmlformats.org/presentationml/2006/main">
   <p:cSld>
     <p:bg>
       <p:bgPr>
         <a:solidFill>
           <a:srgbClr val="EFEFEF"/>
         </a:solidFill>
+        <a:effectLst/>
       </p:bgPr>
     </p:bg>
     <p:spTree>
@@ -5481,12 +5550,12 @@
       </p:grpSpPr>
       <p:sp>
         <p:nvSpPr>
-          <p:cNvPr name="TextBox 2" id="2"/>
-          <p:cNvSpPr txBox="true"/>
+          <p:cNvPr id="2" name="TextBox 2"/>
+          <p:cNvSpPr txBox="1"/>
           <p:nvPr/>
         </p:nvSpPr>
         <p:spPr>
-          <a:xfrm rot="0">
+          <a:xfrm>
             <a:off x="2007223" y="1698999"/>
             <a:ext cx="2197323" cy="679451"/>
           </a:xfrm>
@@ -5495,7 +5564,7 @@
           </a:prstGeom>
         </p:spPr>
         <p:txBody>
-          <a:bodyPr anchor="t" rtlCol="false" tIns="0" lIns="0" bIns="0" rIns="0">
+          <a:bodyPr lIns="0" tIns="0" rIns="0" bIns="0" rtlCol="0" anchor="t">
             <a:spAutoFit/>
           </a:bodyPr>
           <a:lstStyle/>
@@ -5506,7 +5575,7 @@
               </a:lnSpc>
             </a:pPr>
             <a:r>
-              <a:rPr lang="en-US" b="true" sz="5000">
+              <a:rPr lang="en-US" sz="5000" b="1">
                 <a:solidFill>
                   <a:srgbClr val="343434"/>
                 </a:solidFill>
@@ -5522,12 +5591,12 @@
       </p:sp>
       <p:sp>
         <p:nvSpPr>
-          <p:cNvPr name="TextBox 3" id="3"/>
-          <p:cNvSpPr txBox="true"/>
+          <p:cNvPr id="3" name="TextBox 3"/>
+          <p:cNvSpPr txBox="1"/>
           <p:nvPr/>
         </p:nvSpPr>
         <p:spPr>
-          <a:xfrm rot="0">
+          <a:xfrm>
             <a:off x="2007223" y="5274145"/>
             <a:ext cx="2197323" cy="679451"/>
           </a:xfrm>
@@ -5536,7 +5605,7 @@
           </a:prstGeom>
         </p:spPr>
         <p:txBody>
-          <a:bodyPr anchor="t" rtlCol="false" tIns="0" lIns="0" bIns="0" rIns="0">
+          <a:bodyPr lIns="0" tIns="0" rIns="0" bIns="0" rtlCol="0" anchor="t">
             <a:spAutoFit/>
           </a:bodyPr>
           <a:lstStyle/>
@@ -5547,7 +5616,7 @@
               </a:lnSpc>
             </a:pPr>
             <a:r>
-              <a:rPr lang="en-US" b="true" sz="5000">
+              <a:rPr lang="en-US" sz="5000" b="1">
                 <a:solidFill>
                   <a:srgbClr val="343434"/>
                 </a:solidFill>
@@ -5563,12 +5632,12 @@
       </p:sp>
       <p:sp>
         <p:nvSpPr>
-          <p:cNvPr name="TextBox 4" id="4"/>
-          <p:cNvSpPr txBox="true"/>
+          <p:cNvPr id="4" name="TextBox 4"/>
+          <p:cNvSpPr txBox="1"/>
           <p:nvPr/>
         </p:nvSpPr>
         <p:spPr>
-          <a:xfrm rot="0">
+          <a:xfrm>
             <a:off x="2007223" y="2407025"/>
             <a:ext cx="2646492" cy="1933575"/>
           </a:xfrm>
@@ -5577,7 +5646,7 @@
           </a:prstGeom>
         </p:spPr>
         <p:txBody>
-          <a:bodyPr anchor="t" rtlCol="false" tIns="0" lIns="0" bIns="0" rIns="0">
+          <a:bodyPr lIns="0" tIns="0" rIns="0" bIns="0" rtlCol="0" anchor="t">
             <a:spAutoFit/>
           </a:bodyPr>
           <a:lstStyle/>
@@ -5588,7 +5657,7 @@
               </a:lnSpc>
             </a:pPr>
             <a:r>
-              <a:rPr lang="en-US" b="true" sz="5000">
+              <a:rPr lang="en-US" sz="5000" b="1">
                 <a:solidFill>
                   <a:srgbClr val="000000"/>
                 </a:solidFill>
@@ -5604,12 +5673,12 @@
       </p:sp>
       <p:sp>
         <p:nvSpPr>
-          <p:cNvPr name="TextBox 5" id="5"/>
-          <p:cNvSpPr txBox="true"/>
+          <p:cNvPr id="5" name="TextBox 5"/>
+          <p:cNvSpPr txBox="1"/>
           <p:nvPr/>
         </p:nvSpPr>
         <p:spPr>
-          <a:xfrm rot="0">
+          <a:xfrm>
             <a:off x="6616921" y="1698999"/>
             <a:ext cx="2197323" cy="679451"/>
           </a:xfrm>
@@ -5618,7 +5687,7 @@
           </a:prstGeom>
         </p:spPr>
         <p:txBody>
-          <a:bodyPr anchor="t" rtlCol="false" tIns="0" lIns="0" bIns="0" rIns="0">
+          <a:bodyPr lIns="0" tIns="0" rIns="0" bIns="0" rtlCol="0" anchor="t">
             <a:spAutoFit/>
           </a:bodyPr>
           <a:lstStyle/>
@@ -5629,7 +5698,7 @@
               </a:lnSpc>
             </a:pPr>
             <a:r>
-              <a:rPr lang="en-US" b="true" sz="5000">
+              <a:rPr lang="en-US" sz="5000" b="1">
                 <a:solidFill>
                   <a:srgbClr val="343434"/>
                 </a:solidFill>
@@ -5645,12 +5714,12 @@
       </p:sp>
       <p:grpSp>
         <p:nvGrpSpPr>
-          <p:cNvPr name="Group 6" id="6"/>
+          <p:cNvPr id="6" name="Group 6"/>
           <p:cNvGrpSpPr/>
           <p:nvPr/>
         </p:nvGrpSpPr>
         <p:grpSpPr>
-          <a:xfrm rot="0">
+          <a:xfrm>
             <a:off x="1547478" y="1755600"/>
             <a:ext cx="273982" cy="245024"/>
             <a:chOff x="0" y="0"/>
@@ -5659,12 +5728,12 @@
         </p:grpSpPr>
         <p:sp>
           <p:nvSpPr>
-            <p:cNvPr name="Freeform 7" id="7"/>
+            <p:cNvPr id="7" name="Freeform 7"/>
             <p:cNvSpPr/>
             <p:nvPr/>
           </p:nvSpPr>
           <p:spPr>
-            <a:xfrm flipH="false" flipV="false" rot="0">
+            <a:xfrm>
               <a:off x="0" y="0"/>
               <a:ext cx="91718" cy="82024"/>
             </a:xfrm>
@@ -5673,9 +5742,9 @@
               <a:gdLst/>
               <a:ahLst/>
               <a:cxnLst/>
-              <a:rect r="r" b="b" t="t" l="l"/>
+              <a:rect l="l" t="t" r="r" b="b"/>
               <a:pathLst>
-                <a:path h="82024" w="91718">
+                <a:path w="91718" h="82024">
                   <a:moveTo>
                     <a:pt x="0" y="0"/>
                   </a:moveTo>
@@ -5699,8 +5768,8 @@
         </p:sp>
         <p:sp>
           <p:nvSpPr>
-            <p:cNvPr name="TextBox 8" id="8"/>
-            <p:cNvSpPr txBox="true"/>
+            <p:cNvPr id="8" name="TextBox 8"/>
+            <p:cNvSpPr txBox="1"/>
             <p:nvPr/>
           </p:nvSpPr>
           <p:spPr>
@@ -5713,7 +5782,7 @@
             </a:prstGeom>
           </p:spPr>
           <p:txBody>
-            <a:bodyPr anchor="ctr" rtlCol="false" tIns="50800" lIns="50800" bIns="50800" rIns="50800"/>
+            <a:bodyPr lIns="50800" tIns="50800" rIns="50800" bIns="50800" rtlCol="0" anchor="ctr"/>
             <a:lstStyle/>
             <a:p>
               <a:pPr algn="ctr">
@@ -5721,18 +5790,19 @@
                   <a:spcPts val="1925"/>
                 </a:lnSpc>
               </a:pPr>
+              <a:endParaRPr/>
             </a:p>
           </p:txBody>
         </p:sp>
       </p:grpSp>
       <p:grpSp>
         <p:nvGrpSpPr>
-          <p:cNvPr name="Group 9" id="9"/>
+          <p:cNvPr id="9" name="Group 9"/>
           <p:cNvGrpSpPr/>
           <p:nvPr/>
         </p:nvGrpSpPr>
         <p:grpSpPr>
-          <a:xfrm rot="0">
+          <a:xfrm>
             <a:off x="1547478" y="5330746"/>
             <a:ext cx="273982" cy="245024"/>
             <a:chOff x="0" y="0"/>
@@ -5741,12 +5811,12 @@
         </p:grpSpPr>
         <p:sp>
           <p:nvSpPr>
-            <p:cNvPr name="Freeform 10" id="10"/>
+            <p:cNvPr id="10" name="Freeform 10"/>
             <p:cNvSpPr/>
             <p:nvPr/>
           </p:nvSpPr>
           <p:spPr>
-            <a:xfrm flipH="false" flipV="false" rot="0">
+            <a:xfrm>
               <a:off x="0" y="0"/>
               <a:ext cx="91718" cy="82024"/>
             </a:xfrm>
@@ -5755,9 +5825,9 @@
               <a:gdLst/>
               <a:ahLst/>
               <a:cxnLst/>
-              <a:rect r="r" b="b" t="t" l="l"/>
+              <a:rect l="l" t="t" r="r" b="b"/>
               <a:pathLst>
-                <a:path h="82024" w="91718">
+                <a:path w="91718" h="82024">
                   <a:moveTo>
                     <a:pt x="0" y="0"/>
                   </a:moveTo>
@@ -5781,8 +5851,8 @@
         </p:sp>
         <p:sp>
           <p:nvSpPr>
-            <p:cNvPr name="TextBox 11" id="11"/>
-            <p:cNvSpPr txBox="true"/>
+            <p:cNvPr id="11" name="TextBox 11"/>
+            <p:cNvSpPr txBox="1"/>
             <p:nvPr/>
           </p:nvSpPr>
           <p:spPr>
@@ -5795,7 +5865,7 @@
             </a:prstGeom>
           </p:spPr>
           <p:txBody>
-            <a:bodyPr anchor="ctr" rtlCol="false" tIns="50800" lIns="50800" bIns="50800" rIns="50800"/>
+            <a:bodyPr lIns="50800" tIns="50800" rIns="50800" bIns="50800" rtlCol="0" anchor="ctr"/>
             <a:lstStyle/>
             <a:p>
               <a:pPr algn="ctr">
@@ -5803,18 +5873,19 @@
                   <a:spcPts val="1925"/>
                 </a:lnSpc>
               </a:pPr>
+              <a:endParaRPr/>
             </a:p>
           </p:txBody>
         </p:sp>
       </p:grpSp>
       <p:grpSp>
         <p:nvGrpSpPr>
-          <p:cNvPr name="Group 12" id="12"/>
+          <p:cNvPr id="12" name="Group 12"/>
           <p:cNvGrpSpPr/>
           <p:nvPr/>
         </p:nvGrpSpPr>
         <p:grpSpPr>
-          <a:xfrm rot="0">
+          <a:xfrm>
             <a:off x="6200012" y="1755600"/>
             <a:ext cx="273982" cy="245024"/>
             <a:chOff x="0" y="0"/>
@@ -5823,12 +5894,12 @@
         </p:grpSpPr>
         <p:sp>
           <p:nvSpPr>
-            <p:cNvPr name="Freeform 13" id="13"/>
+            <p:cNvPr id="13" name="Freeform 13"/>
             <p:cNvSpPr/>
             <p:nvPr/>
           </p:nvSpPr>
           <p:spPr>
-            <a:xfrm flipH="false" flipV="false" rot="0">
+            <a:xfrm>
               <a:off x="0" y="0"/>
               <a:ext cx="91718" cy="82024"/>
             </a:xfrm>
@@ -5837,9 +5908,9 @@
               <a:gdLst/>
               <a:ahLst/>
               <a:cxnLst/>
-              <a:rect r="r" b="b" t="t" l="l"/>
+              <a:rect l="l" t="t" r="r" b="b"/>
               <a:pathLst>
-                <a:path h="82024" w="91718">
+                <a:path w="91718" h="82024">
                   <a:moveTo>
                     <a:pt x="0" y="0"/>
                   </a:moveTo>
@@ -5863,8 +5934,8 @@
         </p:sp>
         <p:sp>
           <p:nvSpPr>
-            <p:cNvPr name="TextBox 14" id="14"/>
-            <p:cNvSpPr txBox="true"/>
+            <p:cNvPr id="14" name="TextBox 14"/>
+            <p:cNvSpPr txBox="1"/>
             <p:nvPr/>
           </p:nvSpPr>
           <p:spPr>
@@ -5877,7 +5948,7 @@
             </a:prstGeom>
           </p:spPr>
           <p:txBody>
-            <a:bodyPr anchor="ctr" rtlCol="false" tIns="50800" lIns="50800" bIns="50800" rIns="50800"/>
+            <a:bodyPr lIns="50800" tIns="50800" rIns="50800" bIns="50800" rtlCol="0" anchor="ctr"/>
             <a:lstStyle/>
             <a:p>
               <a:pPr algn="ctr">
@@ -5885,18 +5956,19 @@
                   <a:spcPts val="1925"/>
                 </a:lnSpc>
               </a:pPr>
+              <a:endParaRPr/>
             </a:p>
           </p:txBody>
         </p:sp>
       </p:grpSp>
       <p:sp>
         <p:nvSpPr>
-          <p:cNvPr name="TextBox 15" id="15"/>
-          <p:cNvSpPr txBox="true"/>
+          <p:cNvPr id="15" name="TextBox 15"/>
+          <p:cNvSpPr txBox="1"/>
           <p:nvPr/>
         </p:nvSpPr>
         <p:spPr>
-          <a:xfrm rot="0">
+          <a:xfrm>
             <a:off x="10324016" y="6164262"/>
             <a:ext cx="6935284" cy="2498014"/>
           </a:xfrm>
@@ -5905,7 +5977,7 @@
           </a:prstGeom>
         </p:spPr>
         <p:txBody>
-          <a:bodyPr anchor="t" rtlCol="false" tIns="0" lIns="0" bIns="0" rIns="0">
+          <a:bodyPr lIns="0" tIns="0" rIns="0" bIns="0" rtlCol="0" anchor="t">
             <a:spAutoFit/>
           </a:bodyPr>
           <a:lstStyle/>
@@ -5916,7 +5988,7 @@
               </a:lnSpc>
             </a:pPr>
             <a:r>
-              <a:rPr lang="en-US" b="true" sz="12696" spc="-622">
+              <a:rPr lang="en-US" sz="12696" b="1" spc="-622">
                 <a:solidFill>
                   <a:srgbClr val="343434"/>
                 </a:solidFill>
@@ -5932,12 +6004,12 @@
       </p:sp>
       <p:sp>
         <p:nvSpPr>
-          <p:cNvPr name="Freeform 16" id="16"/>
+          <p:cNvPr id="16" name="Freeform 16"/>
           <p:cNvSpPr/>
           <p:nvPr/>
         </p:nvSpPr>
         <p:spPr>
-          <a:xfrm flipH="false" flipV="false" rot="0">
+          <a:xfrm>
             <a:off x="9555412" y="-7939543"/>
             <a:ext cx="14102688" cy="14102688"/>
           </a:xfrm>
@@ -5946,9 +6018,9 @@
             <a:gdLst/>
             <a:ahLst/>
             <a:cxnLst/>
-            <a:rect r="r" b="b" t="t" l="l"/>
+            <a:rect l="l" t="t" r="r" b="b"/>
             <a:pathLst>
-              <a:path h="14102688" w="14102688">
+              <a:path w="14102688" h="14102688">
                 <a:moveTo>
                   <a:pt x="0" y="0"/>
                 </a:moveTo>
@@ -5978,19 +6050,19 @@
               </a:extLst>
             </a:blip>
             <a:stretch>
-              <a:fillRect l="0" t="0" r="0" b="0"/>
+              <a:fillRect/>
             </a:stretch>
           </a:blipFill>
         </p:spPr>
       </p:sp>
       <p:sp>
         <p:nvSpPr>
-          <p:cNvPr name="TextBox 17" id="17"/>
-          <p:cNvSpPr txBox="true"/>
+          <p:cNvPr id="17" name="TextBox 17"/>
+          <p:cNvSpPr txBox="1"/>
           <p:nvPr/>
         </p:nvSpPr>
         <p:spPr>
-          <a:xfrm rot="0">
+          <a:xfrm>
             <a:off x="12880286" y="-327462"/>
             <a:ext cx="6393149" cy="4116084"/>
           </a:xfrm>
@@ -5999,7 +6071,7 @@
           </a:prstGeom>
         </p:spPr>
         <p:txBody>
-          <a:bodyPr anchor="t" rtlCol="false" tIns="0" lIns="0" bIns="0" rIns="0">
+          <a:bodyPr lIns="0" tIns="0" rIns="0" bIns="0" rtlCol="0" anchor="t">
             <a:spAutoFit/>
           </a:bodyPr>
           <a:lstStyle/>
@@ -6010,7 +6082,7 @@
               </a:lnSpc>
             </a:pPr>
             <a:r>
-              <a:rPr lang="en-US" b="true" sz="32302" spc="-1582">
+              <a:rPr lang="en-US" sz="32302" b="1" spc="-1582">
                 <a:solidFill>
                   <a:srgbClr val="343434"/>
                 </a:solidFill>
@@ -6026,12 +6098,12 @@
       </p:sp>
       <p:grpSp>
         <p:nvGrpSpPr>
-          <p:cNvPr name="Group 18" id="18"/>
+          <p:cNvPr id="18" name="Group 18"/>
           <p:cNvGrpSpPr/>
           <p:nvPr/>
         </p:nvGrpSpPr>
         <p:grpSpPr>
-          <a:xfrm rot="0">
+          <a:xfrm>
             <a:off x="-696258" y="9258300"/>
             <a:ext cx="19680517" cy="1115933"/>
             <a:chOff x="0" y="0"/>
@@ -6040,12 +6112,12 @@
         </p:grpSpPr>
         <p:sp>
           <p:nvSpPr>
-            <p:cNvPr name="Freeform 19" id="19"/>
+            <p:cNvPr id="19" name="Freeform 19"/>
             <p:cNvSpPr/>
             <p:nvPr/>
           </p:nvSpPr>
           <p:spPr>
-            <a:xfrm flipH="false" flipV="false" rot="0">
+            <a:xfrm>
               <a:off x="0" y="0"/>
               <a:ext cx="5183346" cy="293908"/>
             </a:xfrm>
@@ -6054,9 +6126,9 @@
               <a:gdLst/>
               <a:ahLst/>
               <a:cxnLst/>
-              <a:rect r="r" b="b" t="t" l="l"/>
+              <a:rect l="l" t="t" r="r" b="b"/>
               <a:pathLst>
-                <a:path h="293908" w="5183346">
+                <a:path w="5183346" h="293908">
                   <a:moveTo>
                     <a:pt x="0" y="0"/>
                   </a:moveTo>
@@ -6080,8 +6152,8 @@
         </p:sp>
         <p:sp>
           <p:nvSpPr>
-            <p:cNvPr name="TextBox 20" id="20"/>
-            <p:cNvSpPr txBox="true"/>
+            <p:cNvPr id="20" name="TextBox 20"/>
+            <p:cNvSpPr txBox="1"/>
             <p:nvPr/>
           </p:nvSpPr>
           <p:spPr>
@@ -6094,7 +6166,7 @@
             </a:prstGeom>
           </p:spPr>
           <p:txBody>
-            <a:bodyPr anchor="ctr" rtlCol="false" tIns="50800" lIns="50800" bIns="50800" rIns="50800"/>
+            <a:bodyPr lIns="50800" tIns="50800" rIns="50800" bIns="50800" rtlCol="0" anchor="ctr"/>
             <a:lstStyle/>
             <a:p>
               <a:pPr algn="ctr">
@@ -6102,18 +6174,19 @@
                   <a:spcPts val="3639"/>
                 </a:lnSpc>
               </a:pPr>
+              <a:endParaRPr/>
             </a:p>
           </p:txBody>
         </p:sp>
       </p:grpSp>
       <p:sp>
         <p:nvSpPr>
-          <p:cNvPr name="TextBox 21" id="21"/>
-          <p:cNvSpPr txBox="true"/>
+          <p:cNvPr id="21" name="TextBox 21"/>
+          <p:cNvSpPr txBox="1"/>
           <p:nvPr/>
         </p:nvSpPr>
         <p:spPr>
-          <a:xfrm rot="0">
+          <a:xfrm>
             <a:off x="6337003" y="2407025"/>
             <a:ext cx="3419449" cy="1933575"/>
           </a:xfrm>
@@ -6122,7 +6195,7 @@
           </a:prstGeom>
         </p:spPr>
         <p:txBody>
-          <a:bodyPr anchor="t" rtlCol="false" tIns="0" lIns="0" bIns="0" rIns="0">
+          <a:bodyPr lIns="0" tIns="0" rIns="0" bIns="0" rtlCol="0" anchor="t">
             <a:spAutoFit/>
           </a:bodyPr>
           <a:lstStyle/>
@@ -6133,7 +6206,7 @@
               </a:lnSpc>
             </a:pPr>
             <a:r>
-              <a:rPr lang="en-US" sz="5000" b="true">
+              <a:rPr lang="en-US" sz="5000" b="1">
                 <a:solidFill>
                   <a:srgbClr val="000000"/>
                 </a:solidFill>
@@ -6152,7 +6225,7 @@
               </a:lnSpc>
             </a:pPr>
             <a:r>
-              <a:rPr lang="en-US" b="true" sz="5000">
+              <a:rPr lang="en-US" sz="5000" b="1">
                 <a:solidFill>
                   <a:srgbClr val="000000"/>
                 </a:solidFill>
@@ -6168,12 +6241,12 @@
       </p:sp>
       <p:sp>
         <p:nvSpPr>
-          <p:cNvPr name="TextBox 22" id="22"/>
-          <p:cNvSpPr txBox="true"/>
+          <p:cNvPr id="22" name="TextBox 22"/>
+          <p:cNvSpPr txBox="1"/>
           <p:nvPr/>
         </p:nvSpPr>
         <p:spPr>
-          <a:xfrm rot="0">
+          <a:xfrm>
             <a:off x="2007223" y="6065481"/>
             <a:ext cx="3785556" cy="1933575"/>
           </a:xfrm>
@@ -6182,7 +6255,7 @@
           </a:prstGeom>
         </p:spPr>
         <p:txBody>
-          <a:bodyPr anchor="t" rtlCol="false" tIns="0" lIns="0" bIns="0" rIns="0">
+          <a:bodyPr lIns="0" tIns="0" rIns="0" bIns="0" rtlCol="0" anchor="t">
             <a:spAutoFit/>
           </a:bodyPr>
           <a:lstStyle/>
@@ -6193,7 +6266,7 @@
               </a:lnSpc>
             </a:pPr>
             <a:r>
-              <a:rPr lang="en-US" sz="5000" b="true">
+              <a:rPr lang="en-US" sz="5000" b="1">
                 <a:solidFill>
                   <a:srgbClr val="000000"/>
                 </a:solidFill>
@@ -6212,7 +6285,7 @@
               </a:lnSpc>
             </a:pPr>
             <a:r>
-              <a:rPr lang="en-US" b="true" sz="5000">
+              <a:rPr lang="en-US" sz="5000" b="1">
                 <a:solidFill>
                   <a:srgbClr val="000000"/>
                 </a:solidFill>
@@ -6235,13 +6308,14 @@
 </file>
 
 <file path=ppt/slides/slide6.xml><?xml version="1.0" encoding="utf-8"?>
-<p:sld xmlns:p="http://schemas.openxmlformats.org/presentationml/2006/main" xmlns:a="http://schemas.openxmlformats.org/drawingml/2006/main" xmlns:r="http://schemas.openxmlformats.org/officeDocument/2006/relationships">
+<p:sld xmlns:a="http://schemas.openxmlformats.org/drawingml/2006/main" xmlns:r="http://schemas.openxmlformats.org/officeDocument/2006/relationships" xmlns:p="http://schemas.openxmlformats.org/presentationml/2006/main">
   <p:cSld>
     <p:bg>
       <p:bgPr>
         <a:solidFill>
           <a:srgbClr val="EFEFEF"/>
         </a:solidFill>
+        <a:effectLst/>
       </p:bgPr>
     </p:bg>
     <p:spTree>
@@ -6260,12 +6334,12 @@
       </p:grpSpPr>
       <p:grpSp>
         <p:nvGrpSpPr>
-          <p:cNvPr name="Group 2" id="2"/>
+          <p:cNvPr id="2" name="Group 2"/>
           <p:cNvGrpSpPr/>
           <p:nvPr/>
         </p:nvGrpSpPr>
         <p:grpSpPr>
-          <a:xfrm rot="0">
+          <a:xfrm>
             <a:off x="11672061" y="917109"/>
             <a:ext cx="5587239" cy="2662922"/>
             <a:chOff x="0" y="0"/>
@@ -6274,12 +6348,12 @@
         </p:grpSpPr>
         <p:sp>
           <p:nvSpPr>
-            <p:cNvPr name="Freeform 3" id="3"/>
+            <p:cNvPr id="3" name="Freeform 3"/>
             <p:cNvSpPr/>
             <p:nvPr/>
           </p:nvSpPr>
           <p:spPr>
-            <a:xfrm flipH="false" flipV="false" rot="0">
+            <a:xfrm>
               <a:off x="0" y="0"/>
               <a:ext cx="2065940" cy="984643"/>
             </a:xfrm>
@@ -6288,9 +6362,9 @@
               <a:gdLst/>
               <a:ahLst/>
               <a:cxnLst/>
-              <a:rect r="r" b="b" t="t" l="l"/>
+              <a:rect l="l" t="t" r="r" b="b"/>
               <a:pathLst>
-                <a:path h="984643" w="2065940">
+                <a:path w="2065940" h="984643">
                   <a:moveTo>
                     <a:pt x="0" y="0"/>
                   </a:moveTo>
@@ -6319,8 +6393,8 @@
         </p:sp>
         <p:sp>
           <p:nvSpPr>
-            <p:cNvPr name="TextBox 4" id="4"/>
-            <p:cNvSpPr txBox="true"/>
+            <p:cNvPr id="4" name="TextBox 4"/>
+            <p:cNvSpPr txBox="1"/>
             <p:nvPr/>
           </p:nvSpPr>
           <p:spPr>
@@ -6333,10 +6407,10 @@
             </a:prstGeom>
           </p:spPr>
           <p:txBody>
-            <a:bodyPr anchor="ctr" rtlCol="false" tIns="50800" lIns="50800" bIns="50800" rIns="50800"/>
+            <a:bodyPr lIns="50800" tIns="50800" rIns="50800" bIns="50800" rtlCol="0" anchor="ctr"/>
             <a:lstStyle/>
             <a:p>
-              <a:pPr algn="ctr" marL="0" indent="0" lvl="0">
+              <a:pPr marL="0" lvl="0" indent="0" algn="ctr">
                 <a:lnSpc>
                   <a:spcPts val="2659"/>
                 </a:lnSpc>
@@ -6344,18 +6418,19 @@
                   <a:spcPct val="0"/>
                 </a:spcBef>
               </a:pPr>
+              <a:endParaRPr/>
             </a:p>
           </p:txBody>
         </p:sp>
       </p:grpSp>
       <p:sp>
         <p:nvSpPr>
-          <p:cNvPr name="TextBox 5" id="5"/>
-          <p:cNvSpPr txBox="true"/>
+          <p:cNvPr id="5" name="TextBox 5"/>
+          <p:cNvSpPr txBox="1"/>
           <p:nvPr/>
         </p:nvSpPr>
         <p:spPr>
-          <a:xfrm rot="0">
+          <a:xfrm>
             <a:off x="13416809" y="7139097"/>
             <a:ext cx="6393149" cy="4116084"/>
           </a:xfrm>
@@ -6364,7 +6439,7 @@
           </a:prstGeom>
         </p:spPr>
         <p:txBody>
-          <a:bodyPr anchor="t" rtlCol="false" tIns="0" lIns="0" bIns="0" rIns="0">
+          <a:bodyPr lIns="0" tIns="0" rIns="0" bIns="0" rtlCol="0" anchor="t">
             <a:spAutoFit/>
           </a:bodyPr>
           <a:lstStyle/>
@@ -6375,7 +6450,7 @@
               </a:lnSpc>
             </a:pPr>
             <a:r>
-              <a:rPr lang="en-US" b="true" sz="32302" spc="-1582">
+              <a:rPr lang="en-US" sz="32302" b="1" spc="-1582">
                 <a:solidFill>
                   <a:srgbClr val="343434"/>
                 </a:solidFill>
@@ -6391,12 +6466,12 @@
       </p:sp>
       <p:grpSp>
         <p:nvGrpSpPr>
-          <p:cNvPr name="Group 6" id="6"/>
+          <p:cNvPr id="6" name="Group 6"/>
           <p:cNvGrpSpPr/>
           <p:nvPr/>
         </p:nvGrpSpPr>
         <p:grpSpPr>
-          <a:xfrm rot="0">
+          <a:xfrm>
             <a:off x="11672061" y="3808631"/>
             <a:ext cx="5587239" cy="2662922"/>
             <a:chOff x="0" y="0"/>
@@ -6405,12 +6480,12 @@
         </p:grpSpPr>
         <p:sp>
           <p:nvSpPr>
-            <p:cNvPr name="Freeform 7" id="7"/>
+            <p:cNvPr id="7" name="Freeform 7"/>
             <p:cNvSpPr/>
             <p:nvPr/>
           </p:nvSpPr>
           <p:spPr>
-            <a:xfrm flipH="false" flipV="false" rot="0">
+            <a:xfrm>
               <a:off x="0" y="0"/>
               <a:ext cx="2065940" cy="984643"/>
             </a:xfrm>
@@ -6419,9 +6494,9 @@
               <a:gdLst/>
               <a:ahLst/>
               <a:cxnLst/>
-              <a:rect r="r" b="b" t="t" l="l"/>
+              <a:rect l="l" t="t" r="r" b="b"/>
               <a:pathLst>
-                <a:path h="984643" w="2065940">
+                <a:path w="2065940" h="984643">
                   <a:moveTo>
                     <a:pt x="0" y="0"/>
                   </a:moveTo>
@@ -6450,8 +6525,8 @@
         </p:sp>
         <p:sp>
           <p:nvSpPr>
-            <p:cNvPr name="TextBox 8" id="8"/>
-            <p:cNvSpPr txBox="true"/>
+            <p:cNvPr id="8" name="TextBox 8"/>
+            <p:cNvSpPr txBox="1"/>
             <p:nvPr/>
           </p:nvSpPr>
           <p:spPr>
@@ -6464,10 +6539,10 @@
             </a:prstGeom>
           </p:spPr>
           <p:txBody>
-            <a:bodyPr anchor="ctr" rtlCol="false" tIns="50800" lIns="50800" bIns="50800" rIns="50800"/>
+            <a:bodyPr lIns="50800" tIns="50800" rIns="50800" bIns="50800" rtlCol="0" anchor="ctr"/>
             <a:lstStyle/>
             <a:p>
-              <a:pPr algn="ctr" marL="0" indent="0" lvl="0">
+              <a:pPr marL="0" lvl="0" indent="0" algn="ctr">
                 <a:lnSpc>
                   <a:spcPts val="2659"/>
                 </a:lnSpc>
@@ -6475,18 +6550,19 @@
                   <a:spcPct val="0"/>
                 </a:spcBef>
               </a:pPr>
+              <a:endParaRPr/>
             </a:p>
           </p:txBody>
         </p:sp>
       </p:grpSp>
       <p:grpSp>
         <p:nvGrpSpPr>
-          <p:cNvPr name="Group 9" id="9"/>
+          <p:cNvPr id="9" name="Group 9"/>
           <p:cNvGrpSpPr/>
           <p:nvPr/>
         </p:nvGrpSpPr>
         <p:grpSpPr>
-          <a:xfrm rot="0">
+          <a:xfrm>
             <a:off x="11672061" y="6595378"/>
             <a:ext cx="5587239" cy="2662922"/>
             <a:chOff x="0" y="0"/>
@@ -6495,12 +6571,12 @@
         </p:grpSpPr>
         <p:sp>
           <p:nvSpPr>
-            <p:cNvPr name="Freeform 10" id="10"/>
+            <p:cNvPr id="10" name="Freeform 10"/>
             <p:cNvSpPr/>
             <p:nvPr/>
           </p:nvSpPr>
           <p:spPr>
-            <a:xfrm flipH="false" flipV="false" rot="0">
+            <a:xfrm>
               <a:off x="0" y="0"/>
               <a:ext cx="2065940" cy="984643"/>
             </a:xfrm>
@@ -6509,9 +6585,9 @@
               <a:gdLst/>
               <a:ahLst/>
               <a:cxnLst/>
-              <a:rect r="r" b="b" t="t" l="l"/>
+              <a:rect l="l" t="t" r="r" b="b"/>
               <a:pathLst>
-                <a:path h="984643" w="2065940">
+                <a:path w="2065940" h="984643">
                   <a:moveTo>
                     <a:pt x="0" y="0"/>
                   </a:moveTo>
@@ -6540,8 +6616,8 @@
         </p:sp>
         <p:sp>
           <p:nvSpPr>
-            <p:cNvPr name="TextBox 11" id="11"/>
-            <p:cNvSpPr txBox="true"/>
+            <p:cNvPr id="11" name="TextBox 11"/>
+            <p:cNvSpPr txBox="1"/>
             <p:nvPr/>
           </p:nvSpPr>
           <p:spPr>
@@ -6554,10 +6630,10 @@
             </a:prstGeom>
           </p:spPr>
           <p:txBody>
-            <a:bodyPr anchor="ctr" rtlCol="false" tIns="50800" lIns="50800" bIns="50800" rIns="50800"/>
+            <a:bodyPr lIns="50800" tIns="50800" rIns="50800" bIns="50800" rtlCol="0" anchor="ctr"/>
             <a:lstStyle/>
             <a:p>
-              <a:pPr algn="ctr" marL="0" indent="0" lvl="0">
+              <a:pPr marL="0" lvl="0" indent="0" algn="ctr">
                 <a:lnSpc>
                   <a:spcPts val="2659"/>
                 </a:lnSpc>
@@ -6565,18 +6641,19 @@
                   <a:spcPct val="0"/>
                 </a:spcBef>
               </a:pPr>
+              <a:endParaRPr/>
             </a:p>
           </p:txBody>
         </p:sp>
       </p:grpSp>
       <p:sp>
         <p:nvSpPr>
-          <p:cNvPr name="Freeform 12" id="12"/>
+          <p:cNvPr id="12" name="Freeform 12"/>
           <p:cNvSpPr/>
           <p:nvPr/>
         </p:nvSpPr>
         <p:spPr>
-          <a:xfrm flipH="false" flipV="false" rot="0">
+          <a:xfrm>
             <a:off x="-3126789" y="-2986203"/>
             <a:ext cx="9584989" cy="9584989"/>
           </a:xfrm>
@@ -6585,9 +6662,9 @@
             <a:gdLst/>
             <a:ahLst/>
             <a:cxnLst/>
-            <a:rect r="r" b="b" t="t" l="l"/>
+            <a:rect l="l" t="t" r="r" b="b"/>
             <a:pathLst>
-              <a:path h="9584989" w="9584989">
+              <a:path w="9584989" h="9584989">
                 <a:moveTo>
                   <a:pt x="0" y="0"/>
                 </a:moveTo>
@@ -6617,19 +6694,19 @@
               </a:extLst>
             </a:blip>
             <a:stretch>
-              <a:fillRect l="0" t="0" r="0" b="0"/>
+              <a:fillRect/>
             </a:stretch>
           </a:blipFill>
         </p:spPr>
       </p:sp>
       <p:grpSp>
         <p:nvGrpSpPr>
-          <p:cNvPr name="Group 13" id="13"/>
+          <p:cNvPr id="13" name="Group 13"/>
           <p:cNvGrpSpPr/>
           <p:nvPr/>
         </p:nvGrpSpPr>
         <p:grpSpPr>
-          <a:xfrm rot="0">
+          <a:xfrm>
             <a:off x="1028700" y="1028700"/>
             <a:ext cx="5587239" cy="2662922"/>
             <a:chOff x="0" y="0"/>
@@ -6638,12 +6715,12 @@
         </p:grpSpPr>
         <p:sp>
           <p:nvSpPr>
-            <p:cNvPr name="Freeform 14" id="14"/>
+            <p:cNvPr id="14" name="Freeform 14"/>
             <p:cNvSpPr/>
             <p:nvPr/>
           </p:nvSpPr>
           <p:spPr>
-            <a:xfrm flipH="false" flipV="false" rot="0">
+            <a:xfrm>
               <a:off x="0" y="0"/>
               <a:ext cx="2065940" cy="984643"/>
             </a:xfrm>
@@ -6652,9 +6729,9 @@
               <a:gdLst/>
               <a:ahLst/>
               <a:cxnLst/>
-              <a:rect r="r" b="b" t="t" l="l"/>
+              <a:rect l="l" t="t" r="r" b="b"/>
               <a:pathLst>
-                <a:path h="984643" w="2065940">
+                <a:path w="2065940" h="984643">
                   <a:moveTo>
                     <a:pt x="0" y="0"/>
                   </a:moveTo>
@@ -6683,8 +6760,8 @@
         </p:sp>
         <p:sp>
           <p:nvSpPr>
-            <p:cNvPr name="TextBox 15" id="15"/>
-            <p:cNvSpPr txBox="true"/>
+            <p:cNvPr id="15" name="TextBox 15"/>
+            <p:cNvSpPr txBox="1"/>
             <p:nvPr/>
           </p:nvSpPr>
           <p:spPr>
@@ -6697,10 +6774,10 @@
             </a:prstGeom>
           </p:spPr>
           <p:txBody>
-            <a:bodyPr anchor="ctr" rtlCol="false" tIns="50800" lIns="50800" bIns="50800" rIns="50800"/>
+            <a:bodyPr lIns="50800" tIns="50800" rIns="50800" bIns="50800" rtlCol="0" anchor="ctr"/>
             <a:lstStyle/>
             <a:p>
-              <a:pPr algn="ctr" marL="0" indent="0" lvl="0">
+              <a:pPr marL="0" lvl="0" indent="0" algn="ctr">
                 <a:lnSpc>
                   <a:spcPts val="2659"/>
                 </a:lnSpc>
@@ -6708,18 +6785,19 @@
                   <a:spcPct val="0"/>
                 </a:spcBef>
               </a:pPr>
+              <a:endParaRPr/>
             </a:p>
           </p:txBody>
         </p:sp>
       </p:grpSp>
       <p:grpSp>
         <p:nvGrpSpPr>
-          <p:cNvPr name="Group 16" id="16"/>
+          <p:cNvPr id="16" name="Group 16"/>
           <p:cNvGrpSpPr/>
           <p:nvPr/>
         </p:nvGrpSpPr>
         <p:grpSpPr>
-          <a:xfrm rot="0">
+          <a:xfrm>
             <a:off x="1028700" y="3812039"/>
             <a:ext cx="5587239" cy="2662922"/>
             <a:chOff x="0" y="0"/>
@@ -6728,12 +6806,12 @@
         </p:grpSpPr>
         <p:sp>
           <p:nvSpPr>
-            <p:cNvPr name="Freeform 17" id="17"/>
+            <p:cNvPr id="17" name="Freeform 17"/>
             <p:cNvSpPr/>
             <p:nvPr/>
           </p:nvSpPr>
           <p:spPr>
-            <a:xfrm flipH="false" flipV="false" rot="0">
+            <a:xfrm>
               <a:off x="0" y="0"/>
               <a:ext cx="2065940" cy="984643"/>
             </a:xfrm>
@@ -6742,9 +6820,9 @@
               <a:gdLst/>
               <a:ahLst/>
               <a:cxnLst/>
-              <a:rect r="r" b="b" t="t" l="l"/>
+              <a:rect l="l" t="t" r="r" b="b"/>
               <a:pathLst>
-                <a:path h="984643" w="2065940">
+                <a:path w="2065940" h="984643">
                   <a:moveTo>
                     <a:pt x="0" y="0"/>
                   </a:moveTo>
@@ -6773,8 +6851,8 @@
         </p:sp>
         <p:sp>
           <p:nvSpPr>
-            <p:cNvPr name="TextBox 18" id="18"/>
-            <p:cNvSpPr txBox="true"/>
+            <p:cNvPr id="18" name="TextBox 18"/>
+            <p:cNvSpPr txBox="1"/>
             <p:nvPr/>
           </p:nvSpPr>
           <p:spPr>
@@ -6787,10 +6865,10 @@
             </a:prstGeom>
           </p:spPr>
           <p:txBody>
-            <a:bodyPr anchor="ctr" rtlCol="false" tIns="50800" lIns="50800" bIns="50800" rIns="50800"/>
+            <a:bodyPr lIns="50800" tIns="50800" rIns="50800" bIns="50800" rtlCol="0" anchor="ctr"/>
             <a:lstStyle/>
             <a:p>
-              <a:pPr algn="ctr" marL="0" indent="0" lvl="0">
+              <a:pPr marL="0" lvl="0" indent="0" algn="ctr">
                 <a:lnSpc>
                   <a:spcPts val="2659"/>
                 </a:lnSpc>
@@ -6798,18 +6876,19 @@
                   <a:spcPct val="0"/>
                 </a:spcBef>
               </a:pPr>
+              <a:endParaRPr/>
             </a:p>
           </p:txBody>
         </p:sp>
       </p:grpSp>
       <p:grpSp>
         <p:nvGrpSpPr>
-          <p:cNvPr name="Group 19" id="19"/>
+          <p:cNvPr id="19" name="Group 19"/>
           <p:cNvGrpSpPr/>
           <p:nvPr/>
         </p:nvGrpSpPr>
         <p:grpSpPr>
-          <a:xfrm rot="0">
+          <a:xfrm>
             <a:off x="1028700" y="6598786"/>
             <a:ext cx="5587239" cy="2662922"/>
             <a:chOff x="0" y="0"/>
@@ -6818,12 +6897,12 @@
         </p:grpSpPr>
         <p:sp>
           <p:nvSpPr>
-            <p:cNvPr name="Freeform 20" id="20"/>
+            <p:cNvPr id="20" name="Freeform 20"/>
             <p:cNvSpPr/>
             <p:nvPr/>
           </p:nvSpPr>
           <p:spPr>
-            <a:xfrm flipH="false" flipV="false" rot="0">
+            <a:xfrm>
               <a:off x="0" y="0"/>
               <a:ext cx="2065940" cy="984643"/>
             </a:xfrm>
@@ -6832,9 +6911,9 @@
               <a:gdLst/>
               <a:ahLst/>
               <a:cxnLst/>
-              <a:rect r="r" b="b" t="t" l="l"/>
+              <a:rect l="l" t="t" r="r" b="b"/>
               <a:pathLst>
-                <a:path h="984643" w="2065940">
+                <a:path w="2065940" h="984643">
                   <a:moveTo>
                     <a:pt x="0" y="0"/>
                   </a:moveTo>
@@ -6863,8 +6942,8 @@
         </p:sp>
         <p:sp>
           <p:nvSpPr>
-            <p:cNvPr name="TextBox 21" id="21"/>
-            <p:cNvSpPr txBox="true"/>
+            <p:cNvPr id="21" name="TextBox 21"/>
+            <p:cNvSpPr txBox="1"/>
             <p:nvPr/>
           </p:nvSpPr>
           <p:spPr>
@@ -6877,10 +6956,10 @@
             </a:prstGeom>
           </p:spPr>
           <p:txBody>
-            <a:bodyPr anchor="ctr" rtlCol="false" tIns="50800" lIns="50800" bIns="50800" rIns="50800"/>
+            <a:bodyPr lIns="50800" tIns="50800" rIns="50800" bIns="50800" rtlCol="0" anchor="ctr"/>
             <a:lstStyle/>
             <a:p>
-              <a:pPr algn="ctr" marL="0" indent="0" lvl="0">
+              <a:pPr marL="0" lvl="0" indent="0" algn="ctr">
                 <a:lnSpc>
                   <a:spcPts val="2659"/>
                 </a:lnSpc>
@@ -6888,18 +6967,19 @@
                   <a:spcPct val="0"/>
                 </a:spcBef>
               </a:pPr>
+              <a:endParaRPr/>
             </a:p>
           </p:txBody>
         </p:sp>
       </p:grpSp>
       <p:sp>
         <p:nvSpPr>
-          <p:cNvPr name="Freeform 22" id="22"/>
+          <p:cNvPr id="22" name="Freeform 22"/>
           <p:cNvSpPr/>
           <p:nvPr/>
         </p:nvSpPr>
         <p:spPr>
-          <a:xfrm flipH="false" flipV="false" rot="-7900054">
+          <a:xfrm rot="-7900054">
             <a:off x="7348622" y="2133028"/>
             <a:ext cx="1012981" cy="454921"/>
           </a:xfrm>
@@ -6908,9 +6988,9 @@
             <a:gdLst/>
             <a:ahLst/>
             <a:cxnLst/>
-            <a:rect r="r" b="b" t="t" l="l"/>
+            <a:rect l="l" t="t" r="r" b="b"/>
             <a:pathLst>
-              <a:path h="454921" w="1012981">
+              <a:path w="1012981" h="454921">
                 <a:moveTo>
                   <a:pt x="0" y="0"/>
                 </a:moveTo>
@@ -6939,19 +7019,19 @@
               </a:extLst>
             </a:blip>
             <a:stretch>
-              <a:fillRect l="0" t="0" r="0" b="0"/>
+              <a:fillRect/>
             </a:stretch>
           </a:blipFill>
         </p:spPr>
       </p:sp>
       <p:sp>
         <p:nvSpPr>
-          <p:cNvPr name="Freeform 23" id="23"/>
+          <p:cNvPr id="23" name="Freeform 23"/>
           <p:cNvSpPr/>
           <p:nvPr/>
         </p:nvSpPr>
         <p:spPr>
-          <a:xfrm flipH="false" flipV="false" rot="-2700000">
+          <a:xfrm rot="-2700000">
             <a:off x="10017119" y="2144497"/>
             <a:ext cx="1012981" cy="454921"/>
           </a:xfrm>
@@ -6960,9 +7040,9 @@
             <a:gdLst/>
             <a:ahLst/>
             <a:cxnLst/>
-            <a:rect r="r" b="b" t="t" l="l"/>
+            <a:rect l="l" t="t" r="r" b="b"/>
             <a:pathLst>
-              <a:path h="454921" w="1012981">
+              <a:path w="1012981" h="454921">
                 <a:moveTo>
                   <a:pt x="0" y="0"/>
                 </a:moveTo>
@@ -6991,19 +7071,19 @@
               </a:extLst>
             </a:blip>
             <a:stretch>
-              <a:fillRect l="0" t="0" r="0" b="0"/>
+              <a:fillRect/>
             </a:stretch>
           </a:blipFill>
         </p:spPr>
       </p:sp>
       <p:sp>
         <p:nvSpPr>
-          <p:cNvPr name="Freeform 24" id="24"/>
+          <p:cNvPr id="24" name="Freeform 24"/>
           <p:cNvSpPr/>
           <p:nvPr/>
         </p:nvSpPr>
         <p:spPr>
-          <a:xfrm flipH="false" flipV="false" rot="3209977">
+          <a:xfrm rot="3209977">
             <a:off x="9982257" y="7689589"/>
             <a:ext cx="1012981" cy="454921"/>
           </a:xfrm>
@@ -7012,9 +7092,9 @@
             <a:gdLst/>
             <a:ahLst/>
             <a:cxnLst/>
-            <a:rect r="r" b="b" t="t" l="l"/>
+            <a:rect l="l" t="t" r="r" b="b"/>
             <a:pathLst>
-              <a:path h="454921" w="1012981">
+              <a:path w="1012981" h="454921">
                 <a:moveTo>
                   <a:pt x="0" y="0"/>
                 </a:moveTo>
@@ -7043,19 +7123,19 @@
               </a:extLst>
             </a:blip>
             <a:stretch>
-              <a:fillRect l="0" t="0" r="0" b="0"/>
+              <a:fillRect/>
             </a:stretch>
           </a:blipFill>
         </p:spPr>
       </p:sp>
       <p:sp>
         <p:nvSpPr>
-          <p:cNvPr name="Freeform 25" id="25"/>
+          <p:cNvPr id="25" name="Freeform 25"/>
           <p:cNvSpPr/>
           <p:nvPr/>
         </p:nvSpPr>
         <p:spPr>
-          <a:xfrm flipH="false" flipV="false" rot="7866361">
+          <a:xfrm rot="7866361">
             <a:off x="7243302" y="7665457"/>
             <a:ext cx="1012981" cy="454921"/>
           </a:xfrm>
@@ -7064,9 +7144,9 @@
             <a:gdLst/>
             <a:ahLst/>
             <a:cxnLst/>
-            <a:rect r="r" b="b" t="t" l="l"/>
+            <a:rect l="l" t="t" r="r" b="b"/>
             <a:pathLst>
-              <a:path h="454921" w="1012981">
+              <a:path w="1012981" h="454921">
                 <a:moveTo>
                   <a:pt x="0" y="0"/>
                 </a:moveTo>
@@ -7095,19 +7175,19 @@
               </a:extLst>
             </a:blip>
             <a:stretch>
-              <a:fillRect l="0" t="0" r="0" b="0"/>
+              <a:fillRect/>
             </a:stretch>
           </a:blipFill>
         </p:spPr>
       </p:sp>
       <p:sp>
         <p:nvSpPr>
-          <p:cNvPr name="TextBox 26" id="26"/>
-          <p:cNvSpPr txBox="true"/>
+          <p:cNvPr id="26" name="TextBox 26"/>
+          <p:cNvSpPr txBox="1"/>
           <p:nvPr/>
         </p:nvSpPr>
         <p:spPr>
-          <a:xfrm rot="0">
+          <a:xfrm>
             <a:off x="13925398" y="1422047"/>
             <a:ext cx="3169503" cy="1491234"/>
           </a:xfrm>
@@ -7116,12 +7196,12 @@
           </a:prstGeom>
         </p:spPr>
         <p:txBody>
-          <a:bodyPr anchor="t" rtlCol="false" tIns="0" lIns="0" bIns="0" rIns="0">
+          <a:bodyPr lIns="0" tIns="0" rIns="0" bIns="0" rtlCol="0" anchor="t">
             <a:spAutoFit/>
           </a:bodyPr>
           <a:lstStyle/>
           <a:p>
-            <a:pPr algn="just" marL="0" indent="0" lvl="0">
+            <a:pPr marL="0" lvl="0" indent="0" algn="just">
               <a:lnSpc>
                 <a:spcPts val="4022"/>
               </a:lnSpc>
@@ -7146,12 +7226,12 @@
       </p:sp>
       <p:sp>
         <p:nvSpPr>
-          <p:cNvPr name="TextBox 27" id="27"/>
-          <p:cNvSpPr txBox="true"/>
+          <p:cNvPr id="27" name="TextBox 27"/>
+          <p:cNvSpPr txBox="1"/>
           <p:nvPr/>
         </p:nvSpPr>
         <p:spPr>
-          <a:xfrm rot="0">
+          <a:xfrm>
             <a:off x="14278274" y="4132247"/>
             <a:ext cx="2816627" cy="1661160"/>
           </a:xfrm>
@@ -7160,12 +7240,12 @@
           </a:prstGeom>
         </p:spPr>
         <p:txBody>
-          <a:bodyPr anchor="t" rtlCol="false" tIns="0" lIns="0" bIns="0" rIns="0">
+          <a:bodyPr lIns="0" tIns="0" rIns="0" bIns="0" rtlCol="0" anchor="t">
             <a:spAutoFit/>
           </a:bodyPr>
           <a:lstStyle/>
           <a:p>
-            <a:pPr algn="just" marL="0" indent="0" lvl="0">
+            <a:pPr marL="0" lvl="0" indent="0" algn="just">
               <a:lnSpc>
                 <a:spcPts val="4470"/>
               </a:lnSpc>
@@ -7190,12 +7270,12 @@
       </p:sp>
       <p:sp>
         <p:nvSpPr>
-          <p:cNvPr name="TextBox 28" id="28"/>
-          <p:cNvSpPr txBox="true"/>
+          <p:cNvPr id="28" name="TextBox 28"/>
+          <p:cNvSpPr txBox="1"/>
           <p:nvPr/>
         </p:nvSpPr>
         <p:spPr>
-          <a:xfrm rot="0">
+          <a:xfrm>
             <a:off x="14278274" y="6772409"/>
             <a:ext cx="2816627" cy="2223135"/>
           </a:xfrm>
@@ -7204,12 +7284,12 @@
           </a:prstGeom>
         </p:spPr>
         <p:txBody>
-          <a:bodyPr anchor="t" rtlCol="false" tIns="0" lIns="0" bIns="0" rIns="0">
+          <a:bodyPr lIns="0" tIns="0" rIns="0" bIns="0" rtlCol="0" anchor="t">
             <a:spAutoFit/>
           </a:bodyPr>
           <a:lstStyle/>
           <a:p>
-            <a:pPr algn="just" marL="0" indent="0" lvl="0">
+            <a:pPr marL="0" lvl="0" indent="0" algn="just">
               <a:lnSpc>
                 <a:spcPts val="4470"/>
               </a:lnSpc>
@@ -7234,12 +7314,12 @@
       </p:sp>
       <p:sp>
         <p:nvSpPr>
-          <p:cNvPr name="TextBox 29" id="29"/>
-          <p:cNvSpPr txBox="true"/>
+          <p:cNvPr id="29" name="TextBox 29"/>
+          <p:cNvSpPr txBox="1"/>
           <p:nvPr/>
         </p:nvSpPr>
         <p:spPr>
-          <a:xfrm rot="0">
+          <a:xfrm>
             <a:off x="3458475" y="1596820"/>
             <a:ext cx="2816627" cy="1428242"/>
           </a:xfrm>
@@ -7248,12 +7328,12 @@
           </a:prstGeom>
         </p:spPr>
         <p:txBody>
-          <a:bodyPr anchor="t" rtlCol="false" tIns="0" lIns="0" bIns="0" rIns="0">
+          <a:bodyPr lIns="0" tIns="0" rIns="0" bIns="0" rtlCol="0" anchor="t">
             <a:spAutoFit/>
           </a:bodyPr>
           <a:lstStyle/>
           <a:p>
-            <a:pPr algn="just" marL="0" indent="0" lvl="0">
+            <a:pPr marL="0" lvl="0" indent="0" algn="just">
               <a:lnSpc>
                 <a:spcPts val="3874"/>
               </a:lnSpc>
@@ -7275,12 +7355,12 @@
       </p:sp>
       <p:sp>
         <p:nvSpPr>
-          <p:cNvPr name="TextBox 30" id="30"/>
-          <p:cNvSpPr txBox="true"/>
+          <p:cNvPr id="30" name="TextBox 30"/>
+          <p:cNvSpPr txBox="1"/>
           <p:nvPr/>
         </p:nvSpPr>
         <p:spPr>
-          <a:xfrm rot="0">
+          <a:xfrm>
             <a:off x="3641573" y="4413234"/>
             <a:ext cx="2816627" cy="1099185"/>
           </a:xfrm>
@@ -7289,12 +7369,12 @@
           </a:prstGeom>
         </p:spPr>
         <p:txBody>
-          <a:bodyPr anchor="t" rtlCol="false" tIns="0" lIns="0" bIns="0" rIns="0">
+          <a:bodyPr lIns="0" tIns="0" rIns="0" bIns="0" rtlCol="0" anchor="t">
             <a:spAutoFit/>
           </a:bodyPr>
           <a:lstStyle/>
           <a:p>
-            <a:pPr algn="just" marL="0" indent="0" lvl="0">
+            <a:pPr marL="0" lvl="0" indent="0" algn="just">
               <a:lnSpc>
                 <a:spcPts val="4470"/>
               </a:lnSpc>
@@ -7316,12 +7396,12 @@
       </p:sp>
       <p:sp>
         <p:nvSpPr>
-          <p:cNvPr name="TextBox 31" id="31"/>
-          <p:cNvSpPr txBox="true"/>
+          <p:cNvPr id="31" name="TextBox 31"/>
+          <p:cNvSpPr txBox="1"/>
           <p:nvPr/>
         </p:nvSpPr>
         <p:spPr>
-          <a:xfrm rot="0">
+          <a:xfrm>
             <a:off x="3458475" y="7069451"/>
             <a:ext cx="2816627" cy="1657096"/>
           </a:xfrm>
@@ -7330,18 +7410,18 @@
           </a:prstGeom>
         </p:spPr>
         <p:txBody>
-          <a:bodyPr anchor="t" rtlCol="false" tIns="0" lIns="0" bIns="0" rIns="0">
+          <a:bodyPr lIns="0" tIns="0" rIns="0" bIns="0" rtlCol="0" anchor="t">
             <a:spAutoFit/>
           </a:bodyPr>
           <a:lstStyle/>
           <a:p>
-            <a:pPr algn="just" marL="0" indent="0" lvl="0">
+            <a:pPr marL="0" lvl="0" indent="0" algn="just">
               <a:lnSpc>
                 <a:spcPts val="1936"/>
               </a:lnSpc>
             </a:pPr>
             <a:r>
-              <a:rPr lang="en-US" sz="1299" strike="noStrike" u="none">
+              <a:rPr lang="en-US" sz="1299" u="none" strike="noStrike">
                 <a:solidFill>
                   <a:srgbClr val="EFEFEF"/>
                 </a:solidFill>
@@ -7357,12 +7437,12 @@
       </p:sp>
       <p:sp>
         <p:nvSpPr>
-          <p:cNvPr name="TextBox 32" id="32"/>
-          <p:cNvSpPr txBox="true"/>
+          <p:cNvPr id="32" name="TextBox 32"/>
+          <p:cNvSpPr txBox="1"/>
           <p:nvPr/>
         </p:nvSpPr>
         <p:spPr>
-          <a:xfrm rot="0">
+          <a:xfrm>
             <a:off x="6645754" y="4270994"/>
             <a:ext cx="5026307" cy="1372638"/>
           </a:xfrm>
@@ -7371,12 +7451,12 @@
           </a:prstGeom>
         </p:spPr>
         <p:txBody>
-          <a:bodyPr anchor="t" rtlCol="false" tIns="0" lIns="0" bIns="0" rIns="0">
+          <a:bodyPr lIns="0" tIns="0" rIns="0" bIns="0" rtlCol="0" anchor="t">
             <a:spAutoFit/>
           </a:bodyPr>
           <a:lstStyle/>
           <a:p>
-            <a:pPr algn="ctr" marL="0" indent="0" lvl="1">
+            <a:pPr marL="0" lvl="1" indent="0" algn="ctr">
               <a:lnSpc>
                 <a:spcPts val="5221"/>
               </a:lnSpc>
@@ -7385,7 +7465,7 @@
               </a:spcBef>
             </a:pPr>
             <a:r>
-              <a:rPr lang="en-US" b="true" sz="5382">
+              <a:rPr lang="en-US" sz="5382" b="1">
                 <a:solidFill>
                   <a:srgbClr val="000000"/>
                 </a:solidFill>
@@ -7401,12 +7481,12 @@
       </p:sp>
       <p:sp>
         <p:nvSpPr>
-          <p:cNvPr name="TextBox 33" id="33"/>
-          <p:cNvSpPr txBox="true"/>
+          <p:cNvPr id="33" name="TextBox 33"/>
+          <p:cNvSpPr txBox="1"/>
           <p:nvPr/>
         </p:nvSpPr>
         <p:spPr>
-          <a:xfrm rot="0">
+          <a:xfrm>
             <a:off x="1509697" y="1813157"/>
             <a:ext cx="1786853" cy="1231900"/>
           </a:xfrm>
@@ -7415,7 +7495,7 @@
           </a:prstGeom>
         </p:spPr>
         <p:txBody>
-          <a:bodyPr anchor="t" rtlCol="false" tIns="0" lIns="0" bIns="0" rIns="0">
+          <a:bodyPr lIns="0" tIns="0" rIns="0" bIns="0" rtlCol="0" anchor="t">
             <a:spAutoFit/>
           </a:bodyPr>
           <a:lstStyle/>
@@ -7426,7 +7506,7 @@
               </a:lnSpc>
             </a:pPr>
             <a:r>
-              <a:rPr lang="en-US" b="true" sz="5000" spc="-245">
+              <a:rPr lang="en-US" sz="5000" b="1" spc="-245">
                 <a:solidFill>
                   <a:srgbClr val="EFEFEF"/>
                 </a:solidFill>
@@ -7442,12 +7522,12 @@
       </p:sp>
       <p:sp>
         <p:nvSpPr>
-          <p:cNvPr name="TextBox 34" id="34"/>
-          <p:cNvSpPr txBox="true"/>
+          <p:cNvPr id="34" name="TextBox 34"/>
+          <p:cNvSpPr txBox="1"/>
           <p:nvPr/>
         </p:nvSpPr>
         <p:spPr>
-          <a:xfrm rot="0">
+          <a:xfrm>
             <a:off x="1197077" y="4280519"/>
             <a:ext cx="2628856" cy="1231900"/>
           </a:xfrm>
@@ -7456,7 +7536,7 @@
           </a:prstGeom>
         </p:spPr>
         <p:txBody>
-          <a:bodyPr anchor="t" rtlCol="false" tIns="0" lIns="0" bIns="0" rIns="0">
+          <a:bodyPr lIns="0" tIns="0" rIns="0" bIns="0" rtlCol="0" anchor="t">
             <a:spAutoFit/>
           </a:bodyPr>
           <a:lstStyle/>
@@ -7467,7 +7547,7 @@
               </a:lnSpc>
             </a:pPr>
             <a:r>
-              <a:rPr lang="en-US" b="true" sz="5000" spc="-245">
+              <a:rPr lang="en-US" sz="5000" b="1" spc="-245">
                 <a:solidFill>
                   <a:srgbClr val="EFEFEF"/>
                 </a:solidFill>
@@ -7483,12 +7563,12 @@
       </p:sp>
       <p:sp>
         <p:nvSpPr>
-          <p:cNvPr name="TextBox 35" id="35"/>
-          <p:cNvSpPr txBox="true"/>
+          <p:cNvPr id="35" name="TextBox 35"/>
+          <p:cNvSpPr txBox="1"/>
           <p:nvPr/>
         </p:nvSpPr>
         <p:spPr>
-          <a:xfrm rot="0">
+          <a:xfrm>
             <a:off x="1197077" y="7227593"/>
             <a:ext cx="2628856" cy="1231900"/>
           </a:xfrm>
@@ -7497,7 +7577,7 @@
           </a:prstGeom>
         </p:spPr>
         <p:txBody>
-          <a:bodyPr anchor="t" rtlCol="false" tIns="0" lIns="0" bIns="0" rIns="0">
+          <a:bodyPr lIns="0" tIns="0" rIns="0" bIns="0" rtlCol="0" anchor="t">
             <a:spAutoFit/>
           </a:bodyPr>
           <a:lstStyle/>
@@ -7508,7 +7588,7 @@
               </a:lnSpc>
             </a:pPr>
             <a:r>
-              <a:rPr lang="en-US" b="true" sz="5000" spc="-245">
+              <a:rPr lang="en-US" sz="5000" b="1" spc="-245">
                 <a:solidFill>
                   <a:srgbClr val="EFEFEF"/>
                 </a:solidFill>
@@ -7524,12 +7604,12 @@
       </p:sp>
       <p:sp>
         <p:nvSpPr>
-          <p:cNvPr name="TextBox 36" id="36"/>
-          <p:cNvSpPr txBox="true"/>
+          <p:cNvPr id="36" name="TextBox 36"/>
+          <p:cNvSpPr txBox="1"/>
           <p:nvPr/>
         </p:nvSpPr>
         <p:spPr>
-          <a:xfrm rot="0">
+          <a:xfrm>
             <a:off x="11928417" y="1813157"/>
             <a:ext cx="1999455" cy="1231900"/>
           </a:xfrm>
@@ -7538,7 +7618,7 @@
           </a:prstGeom>
         </p:spPr>
         <p:txBody>
-          <a:bodyPr anchor="t" rtlCol="false" tIns="0" lIns="0" bIns="0" rIns="0">
+          <a:bodyPr lIns="0" tIns="0" rIns="0" bIns="0" rtlCol="0" anchor="t">
             <a:spAutoFit/>
           </a:bodyPr>
           <a:lstStyle/>
@@ -7549,7 +7629,7 @@
               </a:lnSpc>
             </a:pPr>
             <a:r>
-              <a:rPr lang="en-US" b="true" sz="5000" spc="-245">
+              <a:rPr lang="en-US" sz="5000" b="1" spc="-245">
                 <a:solidFill>
                   <a:srgbClr val="EFEFEF"/>
                 </a:solidFill>
@@ -7565,12 +7645,12 @@
       </p:sp>
       <p:sp>
         <p:nvSpPr>
-          <p:cNvPr name="TextBox 37" id="37"/>
-          <p:cNvSpPr txBox="true"/>
+          <p:cNvPr id="37" name="TextBox 37"/>
+          <p:cNvSpPr txBox="1"/>
           <p:nvPr/>
         </p:nvSpPr>
         <p:spPr>
-          <a:xfrm rot="0">
+          <a:xfrm>
             <a:off x="11901508" y="3953746"/>
             <a:ext cx="2401200" cy="2413000"/>
           </a:xfrm>
@@ -7579,7 +7659,7 @@
           </a:prstGeom>
         </p:spPr>
         <p:txBody>
-          <a:bodyPr anchor="t" rtlCol="false" tIns="0" lIns="0" bIns="0" rIns="0">
+          <a:bodyPr lIns="0" tIns="0" rIns="0" bIns="0" rtlCol="0" anchor="t">
             <a:spAutoFit/>
           </a:bodyPr>
           <a:lstStyle/>
@@ -7590,7 +7670,7 @@
               </a:lnSpc>
             </a:pPr>
             <a:r>
-              <a:rPr lang="en-US" b="true" sz="5000" spc="-245">
+              <a:rPr lang="en-US" sz="5000" b="1" spc="-245">
                 <a:solidFill>
                   <a:srgbClr val="EFEFEF"/>
                 </a:solidFill>
@@ -7606,12 +7686,12 @@
       </p:sp>
       <p:sp>
         <p:nvSpPr>
-          <p:cNvPr name="TextBox 38" id="38"/>
-          <p:cNvSpPr txBox="true"/>
+          <p:cNvPr id="38" name="TextBox 38"/>
+          <p:cNvSpPr txBox="1"/>
           <p:nvPr/>
         </p:nvSpPr>
         <p:spPr>
-          <a:xfrm rot="0">
+          <a:xfrm>
             <a:off x="11787680" y="7376428"/>
             <a:ext cx="2628856" cy="1231900"/>
           </a:xfrm>
@@ -7620,7 +7700,7 @@
           </a:prstGeom>
         </p:spPr>
         <p:txBody>
-          <a:bodyPr anchor="t" rtlCol="false" tIns="0" lIns="0" bIns="0" rIns="0">
+          <a:bodyPr lIns="0" tIns="0" rIns="0" bIns="0" rtlCol="0" anchor="t">
             <a:spAutoFit/>
           </a:bodyPr>
           <a:lstStyle/>
@@ -7631,7 +7711,7 @@
               </a:lnSpc>
             </a:pPr>
             <a:r>
-              <a:rPr lang="en-US" b="true" sz="5000" spc="-245">
+              <a:rPr lang="en-US" sz="5000" b="1" spc="-245">
                 <a:solidFill>
                   <a:srgbClr val="EFEFEF"/>
                 </a:solidFill>
@@ -7654,13 +7734,14 @@
 </file>
 
 <file path=ppt/slides/slide7.xml><?xml version="1.0" encoding="utf-8"?>
-<p:sld xmlns:p="http://schemas.openxmlformats.org/presentationml/2006/main" xmlns:a="http://schemas.openxmlformats.org/drawingml/2006/main" xmlns:r="http://schemas.openxmlformats.org/officeDocument/2006/relationships">
+<p:sld xmlns:a="http://schemas.openxmlformats.org/drawingml/2006/main" xmlns:r="http://schemas.openxmlformats.org/officeDocument/2006/relationships" xmlns:p="http://schemas.openxmlformats.org/presentationml/2006/main">
   <p:cSld>
     <p:bg>
       <p:bgPr>
         <a:solidFill>
           <a:srgbClr val="EFEFEF"/>
         </a:solidFill>
+        <a:effectLst/>
       </p:bgPr>
     </p:bg>
     <p:spTree>
@@ -7679,12 +7760,12 @@
       </p:grpSpPr>
       <p:sp>
         <p:nvSpPr>
-          <p:cNvPr name="TextBox 2" id="2"/>
-          <p:cNvSpPr txBox="true"/>
+          <p:cNvPr id="2" name="TextBox 2"/>
+          <p:cNvSpPr txBox="1"/>
           <p:nvPr/>
         </p:nvSpPr>
         <p:spPr>
-          <a:xfrm rot="0">
+          <a:xfrm>
             <a:off x="804373" y="1513910"/>
             <a:ext cx="11352020" cy="3352879"/>
           </a:xfrm>
@@ -7693,7 +7774,7 @@
           </a:prstGeom>
         </p:spPr>
         <p:txBody>
-          <a:bodyPr anchor="t" rtlCol="false" tIns="0" lIns="0" bIns="0" rIns="0">
+          <a:bodyPr lIns="0" tIns="0" rIns="0" bIns="0" rtlCol="0" anchor="t">
             <a:spAutoFit/>
           </a:bodyPr>
           <a:lstStyle/>
@@ -7704,7 +7785,7 @@
               </a:lnSpc>
             </a:pPr>
             <a:r>
-              <a:rPr lang="en-US" b="true" sz="13278" spc="-624">
+              <a:rPr lang="en-US" sz="13278" b="1" spc="-624">
                 <a:solidFill>
                   <a:srgbClr val="000000"/>
                 </a:solidFill>
@@ -7720,12 +7801,12 @@
       </p:sp>
       <p:sp>
         <p:nvSpPr>
-          <p:cNvPr name="TextBox 3" id="3"/>
-          <p:cNvSpPr txBox="true"/>
+          <p:cNvPr id="3" name="TextBox 3"/>
+          <p:cNvSpPr txBox="1"/>
           <p:nvPr/>
         </p:nvSpPr>
         <p:spPr>
-          <a:xfrm rot="0">
+          <a:xfrm>
             <a:off x="804373" y="5690234"/>
             <a:ext cx="9181721" cy="3568066"/>
           </a:xfrm>
@@ -7734,12 +7815,12 @@
           </a:prstGeom>
         </p:spPr>
         <p:txBody>
-          <a:bodyPr anchor="t" rtlCol="false" tIns="0" lIns="0" bIns="0" rIns="0">
+          <a:bodyPr lIns="0" tIns="0" rIns="0" bIns="0" rtlCol="0" anchor="t">
             <a:spAutoFit/>
           </a:bodyPr>
           <a:lstStyle/>
           <a:p>
-            <a:pPr algn="just" marL="690872" indent="-345436" lvl="1">
+            <a:pPr marL="690872" lvl="1" indent="-345436" algn="just">
               <a:lnSpc>
                 <a:spcPts val="4319"/>
               </a:lnSpc>
@@ -7762,7 +7843,7 @@
               <a:t>Ex</a:t>
             </a:r>
             <a:r>
-              <a:rPr lang="en-US" sz="3199" spc="191" u="none">
+              <a:rPr lang="en-US" sz="3199" u="none" spc="191">
                 <a:solidFill>
                   <a:srgbClr val="000000"/>
                 </a:solidFill>
@@ -7783,9 +7864,18 @@
                 <a:spcPct val="0"/>
               </a:spcBef>
             </a:pPr>
-          </a:p>
-          <a:p>
-            <a:pPr algn="just" marL="690872" indent="-345436" lvl="1">
+            <a:endParaRPr lang="en-US" sz="3199" u="none" spc="191">
+              <a:solidFill>
+                <a:srgbClr val="000000"/>
+              </a:solidFill>
+              <a:latin typeface="TT Hoves"/>
+              <a:ea typeface="TT Hoves"/>
+              <a:cs typeface="TT Hoves"/>
+              <a:sym typeface="TT Hoves"/>
+            </a:endParaRPr>
+          </a:p>
+          <a:p>
+            <a:pPr marL="690872" lvl="1" indent="-345436" algn="just">
               <a:lnSpc>
                 <a:spcPts val="4319"/>
               </a:lnSpc>
@@ -7796,7 +7886,7 @@
               <a:buChar char="•"/>
             </a:pPr>
             <a:r>
-              <a:rPr lang="en-US" sz="3199" spc="191" u="none">
+              <a:rPr lang="en-US" sz="3199" u="none" spc="191">
                 <a:solidFill>
                   <a:srgbClr val="000000"/>
                 </a:solidFill>
@@ -7809,7 +7899,7 @@
             </a:r>
           </a:p>
           <a:p>
-            <a:pPr algn="just" marL="0" indent="0" lvl="0">
+            <a:pPr marL="0" lvl="0" indent="0" algn="just">
               <a:lnSpc>
                 <a:spcPts val="7019"/>
               </a:lnSpc>
@@ -7817,17 +7907,26 @@
                 <a:spcPct val="0"/>
               </a:spcBef>
             </a:pPr>
-          </a:p>
-        </p:txBody>
-      </p:sp>
-      <p:sp>
-        <p:nvSpPr>
-          <p:cNvPr name="Freeform 4" id="4"/>
+            <a:endParaRPr lang="en-US" sz="3199" u="none" spc="191">
+              <a:solidFill>
+                <a:srgbClr val="000000"/>
+              </a:solidFill>
+              <a:latin typeface="TT Hoves"/>
+              <a:ea typeface="TT Hoves"/>
+              <a:cs typeface="TT Hoves"/>
+              <a:sym typeface="TT Hoves"/>
+            </a:endParaRPr>
+          </a:p>
+        </p:txBody>
+      </p:sp>
+      <p:sp>
+        <p:nvSpPr>
+          <p:cNvPr id="4" name="Freeform 4"/>
           <p:cNvSpPr/>
           <p:nvPr/>
         </p:nvSpPr>
         <p:spPr>
-          <a:xfrm flipH="false" flipV="false" rot="0">
+          <a:xfrm>
             <a:off x="8480781" y="-7939543"/>
             <a:ext cx="15177319" cy="15177319"/>
           </a:xfrm>
@@ -7836,9 +7935,9 @@
             <a:gdLst/>
             <a:ahLst/>
             <a:cxnLst/>
-            <a:rect r="r" b="b" t="t" l="l"/>
+            <a:rect l="l" t="t" r="r" b="b"/>
             <a:pathLst>
-              <a:path h="15177319" w="15177319">
+              <a:path w="15177319" h="15177319">
                 <a:moveTo>
                   <a:pt x="0" y="0"/>
                 </a:moveTo>
@@ -7868,19 +7967,19 @@
               </a:extLst>
             </a:blip>
             <a:stretch>
-              <a:fillRect l="0" t="0" r="0" b="0"/>
+              <a:fillRect/>
             </a:stretch>
           </a:blipFill>
         </p:spPr>
       </p:sp>
       <p:grpSp>
         <p:nvGrpSpPr>
-          <p:cNvPr name="Group 5" id="5"/>
+          <p:cNvPr id="5" name="Group 5"/>
           <p:cNvGrpSpPr/>
           <p:nvPr/>
         </p:nvGrpSpPr>
         <p:grpSpPr>
-          <a:xfrm rot="0">
+          <a:xfrm>
             <a:off x="10766469" y="6041762"/>
             <a:ext cx="8217790" cy="4817439"/>
             <a:chOff x="0" y="0"/>
@@ -7889,12 +7988,12 @@
         </p:grpSpPr>
         <p:sp>
           <p:nvSpPr>
-            <p:cNvPr name="Freeform 6" id="6"/>
+            <p:cNvPr id="6" name="Freeform 6"/>
             <p:cNvSpPr/>
             <p:nvPr/>
           </p:nvSpPr>
           <p:spPr>
-            <a:xfrm flipH="false" flipV="false" rot="0">
+            <a:xfrm>
               <a:off x="0" y="0"/>
               <a:ext cx="2164356" cy="1268790"/>
             </a:xfrm>
@@ -7903,9 +8002,9 @@
               <a:gdLst/>
               <a:ahLst/>
               <a:cxnLst/>
-              <a:rect r="r" b="b" t="t" l="l"/>
+              <a:rect l="l" t="t" r="r" b="b"/>
               <a:pathLst>
-                <a:path h="1268790" w="2164356">
+                <a:path w="2164356" h="1268790">
                   <a:moveTo>
                     <a:pt x="0" y="0"/>
                   </a:moveTo>
@@ -7929,8 +8028,8 @@
         </p:sp>
         <p:sp>
           <p:nvSpPr>
-            <p:cNvPr name="TextBox 7" id="7"/>
-            <p:cNvSpPr txBox="true"/>
+            <p:cNvPr id="7" name="TextBox 7"/>
+            <p:cNvSpPr txBox="1"/>
             <p:nvPr/>
           </p:nvSpPr>
           <p:spPr>
@@ -7943,7 +8042,7 @@
             </a:prstGeom>
           </p:spPr>
           <p:txBody>
-            <a:bodyPr anchor="ctr" rtlCol="false" tIns="50800" lIns="50800" bIns="50800" rIns="50800"/>
+            <a:bodyPr lIns="50800" tIns="50800" rIns="50800" bIns="50800" rtlCol="0" anchor="ctr"/>
             <a:lstStyle/>
             <a:p>
               <a:pPr algn="ctr">
@@ -7951,18 +8050,19 @@
                   <a:spcPts val="3639"/>
                 </a:lnSpc>
               </a:pPr>
+              <a:endParaRPr/>
             </a:p>
           </p:txBody>
         </p:sp>
       </p:grpSp>
       <p:sp>
         <p:nvSpPr>
-          <p:cNvPr name="Freeform 8" id="8"/>
+          <p:cNvPr id="8" name="Freeform 8"/>
           <p:cNvSpPr/>
           <p:nvPr/>
         </p:nvSpPr>
         <p:spPr>
-          <a:xfrm flipH="false" flipV="false" rot="0">
+          <a:xfrm>
             <a:off x="12848655" y="0"/>
             <a:ext cx="5439345" cy="5998101"/>
           </a:xfrm>
@@ -7971,9 +8071,9 @@
             <a:gdLst/>
             <a:ahLst/>
             <a:cxnLst/>
-            <a:rect r="r" b="b" t="t" l="l"/>
+            <a:rect l="l" t="t" r="r" b="b"/>
             <a:pathLst>
-              <a:path h="5998101" w="5439345">
+              <a:path w="5439345" h="5998101">
                 <a:moveTo>
                   <a:pt x="0" y="0"/>
                 </a:moveTo>
@@ -7996,19 +8096,19 @@
           <a:blipFill>
             <a:blip r:embed="rId4"/>
             <a:stretch>
-              <a:fillRect l="-48311" t="0" r="-54792" b="0"/>
+              <a:fillRect l="-48311" r="-54792"/>
             </a:stretch>
           </a:blipFill>
         </p:spPr>
       </p:sp>
       <p:sp>
         <p:nvSpPr>
-          <p:cNvPr name="TextBox 9" id="9"/>
-          <p:cNvSpPr txBox="true"/>
+          <p:cNvPr id="9" name="TextBox 9"/>
+          <p:cNvSpPr txBox="1"/>
           <p:nvPr/>
         </p:nvSpPr>
         <p:spPr>
-          <a:xfrm rot="0">
+          <a:xfrm>
             <a:off x="12719168" y="6975212"/>
             <a:ext cx="6265091" cy="4832876"/>
           </a:xfrm>
@@ -8017,7 +8117,7 @@
           </a:prstGeom>
         </p:spPr>
         <p:txBody>
-          <a:bodyPr anchor="t" rtlCol="false" tIns="0" lIns="0" bIns="0" rIns="0">
+          <a:bodyPr lIns="0" tIns="0" rIns="0" bIns="0" rtlCol="0" anchor="t">
             <a:spAutoFit/>
           </a:bodyPr>
           <a:lstStyle/>
@@ -8028,7 +8128,7 @@
               </a:lnSpc>
             </a:pPr>
             <a:r>
-              <a:rPr lang="en-US" b="true" sz="37888" spc="-1856">
+              <a:rPr lang="en-US" sz="37888" b="1" spc="-1856">
                 <a:solidFill>
                   <a:srgbClr val="EFEFEF"/>
                 </a:solidFill>
@@ -8051,13 +8151,14 @@
 </file>
 
 <file path=ppt/slides/slide8.xml><?xml version="1.0" encoding="utf-8"?>
-<p:sld xmlns:p="http://schemas.openxmlformats.org/presentationml/2006/main" xmlns:a="http://schemas.openxmlformats.org/drawingml/2006/main" xmlns:r="http://schemas.openxmlformats.org/officeDocument/2006/relationships">
+<p:sld xmlns:a="http://schemas.openxmlformats.org/drawingml/2006/main" xmlns:r="http://schemas.openxmlformats.org/officeDocument/2006/relationships" xmlns:p="http://schemas.openxmlformats.org/presentationml/2006/main">
   <p:cSld>
     <p:bg>
       <p:bgPr>
         <a:solidFill>
           <a:srgbClr val="EFEFEF"/>
         </a:solidFill>
+        <a:effectLst/>
       </p:bgPr>
     </p:bg>
     <p:spTree>
@@ -8076,12 +8177,12 @@
       </p:grpSpPr>
       <p:sp>
         <p:nvSpPr>
-          <p:cNvPr name="TextBox 2" id="2"/>
-          <p:cNvSpPr txBox="true"/>
+          <p:cNvPr id="2" name="TextBox 2"/>
+          <p:cNvSpPr txBox="1"/>
           <p:nvPr/>
         </p:nvSpPr>
         <p:spPr>
-          <a:xfrm rot="0">
+          <a:xfrm>
             <a:off x="804373" y="5690234"/>
             <a:ext cx="9181721" cy="4110991"/>
           </a:xfrm>
@@ -8090,12 +8191,12 @@
           </a:prstGeom>
         </p:spPr>
         <p:txBody>
-          <a:bodyPr anchor="t" rtlCol="false" tIns="0" lIns="0" bIns="0" rIns="0">
+          <a:bodyPr lIns="0" tIns="0" rIns="0" bIns="0" rtlCol="0" anchor="t">
             <a:spAutoFit/>
           </a:bodyPr>
           <a:lstStyle/>
           <a:p>
-            <a:pPr algn="just" marL="690872" indent="-345436" lvl="1">
+            <a:pPr marL="690872" lvl="1" indent="-345436" algn="just">
               <a:lnSpc>
                 <a:spcPts val="4319"/>
               </a:lnSpc>
@@ -8121,9 +8222,18 @@
                 <a:spcPts val="4319"/>
               </a:lnSpc>
             </a:pPr>
-          </a:p>
-          <a:p>
-            <a:pPr algn="just" marL="690872" indent="-345436" lvl="1">
+            <a:endParaRPr lang="en-US" sz="3199" spc="191">
+              <a:solidFill>
+                <a:srgbClr val="000000"/>
+              </a:solidFill>
+              <a:latin typeface="TT Hoves"/>
+              <a:ea typeface="TT Hoves"/>
+              <a:cs typeface="TT Hoves"/>
+              <a:sym typeface="TT Hoves"/>
+            </a:endParaRPr>
+          </a:p>
+          <a:p>
+            <a:pPr marL="690872" lvl="1" indent="-345436" algn="just">
               <a:lnSpc>
                 <a:spcPts val="4319"/>
               </a:lnSpc>
@@ -8144,7 +8254,7 @@
             </a:r>
           </a:p>
           <a:p>
-            <a:pPr algn="just" marL="0" indent="0" lvl="0">
+            <a:pPr marL="0" lvl="0" indent="0" algn="just">
               <a:lnSpc>
                 <a:spcPts val="7019"/>
               </a:lnSpc>
@@ -8152,17 +8262,26 @@
                 <a:spcPct val="0"/>
               </a:spcBef>
             </a:pPr>
-          </a:p>
-        </p:txBody>
-      </p:sp>
-      <p:sp>
-        <p:nvSpPr>
-          <p:cNvPr name="Freeform 3" id="3"/>
+            <a:endParaRPr lang="en-US" sz="3199" spc="191">
+              <a:solidFill>
+                <a:srgbClr val="000000"/>
+              </a:solidFill>
+              <a:latin typeface="TT Hoves"/>
+              <a:ea typeface="TT Hoves"/>
+              <a:cs typeface="TT Hoves"/>
+              <a:sym typeface="TT Hoves"/>
+            </a:endParaRPr>
+          </a:p>
+        </p:txBody>
+      </p:sp>
+      <p:sp>
+        <p:nvSpPr>
+          <p:cNvPr id="3" name="Freeform 3"/>
           <p:cNvSpPr/>
           <p:nvPr/>
         </p:nvSpPr>
         <p:spPr>
-          <a:xfrm flipH="false" flipV="false" rot="0">
+          <a:xfrm>
             <a:off x="8480781" y="-7939543"/>
             <a:ext cx="15177319" cy="15177319"/>
           </a:xfrm>
@@ -8171,9 +8290,9 @@
             <a:gdLst/>
             <a:ahLst/>
             <a:cxnLst/>
-            <a:rect r="r" b="b" t="t" l="l"/>
+            <a:rect l="l" t="t" r="r" b="b"/>
             <a:pathLst>
-              <a:path h="15177319" w="15177319">
+              <a:path w="15177319" h="15177319">
                 <a:moveTo>
                   <a:pt x="0" y="0"/>
                 </a:moveTo>
@@ -8203,19 +8322,19 @@
               </a:extLst>
             </a:blip>
             <a:stretch>
-              <a:fillRect l="0" t="0" r="0" b="0"/>
+              <a:fillRect/>
             </a:stretch>
           </a:blipFill>
         </p:spPr>
       </p:sp>
       <p:grpSp>
         <p:nvGrpSpPr>
-          <p:cNvPr name="Group 4" id="4"/>
+          <p:cNvPr id="4" name="Group 4"/>
           <p:cNvGrpSpPr/>
           <p:nvPr/>
         </p:nvGrpSpPr>
         <p:grpSpPr>
-          <a:xfrm rot="0">
+          <a:xfrm>
             <a:off x="10766469" y="6041762"/>
             <a:ext cx="8217790" cy="4817439"/>
             <a:chOff x="0" y="0"/>
@@ -8224,12 +8343,12 @@
         </p:grpSpPr>
         <p:sp>
           <p:nvSpPr>
-            <p:cNvPr name="Freeform 5" id="5"/>
+            <p:cNvPr id="5" name="Freeform 5"/>
             <p:cNvSpPr/>
             <p:nvPr/>
           </p:nvSpPr>
           <p:spPr>
-            <a:xfrm flipH="false" flipV="false" rot="0">
+            <a:xfrm>
               <a:off x="0" y="0"/>
               <a:ext cx="2164356" cy="1268790"/>
             </a:xfrm>
@@ -8238,9 +8357,9 @@
               <a:gdLst/>
               <a:ahLst/>
               <a:cxnLst/>
-              <a:rect r="r" b="b" t="t" l="l"/>
+              <a:rect l="l" t="t" r="r" b="b"/>
               <a:pathLst>
-                <a:path h="1268790" w="2164356">
+                <a:path w="2164356" h="1268790">
                   <a:moveTo>
                     <a:pt x="0" y="0"/>
                   </a:moveTo>
@@ -8264,8 +8383,8 @@
         </p:sp>
         <p:sp>
           <p:nvSpPr>
-            <p:cNvPr name="TextBox 6" id="6"/>
-            <p:cNvSpPr txBox="true"/>
+            <p:cNvPr id="6" name="TextBox 6"/>
+            <p:cNvSpPr txBox="1"/>
             <p:nvPr/>
           </p:nvSpPr>
           <p:spPr>
@@ -8278,7 +8397,7 @@
             </a:prstGeom>
           </p:spPr>
           <p:txBody>
-            <a:bodyPr anchor="ctr" rtlCol="false" tIns="50800" lIns="50800" bIns="50800" rIns="50800"/>
+            <a:bodyPr lIns="50800" tIns="50800" rIns="50800" bIns="50800" rtlCol="0" anchor="ctr"/>
             <a:lstStyle/>
             <a:p>
               <a:pPr algn="ctr">
@@ -8286,18 +8405,19 @@
                   <a:spcPts val="3639"/>
                 </a:lnSpc>
               </a:pPr>
+              <a:endParaRPr/>
             </a:p>
           </p:txBody>
         </p:sp>
       </p:grpSp>
       <p:sp>
         <p:nvSpPr>
-          <p:cNvPr name="Freeform 7" id="7"/>
+          <p:cNvPr id="7" name="Freeform 7"/>
           <p:cNvSpPr/>
           <p:nvPr/>
         </p:nvSpPr>
         <p:spPr>
-          <a:xfrm flipH="false" flipV="false" rot="0">
+          <a:xfrm>
             <a:off x="9986978" y="0"/>
             <a:ext cx="8301022" cy="2999050"/>
           </a:xfrm>
@@ -8306,9 +8426,9 @@
             <a:gdLst/>
             <a:ahLst/>
             <a:cxnLst/>
-            <a:rect r="r" b="b" t="t" l="l"/>
+            <a:rect l="l" t="t" r="r" b="b"/>
             <a:pathLst>
-              <a:path h="2999050" w="8301022">
+              <a:path w="8301022" h="2999050">
                 <a:moveTo>
                   <a:pt x="0" y="0"/>
                 </a:moveTo>
@@ -8331,19 +8451,19 @@
           <a:blipFill>
             <a:blip r:embed="rId4"/>
             <a:stretch>
-              <a:fillRect l="-17998" t="0" r="-18144" b="-53557"/>
+              <a:fillRect l="-17998" r="-18144" b="-53557"/>
             </a:stretch>
           </a:blipFill>
         </p:spPr>
       </p:sp>
       <p:sp>
         <p:nvSpPr>
-          <p:cNvPr name="TextBox 8" id="8"/>
-          <p:cNvSpPr txBox="true"/>
+          <p:cNvPr id="8" name="TextBox 8"/>
+          <p:cNvSpPr txBox="1"/>
           <p:nvPr/>
         </p:nvSpPr>
         <p:spPr>
-          <a:xfrm rot="0">
+          <a:xfrm>
             <a:off x="804373" y="1470248"/>
             <a:ext cx="6723225" cy="3352879"/>
           </a:xfrm>
@@ -8352,7 +8472,7 @@
           </a:prstGeom>
         </p:spPr>
         <p:txBody>
-          <a:bodyPr anchor="t" rtlCol="false" tIns="0" lIns="0" bIns="0" rIns="0">
+          <a:bodyPr lIns="0" tIns="0" rIns="0" bIns="0" rtlCol="0" anchor="t">
             <a:spAutoFit/>
           </a:bodyPr>
           <a:lstStyle/>
@@ -8363,7 +8483,7 @@
               </a:lnSpc>
             </a:pPr>
             <a:r>
-              <a:rPr lang="en-US" sz="13278" spc="-624" b="true">
+              <a:rPr lang="en-US" sz="13278" b="1" spc="-624">
                 <a:solidFill>
                   <a:srgbClr val="000000"/>
                 </a:solidFill>
@@ -8382,7 +8502,7 @@
               </a:lnSpc>
             </a:pPr>
             <a:r>
-              <a:rPr lang="en-US" b="true" sz="13278" spc="-624">
+              <a:rPr lang="en-US" sz="13278" b="1" spc="-624">
                 <a:solidFill>
                   <a:srgbClr val="000000"/>
                 </a:solidFill>
@@ -8398,12 +8518,12 @@
       </p:sp>
       <p:sp>
         <p:nvSpPr>
-          <p:cNvPr name="TextBox 9" id="9"/>
-          <p:cNvSpPr txBox="true"/>
+          <p:cNvPr id="9" name="TextBox 9"/>
+          <p:cNvSpPr txBox="1"/>
           <p:nvPr/>
         </p:nvSpPr>
         <p:spPr>
-          <a:xfrm rot="0">
+          <a:xfrm>
             <a:off x="12719168" y="6975212"/>
             <a:ext cx="6265091" cy="4832876"/>
           </a:xfrm>
@@ -8412,7 +8532,7 @@
           </a:prstGeom>
         </p:spPr>
         <p:txBody>
-          <a:bodyPr anchor="t" rtlCol="false" tIns="0" lIns="0" bIns="0" rIns="0">
+          <a:bodyPr lIns="0" tIns="0" rIns="0" bIns="0" rtlCol="0" anchor="t">
             <a:spAutoFit/>
           </a:bodyPr>
           <a:lstStyle/>
@@ -8423,7 +8543,7 @@
               </a:lnSpc>
             </a:pPr>
             <a:r>
-              <a:rPr lang="en-US" b="true" sz="37888" spc="-1856">
+              <a:rPr lang="en-US" sz="37888" b="1" spc="-1856">
                 <a:solidFill>
                   <a:srgbClr val="EFEFEF"/>
                 </a:solidFill>
@@ -8446,13 +8566,14 @@
 </file>
 
 <file path=ppt/slides/slide9.xml><?xml version="1.0" encoding="utf-8"?>
-<p:sld xmlns:p="http://schemas.openxmlformats.org/presentationml/2006/main" xmlns:a="http://schemas.openxmlformats.org/drawingml/2006/main" xmlns:r="http://schemas.openxmlformats.org/officeDocument/2006/relationships">
+<p:sld xmlns:a="http://schemas.openxmlformats.org/drawingml/2006/main" xmlns:r="http://schemas.openxmlformats.org/officeDocument/2006/relationships" xmlns:p="http://schemas.openxmlformats.org/presentationml/2006/main">
   <p:cSld>
     <p:bg>
       <p:bgPr>
         <a:solidFill>
           <a:srgbClr val="EFEFEF"/>
         </a:solidFill>
+        <a:effectLst/>
       </p:bgPr>
     </p:bg>
     <p:spTree>
@@ -8471,12 +8592,12 @@
       </p:grpSpPr>
       <p:sp>
         <p:nvSpPr>
-          <p:cNvPr name="TextBox 2" id="2"/>
-          <p:cNvSpPr txBox="true"/>
+          <p:cNvPr id="2" name="TextBox 2"/>
+          <p:cNvSpPr txBox="1"/>
           <p:nvPr/>
         </p:nvSpPr>
         <p:spPr>
-          <a:xfrm rot="0">
+          <a:xfrm>
             <a:off x="7444889" y="2059343"/>
             <a:ext cx="4062585" cy="2045550"/>
           </a:xfrm>
@@ -8485,7 +8606,7 @@
           </a:prstGeom>
         </p:spPr>
         <p:txBody>
-          <a:bodyPr anchor="t" rtlCol="false" tIns="0" lIns="0" bIns="0" rIns="0">
+          <a:bodyPr lIns="0" tIns="0" rIns="0" bIns="0" rtlCol="0" anchor="t">
             <a:spAutoFit/>
           </a:bodyPr>
           <a:lstStyle/>
@@ -8512,12 +8633,12 @@
       </p:sp>
       <p:sp>
         <p:nvSpPr>
-          <p:cNvPr name="Freeform 3" id="3"/>
+          <p:cNvPr id="3" name="Freeform 3"/>
           <p:cNvSpPr/>
           <p:nvPr/>
         </p:nvSpPr>
         <p:spPr>
-          <a:xfrm flipH="false" flipV="false" rot="0">
+          <a:xfrm>
             <a:off x="13237021" y="5852251"/>
             <a:ext cx="7624730" cy="7624730"/>
           </a:xfrm>
@@ -8526,9 +8647,9 @@
             <a:gdLst/>
             <a:ahLst/>
             <a:cxnLst/>
-            <a:rect r="r" b="b" t="t" l="l"/>
+            <a:rect l="l" t="t" r="r" b="b"/>
             <a:pathLst>
-              <a:path h="7624730" w="7624730">
+              <a:path w="7624730" h="7624730">
                 <a:moveTo>
                   <a:pt x="0" y="0"/>
                 </a:moveTo>
@@ -8558,19 +8679,19 @@
               </a:extLst>
             </a:blip>
             <a:stretch>
-              <a:fillRect l="0" t="0" r="0" b="0"/>
+              <a:fillRect/>
             </a:stretch>
           </a:blipFill>
         </p:spPr>
       </p:sp>
       <p:grpSp>
         <p:nvGrpSpPr>
-          <p:cNvPr name="Group 4" id="4"/>
+          <p:cNvPr id="4" name="Group 4"/>
           <p:cNvGrpSpPr/>
           <p:nvPr/>
         </p:nvGrpSpPr>
         <p:grpSpPr>
-          <a:xfrm rot="0">
+          <a:xfrm>
             <a:off x="6898774" y="2154593"/>
             <a:ext cx="273982" cy="245024"/>
             <a:chOff x="0" y="0"/>
@@ -8579,12 +8700,12 @@
         </p:grpSpPr>
         <p:sp>
           <p:nvSpPr>
-            <p:cNvPr name="Freeform 5" id="5"/>
+            <p:cNvPr id="5" name="Freeform 5"/>
             <p:cNvSpPr/>
             <p:nvPr/>
           </p:nvSpPr>
           <p:spPr>
-            <a:xfrm flipH="false" flipV="false" rot="0">
+            <a:xfrm>
               <a:off x="0" y="0"/>
               <a:ext cx="91718" cy="82024"/>
             </a:xfrm>
@@ -8593,9 +8714,9 @@
               <a:gdLst/>
               <a:ahLst/>
               <a:cxnLst/>
-              <a:rect r="r" b="b" t="t" l="l"/>
+              <a:rect l="l" t="t" r="r" b="b"/>
               <a:pathLst>
-                <a:path h="82024" w="91718">
+                <a:path w="91718" h="82024">
                   <a:moveTo>
                     <a:pt x="0" y="0"/>
                   </a:moveTo>
@@ -8619,8 +8740,8 @@
         </p:sp>
         <p:sp>
           <p:nvSpPr>
-            <p:cNvPr name="TextBox 6" id="6"/>
-            <p:cNvSpPr txBox="true"/>
+            <p:cNvPr id="6" name="TextBox 6"/>
+            <p:cNvSpPr txBox="1"/>
             <p:nvPr/>
           </p:nvSpPr>
           <p:spPr>
@@ -8633,7 +8754,7 @@
             </a:prstGeom>
           </p:spPr>
           <p:txBody>
-            <a:bodyPr anchor="ctr" rtlCol="false" tIns="50800" lIns="50800" bIns="50800" rIns="50800"/>
+            <a:bodyPr lIns="50800" tIns="50800" rIns="50800" bIns="50800" rtlCol="0" anchor="ctr"/>
             <a:lstStyle/>
             <a:p>
               <a:pPr algn="ctr">
@@ -8641,18 +8762,19 @@
                   <a:spcPts val="1925"/>
                 </a:lnSpc>
               </a:pPr>
+              <a:endParaRPr/>
             </a:p>
           </p:txBody>
         </p:sp>
       </p:grpSp>
       <p:grpSp>
         <p:nvGrpSpPr>
-          <p:cNvPr name="Group 7" id="7"/>
+          <p:cNvPr id="7" name="Group 7"/>
           <p:cNvGrpSpPr/>
           <p:nvPr/>
         </p:nvGrpSpPr>
         <p:grpSpPr>
-          <a:xfrm rot="0">
+          <a:xfrm>
             <a:off x="6898774" y="5729739"/>
             <a:ext cx="273982" cy="245024"/>
             <a:chOff x="0" y="0"/>
@@ -8661,12 +8783,12 @@
         </p:grpSpPr>
         <p:sp>
           <p:nvSpPr>
-            <p:cNvPr name="Freeform 8" id="8"/>
+            <p:cNvPr id="8" name="Freeform 8"/>
             <p:cNvSpPr/>
             <p:nvPr/>
           </p:nvSpPr>
           <p:spPr>
-            <a:xfrm flipH="false" flipV="false" rot="0">
+            <a:xfrm>
               <a:off x="0" y="0"/>
               <a:ext cx="91718" cy="82024"/>
             </a:xfrm>
@@ -8675,9 +8797,9 @@
               <a:gdLst/>
               <a:ahLst/>
               <a:cxnLst/>
-              <a:rect r="r" b="b" t="t" l="l"/>
+              <a:rect l="l" t="t" r="r" b="b"/>
               <a:pathLst>
-                <a:path h="82024" w="91718">
+                <a:path w="91718" h="82024">
                   <a:moveTo>
                     <a:pt x="0" y="0"/>
                   </a:moveTo>
@@ -8701,8 +8823,8 @@
         </p:sp>
         <p:sp>
           <p:nvSpPr>
-            <p:cNvPr name="TextBox 9" id="9"/>
-            <p:cNvSpPr txBox="true"/>
+            <p:cNvPr id="9" name="TextBox 9"/>
+            <p:cNvSpPr txBox="1"/>
             <p:nvPr/>
           </p:nvSpPr>
           <p:spPr>
@@ -8715,7 +8837,7 @@
             </a:prstGeom>
           </p:spPr>
           <p:txBody>
-            <a:bodyPr anchor="ctr" rtlCol="false" tIns="50800" lIns="50800" bIns="50800" rIns="50800"/>
+            <a:bodyPr lIns="50800" tIns="50800" rIns="50800" bIns="50800" rtlCol="0" anchor="ctr"/>
             <a:lstStyle/>
             <a:p>
               <a:pPr algn="ctr">
@@ -8723,18 +8845,19 @@
                   <a:spcPts val="1925"/>
                 </a:lnSpc>
               </a:pPr>
+              <a:endParaRPr/>
             </a:p>
           </p:txBody>
         </p:sp>
       </p:grpSp>
       <p:grpSp>
         <p:nvGrpSpPr>
-          <p:cNvPr name="Group 10" id="10"/>
+          <p:cNvPr id="10" name="Group 10"/>
           <p:cNvGrpSpPr/>
           <p:nvPr/>
         </p:nvGrpSpPr>
         <p:grpSpPr>
-          <a:xfrm rot="0">
+          <a:xfrm>
             <a:off x="12686814" y="2154593"/>
             <a:ext cx="273982" cy="245024"/>
             <a:chOff x="0" y="0"/>
@@ -8743,12 +8866,12 @@
         </p:grpSpPr>
         <p:sp>
           <p:nvSpPr>
-            <p:cNvPr name="Freeform 11" id="11"/>
+            <p:cNvPr id="11" name="Freeform 11"/>
             <p:cNvSpPr/>
             <p:nvPr/>
           </p:nvSpPr>
           <p:spPr>
-            <a:xfrm flipH="false" flipV="false" rot="0">
+            <a:xfrm>
               <a:off x="0" y="0"/>
               <a:ext cx="91718" cy="82024"/>
             </a:xfrm>
@@ -8757,9 +8880,9 @@
               <a:gdLst/>
               <a:ahLst/>
               <a:cxnLst/>
-              <a:rect r="r" b="b" t="t" l="l"/>
+              <a:rect l="l" t="t" r="r" b="b"/>
               <a:pathLst>
-                <a:path h="82024" w="91718">
+                <a:path w="91718" h="82024">
                   <a:moveTo>
                     <a:pt x="0" y="0"/>
                   </a:moveTo>
@@ -8783,8 +8906,8 @@
         </p:sp>
         <p:sp>
           <p:nvSpPr>
-            <p:cNvPr name="TextBox 12" id="12"/>
-            <p:cNvSpPr txBox="true"/>
+            <p:cNvPr id="12" name="TextBox 12"/>
+            <p:cNvSpPr txBox="1"/>
             <p:nvPr/>
           </p:nvSpPr>
           <p:spPr>
@@ -8797,7 +8920,7 @@
             </a:prstGeom>
           </p:spPr>
           <p:txBody>
-            <a:bodyPr anchor="ctr" rtlCol="false" tIns="50800" lIns="50800" bIns="50800" rIns="50800"/>
+            <a:bodyPr lIns="50800" tIns="50800" rIns="50800" bIns="50800" rtlCol="0" anchor="ctr"/>
             <a:lstStyle/>
             <a:p>
               <a:pPr algn="ctr">
@@ -8805,18 +8928,19 @@
                   <a:spcPts val="1925"/>
                 </a:lnSpc>
               </a:pPr>
+              <a:endParaRPr/>
             </a:p>
           </p:txBody>
         </p:sp>
       </p:grpSp>
       <p:grpSp>
         <p:nvGrpSpPr>
-          <p:cNvPr name="Group 13" id="13"/>
+          <p:cNvPr id="13" name="Group 13"/>
           <p:cNvGrpSpPr/>
           <p:nvPr/>
         </p:nvGrpSpPr>
         <p:grpSpPr>
-          <a:xfrm rot="0">
+          <a:xfrm>
             <a:off x="-1822665" y="-795948"/>
             <a:ext cx="7178388" cy="11878896"/>
             <a:chOff x="0" y="0"/>
@@ -8825,12 +8949,12 @@
         </p:grpSpPr>
         <p:sp>
           <p:nvSpPr>
-            <p:cNvPr name="Freeform 14" id="14"/>
+            <p:cNvPr id="14" name="Freeform 14"/>
             <p:cNvSpPr/>
             <p:nvPr/>
           </p:nvSpPr>
           <p:spPr>
-            <a:xfrm flipH="false" flipV="false" rot="0">
+            <a:xfrm>
               <a:off x="0" y="0"/>
               <a:ext cx="1890604" cy="3128598"/>
             </a:xfrm>
@@ -8839,9 +8963,9 @@
               <a:gdLst/>
               <a:ahLst/>
               <a:cxnLst/>
-              <a:rect r="r" b="b" t="t" l="l"/>
+              <a:rect l="l" t="t" r="r" b="b"/>
               <a:pathLst>
-                <a:path h="3128598" w="1890604">
+                <a:path w="1890604" h="3128598">
                   <a:moveTo>
                     <a:pt x="0" y="0"/>
                   </a:moveTo>
@@ -8865,8 +8989,8 @@
         </p:sp>
         <p:sp>
           <p:nvSpPr>
-            <p:cNvPr name="TextBox 15" id="15"/>
-            <p:cNvSpPr txBox="true"/>
+            <p:cNvPr id="15" name="TextBox 15"/>
+            <p:cNvSpPr txBox="1"/>
             <p:nvPr/>
           </p:nvSpPr>
           <p:spPr>
@@ -8879,7 +9003,7 @@
             </a:prstGeom>
           </p:spPr>
           <p:txBody>
-            <a:bodyPr anchor="ctr" rtlCol="false" tIns="50800" lIns="50800" bIns="50800" rIns="50800"/>
+            <a:bodyPr lIns="50800" tIns="50800" rIns="50800" bIns="50800" rtlCol="0" anchor="ctr"/>
             <a:lstStyle/>
             <a:p>
               <a:pPr algn="ctr">
@@ -8887,14 +9011,15 @@
                   <a:spcPts val="3639"/>
                 </a:lnSpc>
               </a:pPr>
+              <a:endParaRPr/>
             </a:p>
           </p:txBody>
         </p:sp>
       </p:grpSp>
       <p:sp>
         <p:nvSpPr>
-          <p:cNvPr name="TextBox 16" id="16"/>
-          <p:cNvSpPr txBox="true"/>
+          <p:cNvPr id="16" name="TextBox 16"/>
+          <p:cNvSpPr txBox="1"/>
           <p:nvPr/>
         </p:nvSpPr>
         <p:spPr>
@@ -8907,7 +9032,7 @@
           </a:prstGeom>
         </p:spPr>
         <p:txBody>
-          <a:bodyPr anchor="t" rtlCol="false" tIns="0" lIns="0" bIns="0" rIns="0">
+          <a:bodyPr lIns="0" tIns="0" rIns="0" bIns="0" rtlCol="0" anchor="t">
             <a:spAutoFit/>
           </a:bodyPr>
           <a:lstStyle/>
@@ -8918,7 +9043,7 @@
               </a:lnSpc>
             </a:pPr>
             <a:r>
-              <a:rPr lang="en-US" sz="16913" spc="-811" b="true">
+              <a:rPr lang="en-US" sz="16913" b="1" spc="-811">
                 <a:solidFill>
                   <a:srgbClr val="EFEFEF"/>
                 </a:solidFill>
@@ -8934,12 +9059,12 @@
       </p:sp>
       <p:sp>
         <p:nvSpPr>
-          <p:cNvPr name="TextBox 17" id="17"/>
-          <p:cNvSpPr txBox="true"/>
+          <p:cNvPr id="17" name="TextBox 17"/>
+          <p:cNvSpPr txBox="1"/>
           <p:nvPr/>
         </p:nvSpPr>
         <p:spPr>
-          <a:xfrm rot="0">
+          <a:xfrm>
             <a:off x="-707284" y="-253023"/>
             <a:ext cx="3677731" cy="2845012"/>
           </a:xfrm>
@@ -8948,7 +9073,7 @@
           </a:prstGeom>
         </p:spPr>
         <p:txBody>
-          <a:bodyPr anchor="t" rtlCol="false" tIns="0" lIns="0" bIns="0" rIns="0">
+          <a:bodyPr lIns="0" tIns="0" rIns="0" bIns="0" rtlCol="0" anchor="t">
             <a:spAutoFit/>
           </a:bodyPr>
           <a:lstStyle/>
@@ -8959,7 +9084,7 @@
               </a:lnSpc>
             </a:pPr>
             <a:r>
-              <a:rPr lang="en-US" b="true" sz="22241" spc="-1089">
+              <a:rPr lang="en-US" sz="22241" b="1" spc="-1089">
                 <a:solidFill>
                   <a:srgbClr val="EFEFEF"/>
                 </a:solidFill>
@@ -8975,12 +9100,12 @@
       </p:sp>
       <p:sp>
         <p:nvSpPr>
-          <p:cNvPr name="TextBox 18" id="18"/>
-          <p:cNvSpPr txBox="true"/>
+          <p:cNvPr id="18" name="TextBox 18"/>
+          <p:cNvSpPr txBox="1"/>
           <p:nvPr/>
         </p:nvSpPr>
         <p:spPr>
-          <a:xfrm rot="0">
+          <a:xfrm>
             <a:off x="13237021" y="2059343"/>
             <a:ext cx="4062585" cy="1527919"/>
           </a:xfrm>
@@ -8989,7 +9114,7 @@
           </a:prstGeom>
         </p:spPr>
         <p:txBody>
-          <a:bodyPr anchor="t" rtlCol="false" tIns="0" lIns="0" bIns="0" rIns="0">
+          <a:bodyPr lIns="0" tIns="0" rIns="0" bIns="0" rtlCol="0" anchor="t">
             <a:spAutoFit/>
           </a:bodyPr>
           <a:lstStyle/>
@@ -9016,12 +9141,12 @@
       </p:sp>
       <p:sp>
         <p:nvSpPr>
-          <p:cNvPr name="TextBox 19" id="19"/>
-          <p:cNvSpPr txBox="true"/>
+          <p:cNvPr id="19" name="TextBox 19"/>
+          <p:cNvSpPr txBox="1"/>
           <p:nvPr/>
         </p:nvSpPr>
         <p:spPr>
-          <a:xfrm rot="0">
+          <a:xfrm>
             <a:off x="7444889" y="5634489"/>
             <a:ext cx="4062585" cy="1518076"/>
           </a:xfrm>
@@ -9030,7 +9155,7 @@
           </a:prstGeom>
         </p:spPr>
         <p:txBody>
-          <a:bodyPr anchor="t" rtlCol="false" tIns="0" lIns="0" bIns="0" rIns="0">
+          <a:bodyPr lIns="0" tIns="0" rIns="0" bIns="0" rtlCol="0" anchor="t">
             <a:spAutoFit/>
           </a:bodyPr>
           <a:lstStyle/>
@@ -9041,7 +9166,7 @@
               </a:lnSpc>
             </a:pPr>
             <a:r>
-              <a:rPr lang="en-US" b="true" sz="2629">
+              <a:rPr lang="en-US" sz="2629" b="1">
                 <a:solidFill>
                   <a:srgbClr val="343434"/>
                 </a:solidFill>
